--- a/assets/docs/Rules-Based-Auth-Slides.pptx
+++ b/assets/docs/Rules-Based-Auth-Slides.pptx
@@ -372,104 +372,239 @@
         <p:txBody>
           <a:bodyPr anchorCtr="0" anchor="t" bIns="91425" lIns="91425" spcFirstLastPara="1" rIns="91425" wrap="square" tIns="91425"/>
           <a:lstStyle>
-            <a:lvl1pPr indent="-298450" lvl="0" marL="457200">
-              <a:spcBef>
-                <a:spcPts val="0"/>
-              </a:spcBef>
-              <a:spcAft>
-                <a:spcPts val="0"/>
-              </a:spcAft>
+            <a:lvl1pPr indent="-298450" lvl="0" marL="457200" marR="0" rtl="0" algn="l">
+              <a:lnSpc>
+                <a:spcPct val="100000"/>
+              </a:lnSpc>
+              <a:spcBef>
+                <a:spcPts val="0"/>
+              </a:spcBef>
+              <a:spcAft>
+                <a:spcPts val="0"/>
+              </a:spcAft>
+              <a:buClr>
+                <a:srgbClr val="000000"/>
+              </a:buClr>
               <a:buSzPts val="1100"/>
+              <a:buFont typeface="Arial"/>
               <a:buChar char="●"/>
-              <a:defRPr sz="1100"/>
+              <a:defRPr b="0" i="0" sz="1100" u="none" cap="none" strike="noStrike">
+                <a:solidFill>
+                  <a:srgbClr val="000000"/>
+                </a:solidFill>
+                <a:latin typeface="Arial"/>
+                <a:ea typeface="Arial"/>
+                <a:cs typeface="Arial"/>
+                <a:sym typeface="Arial"/>
+              </a:defRPr>
             </a:lvl1pPr>
-            <a:lvl2pPr indent="-298450" lvl="1" marL="914400">
-              <a:spcBef>
-                <a:spcPts val="0"/>
-              </a:spcBef>
-              <a:spcAft>
-                <a:spcPts val="0"/>
-              </a:spcAft>
+            <a:lvl2pPr indent="-298450" lvl="1" marL="914400" marR="0" rtl="0" algn="l">
+              <a:lnSpc>
+                <a:spcPct val="100000"/>
+              </a:lnSpc>
+              <a:spcBef>
+                <a:spcPts val="0"/>
+              </a:spcBef>
+              <a:spcAft>
+                <a:spcPts val="0"/>
+              </a:spcAft>
+              <a:buClr>
+                <a:srgbClr val="000000"/>
+              </a:buClr>
               <a:buSzPts val="1100"/>
+              <a:buFont typeface="Arial"/>
               <a:buChar char="○"/>
-              <a:defRPr sz="1100"/>
+              <a:defRPr b="0" i="0" sz="1100" u="none" cap="none" strike="noStrike">
+                <a:solidFill>
+                  <a:srgbClr val="000000"/>
+                </a:solidFill>
+                <a:latin typeface="Arial"/>
+                <a:ea typeface="Arial"/>
+                <a:cs typeface="Arial"/>
+                <a:sym typeface="Arial"/>
+              </a:defRPr>
             </a:lvl2pPr>
-            <a:lvl3pPr indent="-298450" lvl="2" marL="1371600">
-              <a:spcBef>
-                <a:spcPts val="0"/>
-              </a:spcBef>
-              <a:spcAft>
-                <a:spcPts val="0"/>
-              </a:spcAft>
+            <a:lvl3pPr indent="-298450" lvl="2" marL="1371600" marR="0" rtl="0" algn="l">
+              <a:lnSpc>
+                <a:spcPct val="100000"/>
+              </a:lnSpc>
+              <a:spcBef>
+                <a:spcPts val="0"/>
+              </a:spcBef>
+              <a:spcAft>
+                <a:spcPts val="0"/>
+              </a:spcAft>
+              <a:buClr>
+                <a:srgbClr val="000000"/>
+              </a:buClr>
               <a:buSzPts val="1100"/>
+              <a:buFont typeface="Arial"/>
               <a:buChar char="■"/>
-              <a:defRPr sz="1100"/>
+              <a:defRPr b="0" i="0" sz="1100" u="none" cap="none" strike="noStrike">
+                <a:solidFill>
+                  <a:srgbClr val="000000"/>
+                </a:solidFill>
+                <a:latin typeface="Arial"/>
+                <a:ea typeface="Arial"/>
+                <a:cs typeface="Arial"/>
+                <a:sym typeface="Arial"/>
+              </a:defRPr>
             </a:lvl3pPr>
-            <a:lvl4pPr indent="-298450" lvl="3" marL="1828800">
-              <a:spcBef>
-                <a:spcPts val="0"/>
-              </a:spcBef>
-              <a:spcAft>
-                <a:spcPts val="0"/>
-              </a:spcAft>
+            <a:lvl4pPr indent="-298450" lvl="3" marL="1828800" marR="0" rtl="0" algn="l">
+              <a:lnSpc>
+                <a:spcPct val="100000"/>
+              </a:lnSpc>
+              <a:spcBef>
+                <a:spcPts val="0"/>
+              </a:spcBef>
+              <a:spcAft>
+                <a:spcPts val="0"/>
+              </a:spcAft>
+              <a:buClr>
+                <a:srgbClr val="000000"/>
+              </a:buClr>
               <a:buSzPts val="1100"/>
+              <a:buFont typeface="Arial"/>
               <a:buChar char="●"/>
-              <a:defRPr sz="1100"/>
+              <a:defRPr b="0" i="0" sz="1100" u="none" cap="none" strike="noStrike">
+                <a:solidFill>
+                  <a:srgbClr val="000000"/>
+                </a:solidFill>
+                <a:latin typeface="Arial"/>
+                <a:ea typeface="Arial"/>
+                <a:cs typeface="Arial"/>
+                <a:sym typeface="Arial"/>
+              </a:defRPr>
             </a:lvl4pPr>
-            <a:lvl5pPr indent="-298450" lvl="4" marL="2286000">
-              <a:spcBef>
-                <a:spcPts val="0"/>
-              </a:spcBef>
-              <a:spcAft>
-                <a:spcPts val="0"/>
-              </a:spcAft>
+            <a:lvl5pPr indent="-298450" lvl="4" marL="2286000" marR="0" rtl="0" algn="l">
+              <a:lnSpc>
+                <a:spcPct val="100000"/>
+              </a:lnSpc>
+              <a:spcBef>
+                <a:spcPts val="0"/>
+              </a:spcBef>
+              <a:spcAft>
+                <a:spcPts val="0"/>
+              </a:spcAft>
+              <a:buClr>
+                <a:srgbClr val="000000"/>
+              </a:buClr>
               <a:buSzPts val="1100"/>
+              <a:buFont typeface="Arial"/>
               <a:buChar char="○"/>
-              <a:defRPr sz="1100"/>
+              <a:defRPr b="0" i="0" sz="1100" u="none" cap="none" strike="noStrike">
+                <a:solidFill>
+                  <a:srgbClr val="000000"/>
+                </a:solidFill>
+                <a:latin typeface="Arial"/>
+                <a:ea typeface="Arial"/>
+                <a:cs typeface="Arial"/>
+                <a:sym typeface="Arial"/>
+              </a:defRPr>
             </a:lvl5pPr>
-            <a:lvl6pPr indent="-298450" lvl="5" marL="2743200">
-              <a:spcBef>
-                <a:spcPts val="0"/>
-              </a:spcBef>
-              <a:spcAft>
-                <a:spcPts val="0"/>
-              </a:spcAft>
+            <a:lvl6pPr indent="-298450" lvl="5" marL="2743200" marR="0" rtl="0" algn="l">
+              <a:lnSpc>
+                <a:spcPct val="100000"/>
+              </a:lnSpc>
+              <a:spcBef>
+                <a:spcPts val="0"/>
+              </a:spcBef>
+              <a:spcAft>
+                <a:spcPts val="0"/>
+              </a:spcAft>
+              <a:buClr>
+                <a:srgbClr val="000000"/>
+              </a:buClr>
               <a:buSzPts val="1100"/>
+              <a:buFont typeface="Arial"/>
               <a:buChar char="■"/>
-              <a:defRPr sz="1100"/>
+              <a:defRPr b="0" i="0" sz="1100" u="none" cap="none" strike="noStrike">
+                <a:solidFill>
+                  <a:srgbClr val="000000"/>
+                </a:solidFill>
+                <a:latin typeface="Arial"/>
+                <a:ea typeface="Arial"/>
+                <a:cs typeface="Arial"/>
+                <a:sym typeface="Arial"/>
+              </a:defRPr>
             </a:lvl6pPr>
-            <a:lvl7pPr indent="-298450" lvl="6" marL="3200400">
-              <a:spcBef>
-                <a:spcPts val="0"/>
-              </a:spcBef>
-              <a:spcAft>
-                <a:spcPts val="0"/>
-              </a:spcAft>
+            <a:lvl7pPr indent="-298450" lvl="6" marL="3200400" marR="0" rtl="0" algn="l">
+              <a:lnSpc>
+                <a:spcPct val="100000"/>
+              </a:lnSpc>
+              <a:spcBef>
+                <a:spcPts val="0"/>
+              </a:spcBef>
+              <a:spcAft>
+                <a:spcPts val="0"/>
+              </a:spcAft>
+              <a:buClr>
+                <a:srgbClr val="000000"/>
+              </a:buClr>
               <a:buSzPts val="1100"/>
+              <a:buFont typeface="Arial"/>
               <a:buChar char="●"/>
-              <a:defRPr sz="1100"/>
+              <a:defRPr b="0" i="0" sz="1100" u="none" cap="none" strike="noStrike">
+                <a:solidFill>
+                  <a:srgbClr val="000000"/>
+                </a:solidFill>
+                <a:latin typeface="Arial"/>
+                <a:ea typeface="Arial"/>
+                <a:cs typeface="Arial"/>
+                <a:sym typeface="Arial"/>
+              </a:defRPr>
             </a:lvl7pPr>
-            <a:lvl8pPr indent="-298450" lvl="7" marL="3657600">
-              <a:spcBef>
-                <a:spcPts val="0"/>
-              </a:spcBef>
-              <a:spcAft>
-                <a:spcPts val="0"/>
-              </a:spcAft>
+            <a:lvl8pPr indent="-298450" lvl="7" marL="3657600" marR="0" rtl="0" algn="l">
+              <a:lnSpc>
+                <a:spcPct val="100000"/>
+              </a:lnSpc>
+              <a:spcBef>
+                <a:spcPts val="0"/>
+              </a:spcBef>
+              <a:spcAft>
+                <a:spcPts val="0"/>
+              </a:spcAft>
+              <a:buClr>
+                <a:srgbClr val="000000"/>
+              </a:buClr>
               <a:buSzPts val="1100"/>
+              <a:buFont typeface="Arial"/>
               <a:buChar char="○"/>
-              <a:defRPr sz="1100"/>
+              <a:defRPr b="0" i="0" sz="1100" u="none" cap="none" strike="noStrike">
+                <a:solidFill>
+                  <a:srgbClr val="000000"/>
+                </a:solidFill>
+                <a:latin typeface="Arial"/>
+                <a:ea typeface="Arial"/>
+                <a:cs typeface="Arial"/>
+                <a:sym typeface="Arial"/>
+              </a:defRPr>
             </a:lvl8pPr>
-            <a:lvl9pPr indent="-298450" lvl="8" marL="4114800">
-              <a:spcBef>
-                <a:spcPts val="0"/>
-              </a:spcBef>
-              <a:spcAft>
-                <a:spcPts val="0"/>
-              </a:spcAft>
+            <a:lvl9pPr indent="-298450" lvl="8" marL="4114800" marR="0" rtl="0" algn="l">
+              <a:lnSpc>
+                <a:spcPct val="100000"/>
+              </a:lnSpc>
+              <a:spcBef>
+                <a:spcPts val="0"/>
+              </a:spcBef>
+              <a:spcAft>
+                <a:spcPts val="0"/>
+              </a:spcAft>
+              <a:buClr>
+                <a:srgbClr val="000000"/>
+              </a:buClr>
               <a:buSzPts val="1100"/>
+              <a:buFont typeface="Arial"/>
               <a:buChar char="■"/>
-              <a:defRPr sz="1100"/>
+              <a:defRPr b="0" i="0" sz="1100" u="none" cap="none" strike="noStrike">
+                <a:solidFill>
+                  <a:srgbClr val="000000"/>
+                </a:solidFill>
+                <a:latin typeface="Arial"/>
+                <a:ea typeface="Arial"/>
+                <a:cs typeface="Arial"/>
+                <a:sym typeface="Arial"/>
+              </a:defRPr>
             </a:lvl9pPr>
           </a:lstStyle>
           <a:p/>
@@ -729,7 +864,7 @@
       </p:grpSpPr>
       <p:sp>
         <p:nvSpPr>
-          <p:cNvPr id="83" name="Google Shape;83;p:notes"/>
+          <p:cNvPr id="83" name="Google Shape;83;p1:notes"/>
           <p:cNvSpPr/>
           <p:nvPr>
             <p:ph idx="2" type="sldImg"/>
@@ -760,11 +895,21 @@
               </a:path>
             </a:pathLst>
           </a:custGeom>
+          <a:noFill/>
+          <a:ln cap="flat" cmpd="sng" w="9525">
+            <a:solidFill>
+              <a:srgbClr val="000000"/>
+            </a:solidFill>
+            <a:prstDash val="solid"/>
+            <a:round/>
+            <a:headEnd len="sm" w="sm" type="none"/>
+            <a:tailEnd len="sm" w="sm" type="none"/>
+          </a:ln>
         </p:spPr>
       </p:sp>
       <p:sp>
         <p:nvSpPr>
-          <p:cNvPr id="84" name="Google Shape;84;p:notes"/>
+          <p:cNvPr id="84" name="Google Shape;84;p1:notes"/>
           <p:cNvSpPr txBox="1"/>
           <p:nvPr>
             <p:ph idx="1" type="body"/>
@@ -778,6 +923,10 @@
           <a:prstGeom prst="rect">
             <a:avLst/>
           </a:prstGeom>
+          <a:noFill/>
+          <a:ln>
+            <a:noFill/>
+          </a:ln>
         </p:spPr>
         <p:txBody>
           <a:bodyPr anchorCtr="0" anchor="t" bIns="91425" lIns="91425" spcFirstLastPara="1" rIns="91425" wrap="square" tIns="91425">
@@ -786,12 +935,16 @@
           <a:lstStyle/>
           <a:p>
             <a:pPr indent="0" lvl="0" marL="0" rtl="0" algn="l">
-              <a:spcBef>
-                <a:spcPts val="0"/>
-              </a:spcBef>
-              <a:spcAft>
-                <a:spcPts val="0"/>
-              </a:spcAft>
+              <a:lnSpc>
+                <a:spcPct val="100000"/>
+              </a:lnSpc>
+              <a:spcBef>
+                <a:spcPts val="0"/>
+              </a:spcBef>
+              <a:spcAft>
+                <a:spcPts val="0"/>
+              </a:spcAft>
+              <a:buSzPts val="1100"/>
               <a:buNone/>
             </a:pPr>
             <a:r>
@@ -828,7 +981,7 @@
       </p:grpSpPr>
       <p:sp>
         <p:nvSpPr>
-          <p:cNvPr id="89" name="Google Shape;89;g56d9e44153_0_242:notes"/>
+          <p:cNvPr id="89" name="Google Shape;89;p2:notes"/>
           <p:cNvSpPr/>
           <p:nvPr>
             <p:ph idx="2" type="sldImg"/>
@@ -859,11 +1012,21 @@
               </a:path>
             </a:pathLst>
           </a:custGeom>
+          <a:noFill/>
+          <a:ln cap="flat" cmpd="sng" w="9525">
+            <a:solidFill>
+              <a:srgbClr val="000000"/>
+            </a:solidFill>
+            <a:prstDash val="solid"/>
+            <a:round/>
+            <a:headEnd len="sm" w="sm" type="none"/>
+            <a:tailEnd len="sm" w="sm" type="none"/>
+          </a:ln>
         </p:spPr>
       </p:sp>
       <p:sp>
         <p:nvSpPr>
-          <p:cNvPr id="90" name="Google Shape;90;g56d9e44153_0_242:notes"/>
+          <p:cNvPr id="90" name="Google Shape;90;p2:notes"/>
           <p:cNvSpPr txBox="1"/>
           <p:nvPr>
             <p:ph idx="1" type="body"/>
@@ -877,6 +1040,10 @@
           <a:prstGeom prst="rect">
             <a:avLst/>
           </a:prstGeom>
+          <a:noFill/>
+          <a:ln>
+            <a:noFill/>
+          </a:ln>
         </p:spPr>
         <p:txBody>
           <a:bodyPr anchorCtr="0" anchor="t" bIns="91425" lIns="91425" spcFirstLastPara="1" rIns="91425" wrap="square" tIns="91425">
@@ -885,12 +1052,16 @@
           <a:lstStyle/>
           <a:p>
             <a:pPr indent="0" lvl="0" marL="0" rtl="0" algn="l">
-              <a:spcBef>
-                <a:spcPts val="0"/>
-              </a:spcBef>
-              <a:spcAft>
-                <a:spcPts val="0"/>
-              </a:spcAft>
+              <a:lnSpc>
+                <a:spcPct val="100000"/>
+              </a:lnSpc>
+              <a:spcBef>
+                <a:spcPts val="0"/>
+              </a:spcBef>
+              <a:spcAft>
+                <a:spcPts val="0"/>
+              </a:spcAft>
+              <a:buSzPts val="1100"/>
               <a:buNone/>
             </a:pPr>
             <a:r>
@@ -927,7 +1098,7 @@
       </p:grpSpPr>
       <p:sp>
         <p:nvSpPr>
-          <p:cNvPr id="95" name="Google Shape;95;g56d9e44153_0_250:notes"/>
+          <p:cNvPr id="95" name="Google Shape;95;p3:notes"/>
           <p:cNvSpPr/>
           <p:nvPr>
             <p:ph idx="2" type="sldImg"/>
@@ -958,11 +1129,21 @@
               </a:path>
             </a:pathLst>
           </a:custGeom>
+          <a:noFill/>
+          <a:ln cap="flat" cmpd="sng" w="9525">
+            <a:solidFill>
+              <a:srgbClr val="000000"/>
+            </a:solidFill>
+            <a:prstDash val="solid"/>
+            <a:round/>
+            <a:headEnd len="sm" w="sm" type="none"/>
+            <a:tailEnd len="sm" w="sm" type="none"/>
+          </a:ln>
         </p:spPr>
       </p:sp>
       <p:sp>
         <p:nvSpPr>
-          <p:cNvPr id="96" name="Google Shape;96;g56d9e44153_0_250:notes"/>
+          <p:cNvPr id="96" name="Google Shape;96;p3:notes"/>
           <p:cNvSpPr txBox="1"/>
           <p:nvPr>
             <p:ph idx="1" type="body"/>
@@ -976,6 +1157,10 @@
           <a:prstGeom prst="rect">
             <a:avLst/>
           </a:prstGeom>
+          <a:noFill/>
+          <a:ln>
+            <a:noFill/>
+          </a:ln>
         </p:spPr>
         <p:txBody>
           <a:bodyPr anchorCtr="0" anchor="t" bIns="91425" lIns="91425" spcFirstLastPara="1" rIns="91425" wrap="square" tIns="91425">
@@ -984,12 +1169,16 @@
           <a:lstStyle/>
           <a:p>
             <a:pPr indent="0" lvl="0" marL="0" rtl="0" algn="l">
-              <a:spcBef>
-                <a:spcPts val="0"/>
-              </a:spcBef>
-              <a:spcAft>
-                <a:spcPts val="0"/>
-              </a:spcAft>
+              <a:lnSpc>
+                <a:spcPct val="100000"/>
+              </a:lnSpc>
+              <a:spcBef>
+                <a:spcPts val="0"/>
+              </a:spcBef>
+              <a:spcAft>
+                <a:spcPts val="0"/>
+              </a:spcAft>
+              <a:buSzPts val="1100"/>
               <a:buNone/>
             </a:pPr>
             <a:r>
@@ -1026,7 +1215,7 @@
       </p:grpSpPr>
       <p:sp>
         <p:nvSpPr>
-          <p:cNvPr id="101" name="Google Shape;101;g56d9e44153_0_256:notes"/>
+          <p:cNvPr id="101" name="Google Shape;101;p4:notes"/>
           <p:cNvSpPr/>
           <p:nvPr>
             <p:ph idx="2" type="sldImg"/>
@@ -1057,11 +1246,21 @@
               </a:path>
             </a:pathLst>
           </a:custGeom>
+          <a:noFill/>
+          <a:ln cap="flat" cmpd="sng" w="9525">
+            <a:solidFill>
+              <a:srgbClr val="000000"/>
+            </a:solidFill>
+            <a:prstDash val="solid"/>
+            <a:round/>
+            <a:headEnd len="sm" w="sm" type="none"/>
+            <a:tailEnd len="sm" w="sm" type="none"/>
+          </a:ln>
         </p:spPr>
       </p:sp>
       <p:sp>
         <p:nvSpPr>
-          <p:cNvPr id="102" name="Google Shape;102;g56d9e44153_0_256:notes"/>
+          <p:cNvPr id="102" name="Google Shape;102;p4:notes"/>
           <p:cNvSpPr txBox="1"/>
           <p:nvPr>
             <p:ph idx="1" type="body"/>
@@ -1075,6 +1274,10 @@
           <a:prstGeom prst="rect">
             <a:avLst/>
           </a:prstGeom>
+          <a:noFill/>
+          <a:ln>
+            <a:noFill/>
+          </a:ln>
         </p:spPr>
         <p:txBody>
           <a:bodyPr anchorCtr="0" anchor="t" bIns="91425" lIns="91425" spcFirstLastPara="1" rIns="91425" wrap="square" tIns="91425">
@@ -1083,12 +1286,16 @@
           <a:lstStyle/>
           <a:p>
             <a:pPr indent="0" lvl="0" marL="0" rtl="0" algn="l">
-              <a:spcBef>
-                <a:spcPts val="0"/>
-              </a:spcBef>
-              <a:spcAft>
-                <a:spcPts val="0"/>
-              </a:spcAft>
+              <a:lnSpc>
+                <a:spcPct val="100000"/>
+              </a:lnSpc>
+              <a:spcBef>
+                <a:spcPts val="0"/>
+              </a:spcBef>
+              <a:spcAft>
+                <a:spcPts val="0"/>
+              </a:spcAft>
+              <a:buSzPts val="1100"/>
               <a:buNone/>
             </a:pPr>
             <a:r>
@@ -1157,19 +1364,35 @@
           </a:bodyPr>
           <a:lstStyle/>
           <a:p>
-            <a:pPr indent="0" lvl="0" marL="0" rtl="0" algn="l">
-              <a:spcBef>
-                <a:spcPts val="0"/>
-              </a:spcBef>
-              <a:spcAft>
-                <a:spcPts val="0"/>
-              </a:spcAft>
+            <a:pPr indent="0" lvl="0" marL="0" marR="0" rtl="0" algn="l">
+              <a:lnSpc>
+                <a:spcPct val="100000"/>
+              </a:lnSpc>
+              <a:spcBef>
+                <a:spcPts val="0"/>
+              </a:spcBef>
+              <a:spcAft>
+                <a:spcPts val="0"/>
+              </a:spcAft>
+              <a:buClr>
+                <a:srgbClr val="000000"/>
+              </a:buClr>
+              <a:buSzPts val="1400"/>
+              <a:buFont typeface="Arial"/>
               <a:buNone/>
             </a:pPr>
             <a:r>
               <a:t/>
             </a:r>
-            <a:endParaRPr/>
+            <a:endParaRPr b="0" i="0" sz="1400" u="none" cap="none" strike="noStrike">
+              <a:solidFill>
+                <a:srgbClr val="000000"/>
+              </a:solidFill>
+              <a:latin typeface="Arial"/>
+              <a:ea typeface="Arial"/>
+              <a:cs typeface="Arial"/>
+              <a:sym typeface="Arial"/>
+            </a:endParaRPr>
           </a:p>
         </p:txBody>
       </p:sp>
@@ -1214,19 +1437,35 @@
             </a:bodyPr>
             <a:lstStyle/>
             <a:p>
-              <a:pPr indent="0" lvl="0" marL="0" rtl="0" algn="l">
+              <a:pPr indent="0" lvl="0" marL="0" marR="0" rtl="0" algn="l">
+                <a:lnSpc>
+                  <a:spcPct val="100000"/>
+                </a:lnSpc>
                 <a:spcBef>
                   <a:spcPts val="0"/>
                 </a:spcBef>
                 <a:spcAft>
                   <a:spcPts val="0"/>
                 </a:spcAft>
+                <a:buClr>
+                  <a:srgbClr val="000000"/>
+                </a:buClr>
+                <a:buSzPts val="1400"/>
+                <a:buFont typeface="Arial"/>
                 <a:buNone/>
               </a:pPr>
               <a:r>
                 <a:t/>
               </a:r>
-              <a:endParaRPr/>
+              <a:endParaRPr b="0" i="0" sz="1400" u="none" cap="none" strike="noStrike">
+                <a:solidFill>
+                  <a:srgbClr val="000000"/>
+                </a:solidFill>
+                <a:latin typeface="Arial"/>
+                <a:ea typeface="Arial"/>
+                <a:cs typeface="Arial"/>
+                <a:sym typeface="Arial"/>
+              </a:endParaRPr>
             </a:p>
           </p:txBody>
         </p:sp>
@@ -1257,19 +1496,35 @@
             </a:bodyPr>
             <a:lstStyle/>
             <a:p>
-              <a:pPr indent="0" lvl="0" marL="0" rtl="0" algn="l">
+              <a:pPr indent="0" lvl="0" marL="0" marR="0" rtl="0" algn="l">
+                <a:lnSpc>
+                  <a:spcPct val="100000"/>
+                </a:lnSpc>
                 <a:spcBef>
                   <a:spcPts val="0"/>
                 </a:spcBef>
                 <a:spcAft>
                   <a:spcPts val="0"/>
                 </a:spcAft>
+                <a:buClr>
+                  <a:srgbClr val="000000"/>
+                </a:buClr>
+                <a:buSzPts val="1400"/>
+                <a:buFont typeface="Arial"/>
                 <a:buNone/>
               </a:pPr>
               <a:r>
                 <a:t/>
               </a:r>
-              <a:endParaRPr/>
+              <a:endParaRPr b="0" i="0" sz="1400" u="none" cap="none" strike="noStrike">
+                <a:solidFill>
+                  <a:srgbClr val="000000"/>
+                </a:solidFill>
+                <a:latin typeface="Arial"/>
+                <a:ea typeface="Arial"/>
+                <a:cs typeface="Arial"/>
+                <a:sym typeface="Arial"/>
+              </a:endParaRPr>
             </a:p>
           </p:txBody>
         </p:sp>
@@ -1290,11 +1545,18 @@
           <a:prstGeom prst="rect">
             <a:avLst/>
           </a:prstGeom>
+          <a:noFill/>
+          <a:ln>
+            <a:noFill/>
+          </a:ln>
         </p:spPr>
         <p:txBody>
           <a:bodyPr anchorCtr="0" anchor="t" bIns="91425" lIns="91425" spcFirstLastPara="1" rIns="91425" wrap="square" tIns="91425"/>
           <a:lstStyle>
-            <a:lvl1pPr lvl="0">
+            <a:lvl1pPr lvl="0" algn="l">
+              <a:lnSpc>
+                <a:spcPct val="100000"/>
+              </a:lnSpc>
               <a:spcBef>
                 <a:spcPts val="0"/>
               </a:spcBef>
@@ -1312,7 +1574,10 @@
                 </a:solidFill>
               </a:defRPr>
             </a:lvl1pPr>
-            <a:lvl2pPr lvl="1">
+            <a:lvl2pPr lvl="1" algn="l">
+              <a:lnSpc>
+                <a:spcPct val="100000"/>
+              </a:lnSpc>
               <a:spcBef>
                 <a:spcPts val="0"/>
               </a:spcBef>
@@ -1330,7 +1595,10 @@
                 </a:solidFill>
               </a:defRPr>
             </a:lvl2pPr>
-            <a:lvl3pPr lvl="2">
+            <a:lvl3pPr lvl="2" algn="l">
+              <a:lnSpc>
+                <a:spcPct val="100000"/>
+              </a:lnSpc>
               <a:spcBef>
                 <a:spcPts val="0"/>
               </a:spcBef>
@@ -1348,7 +1616,10 @@
                 </a:solidFill>
               </a:defRPr>
             </a:lvl3pPr>
-            <a:lvl4pPr lvl="3">
+            <a:lvl4pPr lvl="3" algn="l">
+              <a:lnSpc>
+                <a:spcPct val="100000"/>
+              </a:lnSpc>
               <a:spcBef>
                 <a:spcPts val="0"/>
               </a:spcBef>
@@ -1366,7 +1637,10 @@
                 </a:solidFill>
               </a:defRPr>
             </a:lvl4pPr>
-            <a:lvl5pPr lvl="4">
+            <a:lvl5pPr lvl="4" algn="l">
+              <a:lnSpc>
+                <a:spcPct val="100000"/>
+              </a:lnSpc>
               <a:spcBef>
                 <a:spcPts val="0"/>
               </a:spcBef>
@@ -1384,7 +1658,10 @@
                 </a:solidFill>
               </a:defRPr>
             </a:lvl5pPr>
-            <a:lvl6pPr lvl="5">
+            <a:lvl6pPr lvl="5" algn="l">
+              <a:lnSpc>
+                <a:spcPct val="100000"/>
+              </a:lnSpc>
               <a:spcBef>
                 <a:spcPts val="0"/>
               </a:spcBef>
@@ -1402,7 +1679,10 @@
                 </a:solidFill>
               </a:defRPr>
             </a:lvl6pPr>
-            <a:lvl7pPr lvl="6">
+            <a:lvl7pPr lvl="6" algn="l">
+              <a:lnSpc>
+                <a:spcPct val="100000"/>
+              </a:lnSpc>
               <a:spcBef>
                 <a:spcPts val="0"/>
               </a:spcBef>
@@ -1420,7 +1700,10 @@
                 </a:solidFill>
               </a:defRPr>
             </a:lvl7pPr>
-            <a:lvl8pPr lvl="7">
+            <a:lvl8pPr lvl="7" algn="l">
+              <a:lnSpc>
+                <a:spcPct val="100000"/>
+              </a:lnSpc>
               <a:spcBef>
                 <a:spcPts val="0"/>
               </a:spcBef>
@@ -1438,7 +1721,10 @@
                 </a:solidFill>
               </a:defRPr>
             </a:lvl8pPr>
-            <a:lvl9pPr lvl="8">
+            <a:lvl9pPr lvl="8" algn="l">
+              <a:lnSpc>
+                <a:spcPct val="100000"/>
+              </a:lnSpc>
               <a:spcBef>
                 <a:spcPts val="0"/>
               </a:spcBef>
@@ -1476,11 +1762,15 @@
           <a:prstGeom prst="rect">
             <a:avLst/>
           </a:prstGeom>
+          <a:noFill/>
+          <a:ln>
+            <a:noFill/>
+          </a:ln>
         </p:spPr>
         <p:txBody>
           <a:bodyPr anchorCtr="0" anchor="t" bIns="91425" lIns="91425" spcFirstLastPara="1" rIns="91425" wrap="square" tIns="91425"/>
           <a:lstStyle>
-            <a:lvl1pPr lvl="0">
+            <a:lvl1pPr lvl="0" algn="l">
               <a:lnSpc>
                 <a:spcPct val="100000"/>
               </a:lnSpc>
@@ -1494,7 +1784,7 @@
               <a:buNone/>
               <a:defRPr sz="1600"/>
             </a:lvl1pPr>
-            <a:lvl2pPr lvl="1">
+            <a:lvl2pPr lvl="1" algn="l">
               <a:lnSpc>
                 <a:spcPct val="100000"/>
               </a:lnSpc>
@@ -1508,7 +1798,7 @@
               <a:buNone/>
               <a:defRPr sz="1600"/>
             </a:lvl2pPr>
-            <a:lvl3pPr lvl="2">
+            <a:lvl3pPr lvl="2" algn="l">
               <a:lnSpc>
                 <a:spcPct val="100000"/>
               </a:lnSpc>
@@ -1522,7 +1812,7 @@
               <a:buNone/>
               <a:defRPr sz="1600"/>
             </a:lvl3pPr>
-            <a:lvl4pPr lvl="3">
+            <a:lvl4pPr lvl="3" algn="l">
               <a:lnSpc>
                 <a:spcPct val="100000"/>
               </a:lnSpc>
@@ -1536,7 +1826,7 @@
               <a:buNone/>
               <a:defRPr sz="1600"/>
             </a:lvl4pPr>
-            <a:lvl5pPr lvl="4">
+            <a:lvl5pPr lvl="4" algn="l">
               <a:lnSpc>
                 <a:spcPct val="100000"/>
               </a:lnSpc>
@@ -1550,7 +1840,7 @@
               <a:buNone/>
               <a:defRPr sz="1600"/>
             </a:lvl5pPr>
-            <a:lvl6pPr lvl="5">
+            <a:lvl6pPr lvl="5" algn="l">
               <a:lnSpc>
                 <a:spcPct val="100000"/>
               </a:lnSpc>
@@ -1564,7 +1854,7 @@
               <a:buNone/>
               <a:defRPr sz="1600"/>
             </a:lvl6pPr>
-            <a:lvl7pPr lvl="6">
+            <a:lvl7pPr lvl="6" algn="l">
               <a:lnSpc>
                 <a:spcPct val="100000"/>
               </a:lnSpc>
@@ -1578,7 +1868,7 @@
               <a:buNone/>
               <a:defRPr sz="1600"/>
             </a:lvl7pPr>
-            <a:lvl8pPr lvl="7">
+            <a:lvl8pPr lvl="7" algn="l">
               <a:lnSpc>
                 <a:spcPct val="100000"/>
               </a:lnSpc>
@@ -1592,7 +1882,7 @@
               <a:buNone/>
               <a:defRPr sz="1600"/>
             </a:lvl8pPr>
-            <a:lvl9pPr lvl="8">
+            <a:lvl9pPr lvl="8" algn="l">
               <a:lnSpc>
                 <a:spcPct val="100000"/>
               </a:lnSpc>
@@ -1626,47 +1916,249 @@
           <a:prstGeom prst="rect">
             <a:avLst/>
           </a:prstGeom>
+          <a:noFill/>
+          <a:ln>
+            <a:noFill/>
+          </a:ln>
         </p:spPr>
         <p:txBody>
           <a:bodyPr anchorCtr="0" anchor="ctr" bIns="91425" lIns="91425" spcFirstLastPara="1" rIns="91425" wrap="square" tIns="91425">
             <a:noAutofit/>
           </a:bodyPr>
           <a:lstStyle>
-            <a:lvl1pPr lvl="0">
-              <a:buNone/>
-              <a:defRPr/>
+            <a:lvl1pPr indent="0" lvl="0" marL="0" marR="0" algn="r">
+              <a:lnSpc>
+                <a:spcPct val="100000"/>
+              </a:lnSpc>
+              <a:spcBef>
+                <a:spcPts val="0"/>
+              </a:spcBef>
+              <a:spcAft>
+                <a:spcPts val="0"/>
+              </a:spcAft>
+              <a:buClr>
+                <a:srgbClr val="000000"/>
+              </a:buClr>
+              <a:buSzPts val="1000"/>
+              <a:buFont typeface="Arial"/>
+              <a:buNone/>
+              <a:defRPr b="0" i="0" sz="1000" u="none" cap="none" strike="noStrike">
+                <a:solidFill>
+                  <a:schemeClr val="accent1"/>
+                </a:solidFill>
+                <a:latin typeface="Lato"/>
+                <a:ea typeface="Lato"/>
+                <a:cs typeface="Lato"/>
+                <a:sym typeface="Lato"/>
+              </a:defRPr>
             </a:lvl1pPr>
-            <a:lvl2pPr lvl="1">
-              <a:buNone/>
-              <a:defRPr/>
+            <a:lvl2pPr indent="0" lvl="1" marL="0" marR="0" algn="r">
+              <a:lnSpc>
+                <a:spcPct val="100000"/>
+              </a:lnSpc>
+              <a:spcBef>
+                <a:spcPts val="0"/>
+              </a:spcBef>
+              <a:spcAft>
+                <a:spcPts val="0"/>
+              </a:spcAft>
+              <a:buClr>
+                <a:srgbClr val="000000"/>
+              </a:buClr>
+              <a:buSzPts val="1000"/>
+              <a:buFont typeface="Arial"/>
+              <a:buNone/>
+              <a:defRPr b="0" i="0" sz="1000" u="none" cap="none" strike="noStrike">
+                <a:solidFill>
+                  <a:schemeClr val="accent1"/>
+                </a:solidFill>
+                <a:latin typeface="Lato"/>
+                <a:ea typeface="Lato"/>
+                <a:cs typeface="Lato"/>
+                <a:sym typeface="Lato"/>
+              </a:defRPr>
             </a:lvl2pPr>
-            <a:lvl3pPr lvl="2">
-              <a:buNone/>
-              <a:defRPr/>
+            <a:lvl3pPr indent="0" lvl="2" marL="0" marR="0" algn="r">
+              <a:lnSpc>
+                <a:spcPct val="100000"/>
+              </a:lnSpc>
+              <a:spcBef>
+                <a:spcPts val="0"/>
+              </a:spcBef>
+              <a:spcAft>
+                <a:spcPts val="0"/>
+              </a:spcAft>
+              <a:buClr>
+                <a:srgbClr val="000000"/>
+              </a:buClr>
+              <a:buSzPts val="1000"/>
+              <a:buFont typeface="Arial"/>
+              <a:buNone/>
+              <a:defRPr b="0" i="0" sz="1000" u="none" cap="none" strike="noStrike">
+                <a:solidFill>
+                  <a:schemeClr val="accent1"/>
+                </a:solidFill>
+                <a:latin typeface="Lato"/>
+                <a:ea typeface="Lato"/>
+                <a:cs typeface="Lato"/>
+                <a:sym typeface="Lato"/>
+              </a:defRPr>
             </a:lvl3pPr>
-            <a:lvl4pPr lvl="3">
-              <a:buNone/>
-              <a:defRPr/>
+            <a:lvl4pPr indent="0" lvl="3" marL="0" marR="0" algn="r">
+              <a:lnSpc>
+                <a:spcPct val="100000"/>
+              </a:lnSpc>
+              <a:spcBef>
+                <a:spcPts val="0"/>
+              </a:spcBef>
+              <a:spcAft>
+                <a:spcPts val="0"/>
+              </a:spcAft>
+              <a:buClr>
+                <a:srgbClr val="000000"/>
+              </a:buClr>
+              <a:buSzPts val="1000"/>
+              <a:buFont typeface="Arial"/>
+              <a:buNone/>
+              <a:defRPr b="0" i="0" sz="1000" u="none" cap="none" strike="noStrike">
+                <a:solidFill>
+                  <a:schemeClr val="accent1"/>
+                </a:solidFill>
+                <a:latin typeface="Lato"/>
+                <a:ea typeface="Lato"/>
+                <a:cs typeface="Lato"/>
+                <a:sym typeface="Lato"/>
+              </a:defRPr>
             </a:lvl4pPr>
-            <a:lvl5pPr lvl="4">
-              <a:buNone/>
-              <a:defRPr/>
+            <a:lvl5pPr indent="0" lvl="4" marL="0" marR="0" algn="r">
+              <a:lnSpc>
+                <a:spcPct val="100000"/>
+              </a:lnSpc>
+              <a:spcBef>
+                <a:spcPts val="0"/>
+              </a:spcBef>
+              <a:spcAft>
+                <a:spcPts val="0"/>
+              </a:spcAft>
+              <a:buClr>
+                <a:srgbClr val="000000"/>
+              </a:buClr>
+              <a:buSzPts val="1000"/>
+              <a:buFont typeface="Arial"/>
+              <a:buNone/>
+              <a:defRPr b="0" i="0" sz="1000" u="none" cap="none" strike="noStrike">
+                <a:solidFill>
+                  <a:schemeClr val="accent1"/>
+                </a:solidFill>
+                <a:latin typeface="Lato"/>
+                <a:ea typeface="Lato"/>
+                <a:cs typeface="Lato"/>
+                <a:sym typeface="Lato"/>
+              </a:defRPr>
             </a:lvl5pPr>
-            <a:lvl6pPr lvl="5">
-              <a:buNone/>
-              <a:defRPr/>
+            <a:lvl6pPr indent="0" lvl="5" marL="0" marR="0" algn="r">
+              <a:lnSpc>
+                <a:spcPct val="100000"/>
+              </a:lnSpc>
+              <a:spcBef>
+                <a:spcPts val="0"/>
+              </a:spcBef>
+              <a:spcAft>
+                <a:spcPts val="0"/>
+              </a:spcAft>
+              <a:buClr>
+                <a:srgbClr val="000000"/>
+              </a:buClr>
+              <a:buSzPts val="1000"/>
+              <a:buFont typeface="Arial"/>
+              <a:buNone/>
+              <a:defRPr b="0" i="0" sz="1000" u="none" cap="none" strike="noStrike">
+                <a:solidFill>
+                  <a:schemeClr val="accent1"/>
+                </a:solidFill>
+                <a:latin typeface="Lato"/>
+                <a:ea typeface="Lato"/>
+                <a:cs typeface="Lato"/>
+                <a:sym typeface="Lato"/>
+              </a:defRPr>
             </a:lvl6pPr>
-            <a:lvl7pPr lvl="6">
-              <a:buNone/>
-              <a:defRPr/>
+            <a:lvl7pPr indent="0" lvl="6" marL="0" marR="0" algn="r">
+              <a:lnSpc>
+                <a:spcPct val="100000"/>
+              </a:lnSpc>
+              <a:spcBef>
+                <a:spcPts val="0"/>
+              </a:spcBef>
+              <a:spcAft>
+                <a:spcPts val="0"/>
+              </a:spcAft>
+              <a:buClr>
+                <a:srgbClr val="000000"/>
+              </a:buClr>
+              <a:buSzPts val="1000"/>
+              <a:buFont typeface="Arial"/>
+              <a:buNone/>
+              <a:defRPr b="0" i="0" sz="1000" u="none" cap="none" strike="noStrike">
+                <a:solidFill>
+                  <a:schemeClr val="accent1"/>
+                </a:solidFill>
+                <a:latin typeface="Lato"/>
+                <a:ea typeface="Lato"/>
+                <a:cs typeface="Lato"/>
+                <a:sym typeface="Lato"/>
+              </a:defRPr>
             </a:lvl7pPr>
-            <a:lvl8pPr lvl="7">
-              <a:buNone/>
-              <a:defRPr/>
+            <a:lvl8pPr indent="0" lvl="7" marL="0" marR="0" algn="r">
+              <a:lnSpc>
+                <a:spcPct val="100000"/>
+              </a:lnSpc>
+              <a:spcBef>
+                <a:spcPts val="0"/>
+              </a:spcBef>
+              <a:spcAft>
+                <a:spcPts val="0"/>
+              </a:spcAft>
+              <a:buClr>
+                <a:srgbClr val="000000"/>
+              </a:buClr>
+              <a:buSzPts val="1000"/>
+              <a:buFont typeface="Arial"/>
+              <a:buNone/>
+              <a:defRPr b="0" i="0" sz="1000" u="none" cap="none" strike="noStrike">
+                <a:solidFill>
+                  <a:schemeClr val="accent1"/>
+                </a:solidFill>
+                <a:latin typeface="Lato"/>
+                <a:ea typeface="Lato"/>
+                <a:cs typeface="Lato"/>
+                <a:sym typeface="Lato"/>
+              </a:defRPr>
             </a:lvl8pPr>
-            <a:lvl9pPr lvl="8">
-              <a:buNone/>
-              <a:defRPr/>
+            <a:lvl9pPr indent="0" lvl="8" marL="0" marR="0" algn="r">
+              <a:lnSpc>
+                <a:spcPct val="100000"/>
+              </a:lnSpc>
+              <a:spcBef>
+                <a:spcPts val="0"/>
+              </a:spcBef>
+              <a:spcAft>
+                <a:spcPts val="0"/>
+              </a:spcAft>
+              <a:buClr>
+                <a:srgbClr val="000000"/>
+              </a:buClr>
+              <a:buSzPts val="1000"/>
+              <a:buFont typeface="Arial"/>
+              <a:buNone/>
+              <a:defRPr b="0" i="0" sz="1000" u="none" cap="none" strike="noStrike">
+                <a:solidFill>
+                  <a:schemeClr val="accent1"/>
+                </a:solidFill>
+                <a:latin typeface="Lato"/>
+                <a:ea typeface="Lato"/>
+                <a:cs typeface="Lato"/>
+                <a:sym typeface="Lato"/>
+              </a:defRPr>
             </a:lvl9pPr>
           </a:lstStyle>
           <a:p>
@@ -1760,19 +2252,35 @@
             </a:bodyPr>
             <a:lstStyle/>
             <a:p>
-              <a:pPr indent="0" lvl="0" marL="0" rtl="0" algn="l">
+              <a:pPr indent="0" lvl="0" marL="0" marR="0" rtl="0" algn="l">
+                <a:lnSpc>
+                  <a:spcPct val="100000"/>
+                </a:lnSpc>
                 <a:spcBef>
                   <a:spcPts val="0"/>
                 </a:spcBef>
                 <a:spcAft>
                   <a:spcPts val="0"/>
                 </a:spcAft>
+                <a:buClr>
+                  <a:srgbClr val="000000"/>
+                </a:buClr>
+                <a:buSzPts val="1400"/>
+                <a:buFont typeface="Arial"/>
                 <a:buNone/>
               </a:pPr>
               <a:r>
                 <a:t/>
               </a:r>
-              <a:endParaRPr/>
+              <a:endParaRPr b="0" i="0" sz="1400" u="none" cap="none" strike="noStrike">
+                <a:solidFill>
+                  <a:srgbClr val="000000"/>
+                </a:solidFill>
+                <a:latin typeface="Arial"/>
+                <a:ea typeface="Arial"/>
+                <a:cs typeface="Arial"/>
+                <a:sym typeface="Arial"/>
+              </a:endParaRPr>
             </a:p>
           </p:txBody>
         </p:sp>
@@ -1803,19 +2311,35 @@
             </a:bodyPr>
             <a:lstStyle/>
             <a:p>
-              <a:pPr indent="0" lvl="0" marL="0" rtl="0" algn="l">
+              <a:pPr indent="0" lvl="0" marL="0" marR="0" rtl="0" algn="l">
+                <a:lnSpc>
+                  <a:spcPct val="100000"/>
+                </a:lnSpc>
                 <a:spcBef>
                   <a:spcPts val="0"/>
                 </a:spcBef>
                 <a:spcAft>
                   <a:spcPts val="0"/>
                 </a:spcAft>
+                <a:buClr>
+                  <a:srgbClr val="000000"/>
+                </a:buClr>
+                <a:buSzPts val="1400"/>
+                <a:buFont typeface="Arial"/>
                 <a:buNone/>
               </a:pPr>
               <a:r>
                 <a:t/>
               </a:r>
-              <a:endParaRPr/>
+              <a:endParaRPr b="0" i="0" sz="1400" u="none" cap="none" strike="noStrike">
+                <a:solidFill>
+                  <a:srgbClr val="000000"/>
+                </a:solidFill>
+                <a:latin typeface="Arial"/>
+                <a:ea typeface="Arial"/>
+                <a:cs typeface="Arial"/>
+                <a:sym typeface="Arial"/>
+              </a:endParaRPr>
             </a:p>
           </p:txBody>
         </p:sp>
@@ -1836,11 +2360,18 @@
           <a:prstGeom prst="rect">
             <a:avLst/>
           </a:prstGeom>
+          <a:noFill/>
+          <a:ln>
+            <a:noFill/>
+          </a:ln>
         </p:spPr>
         <p:txBody>
           <a:bodyPr anchorCtr="0" anchor="t" bIns="91425" lIns="91425" spcFirstLastPara="1" rIns="91425" wrap="square" tIns="91425"/>
           <a:lstStyle>
-            <a:lvl1pPr lvl="0">
+            <a:lvl1pPr lvl="0" algn="l">
+              <a:lnSpc>
+                <a:spcPct val="100000"/>
+              </a:lnSpc>
               <a:spcBef>
                 <a:spcPts val="0"/>
               </a:spcBef>
@@ -1858,7 +2389,10 @@
                 </a:solidFill>
               </a:defRPr>
             </a:lvl1pPr>
-            <a:lvl2pPr lvl="1">
+            <a:lvl2pPr lvl="1" algn="l">
+              <a:lnSpc>
+                <a:spcPct val="100000"/>
+              </a:lnSpc>
               <a:spcBef>
                 <a:spcPts val="0"/>
               </a:spcBef>
@@ -1876,7 +2410,10 @@
                 </a:solidFill>
               </a:defRPr>
             </a:lvl2pPr>
-            <a:lvl3pPr lvl="2">
+            <a:lvl3pPr lvl="2" algn="l">
+              <a:lnSpc>
+                <a:spcPct val="100000"/>
+              </a:lnSpc>
               <a:spcBef>
                 <a:spcPts val="0"/>
               </a:spcBef>
@@ -1894,7 +2431,10 @@
                 </a:solidFill>
               </a:defRPr>
             </a:lvl3pPr>
-            <a:lvl4pPr lvl="3">
+            <a:lvl4pPr lvl="3" algn="l">
+              <a:lnSpc>
+                <a:spcPct val="100000"/>
+              </a:lnSpc>
               <a:spcBef>
                 <a:spcPts val="0"/>
               </a:spcBef>
@@ -1912,7 +2452,10 @@
                 </a:solidFill>
               </a:defRPr>
             </a:lvl4pPr>
-            <a:lvl5pPr lvl="4">
+            <a:lvl5pPr lvl="4" algn="l">
+              <a:lnSpc>
+                <a:spcPct val="100000"/>
+              </a:lnSpc>
               <a:spcBef>
                 <a:spcPts val="0"/>
               </a:spcBef>
@@ -1930,7 +2473,10 @@
                 </a:solidFill>
               </a:defRPr>
             </a:lvl5pPr>
-            <a:lvl6pPr lvl="5">
+            <a:lvl6pPr lvl="5" algn="l">
+              <a:lnSpc>
+                <a:spcPct val="100000"/>
+              </a:lnSpc>
               <a:spcBef>
                 <a:spcPts val="0"/>
               </a:spcBef>
@@ -1948,7 +2494,10 @@
                 </a:solidFill>
               </a:defRPr>
             </a:lvl6pPr>
-            <a:lvl7pPr lvl="6">
+            <a:lvl7pPr lvl="6" algn="l">
+              <a:lnSpc>
+                <a:spcPct val="100000"/>
+              </a:lnSpc>
               <a:spcBef>
                 <a:spcPts val="0"/>
               </a:spcBef>
@@ -1966,7 +2515,10 @@
                 </a:solidFill>
               </a:defRPr>
             </a:lvl7pPr>
-            <a:lvl8pPr lvl="7">
+            <a:lvl8pPr lvl="7" algn="l">
+              <a:lnSpc>
+                <a:spcPct val="100000"/>
+              </a:lnSpc>
               <a:spcBef>
                 <a:spcPts val="0"/>
               </a:spcBef>
@@ -1984,7 +2536,10 @@
                 </a:solidFill>
               </a:defRPr>
             </a:lvl8pPr>
-            <a:lvl9pPr lvl="8">
+            <a:lvl9pPr lvl="8" algn="l">
+              <a:lnSpc>
+                <a:spcPct val="100000"/>
+              </a:lnSpc>
               <a:spcBef>
                 <a:spcPts val="0"/>
               </a:spcBef>
@@ -2026,11 +2581,18 @@
           <a:prstGeom prst="rect">
             <a:avLst/>
           </a:prstGeom>
+          <a:noFill/>
+          <a:ln>
+            <a:noFill/>
+          </a:ln>
         </p:spPr>
         <p:txBody>
           <a:bodyPr anchorCtr="0" anchor="t" bIns="91425" lIns="91425" spcFirstLastPara="1" rIns="91425" wrap="square" tIns="91425"/>
           <a:lstStyle>
-            <a:lvl1pPr indent="-311150" lvl="0" marL="457200">
+            <a:lvl1pPr indent="-311150" lvl="0" marL="457200" algn="l">
+              <a:lnSpc>
+                <a:spcPct val="115000"/>
+              </a:lnSpc>
               <a:spcBef>
                 <a:spcPts val="0"/>
               </a:spcBef>
@@ -2048,7 +2610,10 @@
                 </a:solidFill>
               </a:defRPr>
             </a:lvl1pPr>
-            <a:lvl2pPr indent="-298450" lvl="1" marL="914400">
+            <a:lvl2pPr indent="-298450" lvl="1" marL="914400" algn="l">
+              <a:lnSpc>
+                <a:spcPct val="115000"/>
+              </a:lnSpc>
               <a:spcBef>
                 <a:spcPts val="1600"/>
               </a:spcBef>
@@ -2066,7 +2631,10 @@
                 </a:solidFill>
               </a:defRPr>
             </a:lvl2pPr>
-            <a:lvl3pPr indent="-298450" lvl="2" marL="1371600">
+            <a:lvl3pPr indent="-298450" lvl="2" marL="1371600" algn="l">
+              <a:lnSpc>
+                <a:spcPct val="115000"/>
+              </a:lnSpc>
               <a:spcBef>
                 <a:spcPts val="1600"/>
               </a:spcBef>
@@ -2084,7 +2652,10 @@
                 </a:solidFill>
               </a:defRPr>
             </a:lvl3pPr>
-            <a:lvl4pPr indent="-298450" lvl="3" marL="1828800">
+            <a:lvl4pPr indent="-298450" lvl="3" marL="1828800" algn="l">
+              <a:lnSpc>
+                <a:spcPct val="115000"/>
+              </a:lnSpc>
               <a:spcBef>
                 <a:spcPts val="1600"/>
               </a:spcBef>
@@ -2102,7 +2673,10 @@
                 </a:solidFill>
               </a:defRPr>
             </a:lvl4pPr>
-            <a:lvl5pPr indent="-298450" lvl="4" marL="2286000">
+            <a:lvl5pPr indent="-298450" lvl="4" marL="2286000" algn="l">
+              <a:lnSpc>
+                <a:spcPct val="115000"/>
+              </a:lnSpc>
               <a:spcBef>
                 <a:spcPts val="1600"/>
               </a:spcBef>
@@ -2120,7 +2694,10 @@
                 </a:solidFill>
               </a:defRPr>
             </a:lvl5pPr>
-            <a:lvl6pPr indent="-298450" lvl="5" marL="2743200">
+            <a:lvl6pPr indent="-298450" lvl="5" marL="2743200" algn="l">
+              <a:lnSpc>
+                <a:spcPct val="115000"/>
+              </a:lnSpc>
               <a:spcBef>
                 <a:spcPts val="1600"/>
               </a:spcBef>
@@ -2138,7 +2715,10 @@
                 </a:solidFill>
               </a:defRPr>
             </a:lvl6pPr>
-            <a:lvl7pPr indent="-298450" lvl="6" marL="3200400">
+            <a:lvl7pPr indent="-298450" lvl="6" marL="3200400" algn="l">
+              <a:lnSpc>
+                <a:spcPct val="115000"/>
+              </a:lnSpc>
               <a:spcBef>
                 <a:spcPts val="1600"/>
               </a:spcBef>
@@ -2156,7 +2736,10 @@
                 </a:solidFill>
               </a:defRPr>
             </a:lvl7pPr>
-            <a:lvl8pPr indent="-298450" lvl="7" marL="3657600">
+            <a:lvl8pPr indent="-298450" lvl="7" marL="3657600" algn="l">
+              <a:lnSpc>
+                <a:spcPct val="115000"/>
+              </a:lnSpc>
               <a:spcBef>
                 <a:spcPts val="1600"/>
               </a:spcBef>
@@ -2174,7 +2757,10 @@
                 </a:solidFill>
               </a:defRPr>
             </a:lvl8pPr>
-            <a:lvl9pPr indent="-298450" lvl="8" marL="4114800">
+            <a:lvl9pPr indent="-298450" lvl="8" marL="4114800" algn="l">
+              <a:lnSpc>
+                <a:spcPct val="115000"/>
+              </a:lnSpc>
               <a:spcBef>
                 <a:spcPts val="1600"/>
               </a:spcBef>
@@ -2212,82 +2798,248 @@
           <a:prstGeom prst="rect">
             <a:avLst/>
           </a:prstGeom>
+          <a:noFill/>
+          <a:ln>
+            <a:noFill/>
+          </a:ln>
         </p:spPr>
         <p:txBody>
           <a:bodyPr anchorCtr="0" anchor="ctr" bIns="91425" lIns="91425" spcFirstLastPara="1" rIns="91425" wrap="square" tIns="91425">
             <a:noAutofit/>
           </a:bodyPr>
           <a:lstStyle>
-            <a:lvl1pPr lvl="0">
-              <a:buNone/>
-              <a:defRPr>
+            <a:lvl1pPr indent="0" lvl="0" marL="0" marR="0" algn="r">
+              <a:lnSpc>
+                <a:spcPct val="100000"/>
+              </a:lnSpc>
+              <a:spcBef>
+                <a:spcPts val="0"/>
+              </a:spcBef>
+              <a:spcAft>
+                <a:spcPts val="0"/>
+              </a:spcAft>
+              <a:buClr>
+                <a:srgbClr val="000000"/>
+              </a:buClr>
+              <a:buSzPts val="1000"/>
+              <a:buFont typeface="Arial"/>
+              <a:buNone/>
+              <a:defRPr b="0" i="0" sz="1000" u="none" cap="none" strike="noStrike">
                 <a:solidFill>
                   <a:schemeClr val="lt1"/>
                 </a:solidFill>
+                <a:latin typeface="Lato"/>
+                <a:ea typeface="Lato"/>
+                <a:cs typeface="Lato"/>
+                <a:sym typeface="Lato"/>
               </a:defRPr>
             </a:lvl1pPr>
-            <a:lvl2pPr lvl="1">
-              <a:buNone/>
-              <a:defRPr>
+            <a:lvl2pPr indent="0" lvl="1" marL="0" marR="0" algn="r">
+              <a:lnSpc>
+                <a:spcPct val="100000"/>
+              </a:lnSpc>
+              <a:spcBef>
+                <a:spcPts val="0"/>
+              </a:spcBef>
+              <a:spcAft>
+                <a:spcPts val="0"/>
+              </a:spcAft>
+              <a:buClr>
+                <a:srgbClr val="000000"/>
+              </a:buClr>
+              <a:buSzPts val="1000"/>
+              <a:buFont typeface="Arial"/>
+              <a:buNone/>
+              <a:defRPr b="0" i="0" sz="1000" u="none" cap="none" strike="noStrike">
                 <a:solidFill>
                   <a:schemeClr val="lt1"/>
                 </a:solidFill>
+                <a:latin typeface="Lato"/>
+                <a:ea typeface="Lato"/>
+                <a:cs typeface="Lato"/>
+                <a:sym typeface="Lato"/>
               </a:defRPr>
             </a:lvl2pPr>
-            <a:lvl3pPr lvl="2">
-              <a:buNone/>
-              <a:defRPr>
+            <a:lvl3pPr indent="0" lvl="2" marL="0" marR="0" algn="r">
+              <a:lnSpc>
+                <a:spcPct val="100000"/>
+              </a:lnSpc>
+              <a:spcBef>
+                <a:spcPts val="0"/>
+              </a:spcBef>
+              <a:spcAft>
+                <a:spcPts val="0"/>
+              </a:spcAft>
+              <a:buClr>
+                <a:srgbClr val="000000"/>
+              </a:buClr>
+              <a:buSzPts val="1000"/>
+              <a:buFont typeface="Arial"/>
+              <a:buNone/>
+              <a:defRPr b="0" i="0" sz="1000" u="none" cap="none" strike="noStrike">
                 <a:solidFill>
                   <a:schemeClr val="lt1"/>
                 </a:solidFill>
+                <a:latin typeface="Lato"/>
+                <a:ea typeface="Lato"/>
+                <a:cs typeface="Lato"/>
+                <a:sym typeface="Lato"/>
               </a:defRPr>
             </a:lvl3pPr>
-            <a:lvl4pPr lvl="3">
-              <a:buNone/>
-              <a:defRPr>
+            <a:lvl4pPr indent="0" lvl="3" marL="0" marR="0" algn="r">
+              <a:lnSpc>
+                <a:spcPct val="100000"/>
+              </a:lnSpc>
+              <a:spcBef>
+                <a:spcPts val="0"/>
+              </a:spcBef>
+              <a:spcAft>
+                <a:spcPts val="0"/>
+              </a:spcAft>
+              <a:buClr>
+                <a:srgbClr val="000000"/>
+              </a:buClr>
+              <a:buSzPts val="1000"/>
+              <a:buFont typeface="Arial"/>
+              <a:buNone/>
+              <a:defRPr b="0" i="0" sz="1000" u="none" cap="none" strike="noStrike">
                 <a:solidFill>
                   <a:schemeClr val="lt1"/>
                 </a:solidFill>
+                <a:latin typeface="Lato"/>
+                <a:ea typeface="Lato"/>
+                <a:cs typeface="Lato"/>
+                <a:sym typeface="Lato"/>
               </a:defRPr>
             </a:lvl4pPr>
-            <a:lvl5pPr lvl="4">
-              <a:buNone/>
-              <a:defRPr>
+            <a:lvl5pPr indent="0" lvl="4" marL="0" marR="0" algn="r">
+              <a:lnSpc>
+                <a:spcPct val="100000"/>
+              </a:lnSpc>
+              <a:spcBef>
+                <a:spcPts val="0"/>
+              </a:spcBef>
+              <a:spcAft>
+                <a:spcPts val="0"/>
+              </a:spcAft>
+              <a:buClr>
+                <a:srgbClr val="000000"/>
+              </a:buClr>
+              <a:buSzPts val="1000"/>
+              <a:buFont typeface="Arial"/>
+              <a:buNone/>
+              <a:defRPr b="0" i="0" sz="1000" u="none" cap="none" strike="noStrike">
                 <a:solidFill>
                   <a:schemeClr val="lt1"/>
                 </a:solidFill>
+                <a:latin typeface="Lato"/>
+                <a:ea typeface="Lato"/>
+                <a:cs typeface="Lato"/>
+                <a:sym typeface="Lato"/>
               </a:defRPr>
             </a:lvl5pPr>
-            <a:lvl6pPr lvl="5">
-              <a:buNone/>
-              <a:defRPr>
+            <a:lvl6pPr indent="0" lvl="5" marL="0" marR="0" algn="r">
+              <a:lnSpc>
+                <a:spcPct val="100000"/>
+              </a:lnSpc>
+              <a:spcBef>
+                <a:spcPts val="0"/>
+              </a:spcBef>
+              <a:spcAft>
+                <a:spcPts val="0"/>
+              </a:spcAft>
+              <a:buClr>
+                <a:srgbClr val="000000"/>
+              </a:buClr>
+              <a:buSzPts val="1000"/>
+              <a:buFont typeface="Arial"/>
+              <a:buNone/>
+              <a:defRPr b="0" i="0" sz="1000" u="none" cap="none" strike="noStrike">
                 <a:solidFill>
                   <a:schemeClr val="lt1"/>
                 </a:solidFill>
+                <a:latin typeface="Lato"/>
+                <a:ea typeface="Lato"/>
+                <a:cs typeface="Lato"/>
+                <a:sym typeface="Lato"/>
               </a:defRPr>
             </a:lvl6pPr>
-            <a:lvl7pPr lvl="6">
-              <a:buNone/>
-              <a:defRPr>
+            <a:lvl7pPr indent="0" lvl="6" marL="0" marR="0" algn="r">
+              <a:lnSpc>
+                <a:spcPct val="100000"/>
+              </a:lnSpc>
+              <a:spcBef>
+                <a:spcPts val="0"/>
+              </a:spcBef>
+              <a:spcAft>
+                <a:spcPts val="0"/>
+              </a:spcAft>
+              <a:buClr>
+                <a:srgbClr val="000000"/>
+              </a:buClr>
+              <a:buSzPts val="1000"/>
+              <a:buFont typeface="Arial"/>
+              <a:buNone/>
+              <a:defRPr b="0" i="0" sz="1000" u="none" cap="none" strike="noStrike">
                 <a:solidFill>
                   <a:schemeClr val="lt1"/>
                 </a:solidFill>
+                <a:latin typeface="Lato"/>
+                <a:ea typeface="Lato"/>
+                <a:cs typeface="Lato"/>
+                <a:sym typeface="Lato"/>
               </a:defRPr>
             </a:lvl7pPr>
-            <a:lvl8pPr lvl="7">
-              <a:buNone/>
-              <a:defRPr>
+            <a:lvl8pPr indent="0" lvl="7" marL="0" marR="0" algn="r">
+              <a:lnSpc>
+                <a:spcPct val="100000"/>
+              </a:lnSpc>
+              <a:spcBef>
+                <a:spcPts val="0"/>
+              </a:spcBef>
+              <a:spcAft>
+                <a:spcPts val="0"/>
+              </a:spcAft>
+              <a:buClr>
+                <a:srgbClr val="000000"/>
+              </a:buClr>
+              <a:buSzPts val="1000"/>
+              <a:buFont typeface="Arial"/>
+              <a:buNone/>
+              <a:defRPr b="0" i="0" sz="1000" u="none" cap="none" strike="noStrike">
                 <a:solidFill>
                   <a:schemeClr val="lt1"/>
                 </a:solidFill>
+                <a:latin typeface="Lato"/>
+                <a:ea typeface="Lato"/>
+                <a:cs typeface="Lato"/>
+                <a:sym typeface="Lato"/>
               </a:defRPr>
             </a:lvl8pPr>
-            <a:lvl9pPr lvl="8">
-              <a:buNone/>
-              <a:defRPr>
+            <a:lvl9pPr indent="0" lvl="8" marL="0" marR="0" algn="r">
+              <a:lnSpc>
+                <a:spcPct val="100000"/>
+              </a:lnSpc>
+              <a:spcBef>
+                <a:spcPts val="0"/>
+              </a:spcBef>
+              <a:spcAft>
+                <a:spcPts val="0"/>
+              </a:spcAft>
+              <a:buClr>
+                <a:srgbClr val="000000"/>
+              </a:buClr>
+              <a:buSzPts val="1000"/>
+              <a:buFont typeface="Arial"/>
+              <a:buNone/>
+              <a:defRPr b="0" i="0" sz="1000" u="none" cap="none" strike="noStrike">
                 <a:solidFill>
                   <a:schemeClr val="lt1"/>
                 </a:solidFill>
+                <a:latin typeface="Lato"/>
+                <a:ea typeface="Lato"/>
+                <a:cs typeface="Lato"/>
+                <a:sym typeface="Lato"/>
               </a:defRPr>
             </a:lvl9pPr>
           </a:lstStyle>
@@ -2350,47 +3102,249 @@
           <a:prstGeom prst="rect">
             <a:avLst/>
           </a:prstGeom>
+          <a:noFill/>
+          <a:ln>
+            <a:noFill/>
+          </a:ln>
         </p:spPr>
         <p:txBody>
           <a:bodyPr anchorCtr="0" anchor="ctr" bIns="91425" lIns="91425" spcFirstLastPara="1" rIns="91425" wrap="square" tIns="91425">
             <a:noAutofit/>
           </a:bodyPr>
           <a:lstStyle>
-            <a:lvl1pPr lvl="0">
-              <a:buNone/>
-              <a:defRPr/>
+            <a:lvl1pPr indent="0" lvl="0" marL="0" marR="0" algn="r">
+              <a:lnSpc>
+                <a:spcPct val="100000"/>
+              </a:lnSpc>
+              <a:spcBef>
+                <a:spcPts val="0"/>
+              </a:spcBef>
+              <a:spcAft>
+                <a:spcPts val="0"/>
+              </a:spcAft>
+              <a:buClr>
+                <a:srgbClr val="000000"/>
+              </a:buClr>
+              <a:buSzPts val="1000"/>
+              <a:buFont typeface="Arial"/>
+              <a:buNone/>
+              <a:defRPr b="0" i="0" sz="1000" u="none" cap="none" strike="noStrike">
+                <a:solidFill>
+                  <a:schemeClr val="accent1"/>
+                </a:solidFill>
+                <a:latin typeface="Lato"/>
+                <a:ea typeface="Lato"/>
+                <a:cs typeface="Lato"/>
+                <a:sym typeface="Lato"/>
+              </a:defRPr>
             </a:lvl1pPr>
-            <a:lvl2pPr lvl="1">
-              <a:buNone/>
-              <a:defRPr/>
+            <a:lvl2pPr indent="0" lvl="1" marL="0" marR="0" algn="r">
+              <a:lnSpc>
+                <a:spcPct val="100000"/>
+              </a:lnSpc>
+              <a:spcBef>
+                <a:spcPts val="0"/>
+              </a:spcBef>
+              <a:spcAft>
+                <a:spcPts val="0"/>
+              </a:spcAft>
+              <a:buClr>
+                <a:srgbClr val="000000"/>
+              </a:buClr>
+              <a:buSzPts val="1000"/>
+              <a:buFont typeface="Arial"/>
+              <a:buNone/>
+              <a:defRPr b="0" i="0" sz="1000" u="none" cap="none" strike="noStrike">
+                <a:solidFill>
+                  <a:schemeClr val="accent1"/>
+                </a:solidFill>
+                <a:latin typeface="Lato"/>
+                <a:ea typeface="Lato"/>
+                <a:cs typeface="Lato"/>
+                <a:sym typeface="Lato"/>
+              </a:defRPr>
             </a:lvl2pPr>
-            <a:lvl3pPr lvl="2">
-              <a:buNone/>
-              <a:defRPr/>
+            <a:lvl3pPr indent="0" lvl="2" marL="0" marR="0" algn="r">
+              <a:lnSpc>
+                <a:spcPct val="100000"/>
+              </a:lnSpc>
+              <a:spcBef>
+                <a:spcPts val="0"/>
+              </a:spcBef>
+              <a:spcAft>
+                <a:spcPts val="0"/>
+              </a:spcAft>
+              <a:buClr>
+                <a:srgbClr val="000000"/>
+              </a:buClr>
+              <a:buSzPts val="1000"/>
+              <a:buFont typeface="Arial"/>
+              <a:buNone/>
+              <a:defRPr b="0" i="0" sz="1000" u="none" cap="none" strike="noStrike">
+                <a:solidFill>
+                  <a:schemeClr val="accent1"/>
+                </a:solidFill>
+                <a:latin typeface="Lato"/>
+                <a:ea typeface="Lato"/>
+                <a:cs typeface="Lato"/>
+                <a:sym typeface="Lato"/>
+              </a:defRPr>
             </a:lvl3pPr>
-            <a:lvl4pPr lvl="3">
-              <a:buNone/>
-              <a:defRPr/>
+            <a:lvl4pPr indent="0" lvl="3" marL="0" marR="0" algn="r">
+              <a:lnSpc>
+                <a:spcPct val="100000"/>
+              </a:lnSpc>
+              <a:spcBef>
+                <a:spcPts val="0"/>
+              </a:spcBef>
+              <a:spcAft>
+                <a:spcPts val="0"/>
+              </a:spcAft>
+              <a:buClr>
+                <a:srgbClr val="000000"/>
+              </a:buClr>
+              <a:buSzPts val="1000"/>
+              <a:buFont typeface="Arial"/>
+              <a:buNone/>
+              <a:defRPr b="0" i="0" sz="1000" u="none" cap="none" strike="noStrike">
+                <a:solidFill>
+                  <a:schemeClr val="accent1"/>
+                </a:solidFill>
+                <a:latin typeface="Lato"/>
+                <a:ea typeface="Lato"/>
+                <a:cs typeface="Lato"/>
+                <a:sym typeface="Lato"/>
+              </a:defRPr>
             </a:lvl4pPr>
-            <a:lvl5pPr lvl="4">
-              <a:buNone/>
-              <a:defRPr/>
+            <a:lvl5pPr indent="0" lvl="4" marL="0" marR="0" algn="r">
+              <a:lnSpc>
+                <a:spcPct val="100000"/>
+              </a:lnSpc>
+              <a:spcBef>
+                <a:spcPts val="0"/>
+              </a:spcBef>
+              <a:spcAft>
+                <a:spcPts val="0"/>
+              </a:spcAft>
+              <a:buClr>
+                <a:srgbClr val="000000"/>
+              </a:buClr>
+              <a:buSzPts val="1000"/>
+              <a:buFont typeface="Arial"/>
+              <a:buNone/>
+              <a:defRPr b="0" i="0" sz="1000" u="none" cap="none" strike="noStrike">
+                <a:solidFill>
+                  <a:schemeClr val="accent1"/>
+                </a:solidFill>
+                <a:latin typeface="Lato"/>
+                <a:ea typeface="Lato"/>
+                <a:cs typeface="Lato"/>
+                <a:sym typeface="Lato"/>
+              </a:defRPr>
             </a:lvl5pPr>
-            <a:lvl6pPr lvl="5">
-              <a:buNone/>
-              <a:defRPr/>
+            <a:lvl6pPr indent="0" lvl="5" marL="0" marR="0" algn="r">
+              <a:lnSpc>
+                <a:spcPct val="100000"/>
+              </a:lnSpc>
+              <a:spcBef>
+                <a:spcPts val="0"/>
+              </a:spcBef>
+              <a:spcAft>
+                <a:spcPts val="0"/>
+              </a:spcAft>
+              <a:buClr>
+                <a:srgbClr val="000000"/>
+              </a:buClr>
+              <a:buSzPts val="1000"/>
+              <a:buFont typeface="Arial"/>
+              <a:buNone/>
+              <a:defRPr b="0" i="0" sz="1000" u="none" cap="none" strike="noStrike">
+                <a:solidFill>
+                  <a:schemeClr val="accent1"/>
+                </a:solidFill>
+                <a:latin typeface="Lato"/>
+                <a:ea typeface="Lato"/>
+                <a:cs typeface="Lato"/>
+                <a:sym typeface="Lato"/>
+              </a:defRPr>
             </a:lvl6pPr>
-            <a:lvl7pPr lvl="6">
-              <a:buNone/>
-              <a:defRPr/>
+            <a:lvl7pPr indent="0" lvl="6" marL="0" marR="0" algn="r">
+              <a:lnSpc>
+                <a:spcPct val="100000"/>
+              </a:lnSpc>
+              <a:spcBef>
+                <a:spcPts val="0"/>
+              </a:spcBef>
+              <a:spcAft>
+                <a:spcPts val="0"/>
+              </a:spcAft>
+              <a:buClr>
+                <a:srgbClr val="000000"/>
+              </a:buClr>
+              <a:buSzPts val="1000"/>
+              <a:buFont typeface="Arial"/>
+              <a:buNone/>
+              <a:defRPr b="0" i="0" sz="1000" u="none" cap="none" strike="noStrike">
+                <a:solidFill>
+                  <a:schemeClr val="accent1"/>
+                </a:solidFill>
+                <a:latin typeface="Lato"/>
+                <a:ea typeface="Lato"/>
+                <a:cs typeface="Lato"/>
+                <a:sym typeface="Lato"/>
+              </a:defRPr>
             </a:lvl7pPr>
-            <a:lvl8pPr lvl="7">
-              <a:buNone/>
-              <a:defRPr/>
+            <a:lvl8pPr indent="0" lvl="7" marL="0" marR="0" algn="r">
+              <a:lnSpc>
+                <a:spcPct val="100000"/>
+              </a:lnSpc>
+              <a:spcBef>
+                <a:spcPts val="0"/>
+              </a:spcBef>
+              <a:spcAft>
+                <a:spcPts val="0"/>
+              </a:spcAft>
+              <a:buClr>
+                <a:srgbClr val="000000"/>
+              </a:buClr>
+              <a:buSzPts val="1000"/>
+              <a:buFont typeface="Arial"/>
+              <a:buNone/>
+              <a:defRPr b="0" i="0" sz="1000" u="none" cap="none" strike="noStrike">
+                <a:solidFill>
+                  <a:schemeClr val="accent1"/>
+                </a:solidFill>
+                <a:latin typeface="Lato"/>
+                <a:ea typeface="Lato"/>
+                <a:cs typeface="Lato"/>
+                <a:sym typeface="Lato"/>
+              </a:defRPr>
             </a:lvl8pPr>
-            <a:lvl9pPr lvl="8">
-              <a:buNone/>
-              <a:defRPr/>
+            <a:lvl9pPr indent="0" lvl="8" marL="0" marR="0" algn="r">
+              <a:lnSpc>
+                <a:spcPct val="100000"/>
+              </a:lnSpc>
+              <a:spcBef>
+                <a:spcPts val="0"/>
+              </a:spcBef>
+              <a:spcAft>
+                <a:spcPts val="0"/>
+              </a:spcAft>
+              <a:buClr>
+                <a:srgbClr val="000000"/>
+              </a:buClr>
+              <a:buSzPts val="1000"/>
+              <a:buFont typeface="Arial"/>
+              <a:buNone/>
+              <a:defRPr b="0" i="0" sz="1000" u="none" cap="none" strike="noStrike">
+                <a:solidFill>
+                  <a:schemeClr val="accent1"/>
+                </a:solidFill>
+                <a:latin typeface="Lato"/>
+                <a:ea typeface="Lato"/>
+                <a:cs typeface="Lato"/>
+                <a:sym typeface="Lato"/>
+              </a:defRPr>
             </a:lvl9pPr>
           </a:lstStyle>
           <a:p>
@@ -2420,15 +3374,8 @@
 </file>
 
 <file path=ppt/slideLayouts/slideLayout2.xml><?xml version="1.0" encoding="utf-8"?>
-<p:sldLayout xmlns:a="http://schemas.openxmlformats.org/drawingml/2006/main" xmlns:r="http://schemas.openxmlformats.org/officeDocument/2006/relationships" xmlns:mc="http://schemas.openxmlformats.org/markup-compatibility/2006" xmlns:mv="urn:schemas-microsoft-com:mac:vml" xmlns:p="http://schemas.openxmlformats.org/presentationml/2006/main" xmlns:c="http://schemas.openxmlformats.org/drawingml/2006/chart" xmlns:dgm="http://schemas.openxmlformats.org/drawingml/2006/diagram" xmlns:o="urn:schemas-microsoft-com:office:office" xmlns:v="urn:schemas-microsoft-com:vml" xmlns:pvml="urn:schemas-microsoft-com:office:powerpoint" xmlns:com="http://schemas.openxmlformats.org/drawingml/2006/compatibility" xmlns:p14="http://schemas.microsoft.com/office/powerpoint/2010/main" xmlns:p15="http://schemas.microsoft.com/office/powerpoint/2012/main" matchingName="Section header" type="secHead">
-  <p:cSld name="SECTION_HEADER">
-    <p:bg>
-      <p:bgPr>
-        <a:solidFill>
-          <a:schemeClr val="dk1"/>
-        </a:solidFill>
-      </p:bgPr>
-    </p:bg>
+<p:sldLayout xmlns:a="http://schemas.openxmlformats.org/drawingml/2006/main" xmlns:r="http://schemas.openxmlformats.org/officeDocument/2006/relationships" xmlns:mc="http://schemas.openxmlformats.org/markup-compatibility/2006" xmlns:mv="urn:schemas-microsoft-com:mac:vml" xmlns:p="http://schemas.openxmlformats.org/presentationml/2006/main" xmlns:c="http://schemas.openxmlformats.org/drawingml/2006/chart" xmlns:dgm="http://schemas.openxmlformats.org/drawingml/2006/diagram" xmlns:o="urn:schemas-microsoft-com:office:office" xmlns:v="urn:schemas-microsoft-com:vml" xmlns:pvml="urn:schemas-microsoft-com:office:powerpoint" xmlns:com="http://schemas.openxmlformats.org/drawingml/2006/compatibility" xmlns:p14="http://schemas.microsoft.com/office/powerpoint/2010/main" xmlns:p15="http://schemas.microsoft.com/office/powerpoint/2012/main" matchingName="Title and body" type="tx">
+  <p:cSld name="TITLE_AND_BODY">
     <p:spTree>
       <p:nvGrpSpPr>
         <p:cNvPr id="17" name="Shape 17"/>
@@ -2443,9 +3390,68 @@
           <a:chExt cx="0" cy="0"/>
         </a:xfrm>
       </p:grpSpPr>
+      <p:sp>
+        <p:nvSpPr>
+          <p:cNvPr id="18" name="Google Shape;18;p3"/>
+          <p:cNvSpPr/>
+          <p:nvPr/>
+        </p:nvSpPr>
+        <p:spPr>
+          <a:xfrm>
+            <a:off x="0" y="0"/>
+            <a:ext cx="9144000" cy="487800"/>
+          </a:xfrm>
+          <a:prstGeom prst="rect">
+            <a:avLst/>
+          </a:prstGeom>
+          <a:solidFill>
+            <a:schemeClr val="lt2"/>
+          </a:solidFill>
+          <a:ln>
+            <a:noFill/>
+          </a:ln>
+        </p:spPr>
+        <p:txBody>
+          <a:bodyPr anchorCtr="0" anchor="ctr" bIns="91425" lIns="91425" spcFirstLastPara="1" rIns="91425" wrap="square" tIns="91425">
+            <a:noAutofit/>
+          </a:bodyPr>
+          <a:lstStyle/>
+          <a:p>
+            <a:pPr indent="0" lvl="0" marL="0" marR="0" rtl="0" algn="l">
+              <a:lnSpc>
+                <a:spcPct val="100000"/>
+              </a:lnSpc>
+              <a:spcBef>
+                <a:spcPts val="0"/>
+              </a:spcBef>
+              <a:spcAft>
+                <a:spcPts val="0"/>
+              </a:spcAft>
+              <a:buClr>
+                <a:srgbClr val="000000"/>
+              </a:buClr>
+              <a:buSzPts val="1400"/>
+              <a:buFont typeface="Arial"/>
+              <a:buNone/>
+            </a:pPr>
+            <a:r>
+              <a:t/>
+            </a:r>
+            <a:endParaRPr b="0" i="0" sz="1400" u="none" cap="none" strike="noStrike">
+              <a:solidFill>
+                <a:srgbClr val="000000"/>
+              </a:solidFill>
+              <a:latin typeface="Arial"/>
+              <a:ea typeface="Arial"/>
+              <a:cs typeface="Arial"/>
+              <a:sym typeface="Arial"/>
+            </a:endParaRPr>
+          </a:p>
+        </p:txBody>
+      </p:sp>
       <p:grpSp>
         <p:nvGrpSpPr>
-          <p:cNvPr id="18" name="Google Shape;18;p3"/>
+          <p:cNvPr id="19" name="Google Shape;19;p3"/>
           <p:cNvGrpSpPr/>
           <p:nvPr/>
         </p:nvGrpSpPr>
@@ -2459,7 +3465,822 @@
         </p:grpSpPr>
         <p:sp>
           <p:nvSpPr>
-            <p:cNvPr id="19" name="Google Shape;19;p3"/>
+            <p:cNvPr id="20" name="Google Shape;20;p3"/>
+            <p:cNvSpPr/>
+            <p:nvPr/>
+          </p:nvSpPr>
+          <p:spPr>
+            <a:xfrm rot="-5400000">
+              <a:off x="5366325" y="2335504"/>
+              <a:ext cx="25200" cy="532200"/>
+            </a:xfrm>
+            <a:prstGeom prst="rect">
+              <a:avLst/>
+            </a:prstGeom>
+            <a:solidFill>
+              <a:schemeClr val="accent3"/>
+            </a:solidFill>
+            <a:ln>
+              <a:noFill/>
+            </a:ln>
+          </p:spPr>
+          <p:txBody>
+            <a:bodyPr anchorCtr="0" anchor="ctr" bIns="91425" lIns="91425" spcFirstLastPara="1" rIns="91425" wrap="square" tIns="91425">
+              <a:noAutofit/>
+            </a:bodyPr>
+            <a:lstStyle/>
+            <a:p>
+              <a:pPr indent="0" lvl="0" marL="0" marR="0" rtl="0" algn="l">
+                <a:lnSpc>
+                  <a:spcPct val="100000"/>
+                </a:lnSpc>
+                <a:spcBef>
+                  <a:spcPts val="0"/>
+                </a:spcBef>
+                <a:spcAft>
+                  <a:spcPts val="0"/>
+                </a:spcAft>
+                <a:buClr>
+                  <a:srgbClr val="000000"/>
+                </a:buClr>
+                <a:buSzPts val="1400"/>
+                <a:buFont typeface="Arial"/>
+                <a:buNone/>
+              </a:pPr>
+              <a:r>
+                <a:t/>
+              </a:r>
+              <a:endParaRPr b="0" i="0" sz="1400" u="none" cap="none" strike="noStrike">
+                <a:solidFill>
+                  <a:srgbClr val="000000"/>
+                </a:solidFill>
+                <a:latin typeface="Arial"/>
+                <a:ea typeface="Arial"/>
+                <a:cs typeface="Arial"/>
+                <a:sym typeface="Arial"/>
+              </a:endParaRPr>
+            </a:p>
+          </p:txBody>
+        </p:sp>
+        <p:sp>
+          <p:nvSpPr>
+            <p:cNvPr id="21" name="Google Shape;21;p3"/>
+            <p:cNvSpPr/>
+            <p:nvPr/>
+          </p:nvSpPr>
+          <p:spPr>
+            <a:xfrm rot="-5400000">
+              <a:off x="4836311" y="2333254"/>
+              <a:ext cx="25200" cy="536700"/>
+            </a:xfrm>
+            <a:prstGeom prst="rect">
+              <a:avLst/>
+            </a:prstGeom>
+            <a:solidFill>
+              <a:schemeClr val="dk1"/>
+            </a:solidFill>
+            <a:ln>
+              <a:noFill/>
+            </a:ln>
+          </p:spPr>
+          <p:txBody>
+            <a:bodyPr anchorCtr="0" anchor="ctr" bIns="91425" lIns="91425" spcFirstLastPara="1" rIns="91425" wrap="square" tIns="91425">
+              <a:noAutofit/>
+            </a:bodyPr>
+            <a:lstStyle/>
+            <a:p>
+              <a:pPr indent="0" lvl="0" marL="0" marR="0" rtl="0" algn="l">
+                <a:lnSpc>
+                  <a:spcPct val="100000"/>
+                </a:lnSpc>
+                <a:spcBef>
+                  <a:spcPts val="0"/>
+                </a:spcBef>
+                <a:spcAft>
+                  <a:spcPts val="0"/>
+                </a:spcAft>
+                <a:buClr>
+                  <a:srgbClr val="000000"/>
+                </a:buClr>
+                <a:buSzPts val="1400"/>
+                <a:buFont typeface="Arial"/>
+                <a:buNone/>
+              </a:pPr>
+              <a:r>
+                <a:t/>
+              </a:r>
+              <a:endParaRPr b="0" i="0" sz="1400" u="none" cap="none" strike="noStrike">
+                <a:solidFill>
+                  <a:srgbClr val="000000"/>
+                </a:solidFill>
+                <a:latin typeface="Arial"/>
+                <a:ea typeface="Arial"/>
+                <a:cs typeface="Arial"/>
+                <a:sym typeface="Arial"/>
+              </a:endParaRPr>
+            </a:p>
+          </p:txBody>
+        </p:sp>
+      </p:grpSp>
+      <p:sp>
+        <p:nvSpPr>
+          <p:cNvPr id="22" name="Google Shape;22;p3"/>
+          <p:cNvSpPr txBox="1"/>
+          <p:nvPr>
+            <p:ph type="title"/>
+          </p:nvPr>
+        </p:nvSpPr>
+        <p:spPr>
+          <a:xfrm>
+            <a:off x="729450" y="1318650"/>
+            <a:ext cx="7688700" cy="535200"/>
+          </a:xfrm>
+          <a:prstGeom prst="rect">
+            <a:avLst/>
+          </a:prstGeom>
+          <a:noFill/>
+          <a:ln>
+            <a:noFill/>
+          </a:ln>
+        </p:spPr>
+        <p:txBody>
+          <a:bodyPr anchorCtr="0" anchor="t" bIns="91425" lIns="91425" spcFirstLastPara="1" rIns="91425" wrap="square" tIns="91425"/>
+          <a:lstStyle>
+            <a:lvl1pPr lvl="0" algn="l">
+              <a:lnSpc>
+                <a:spcPct val="100000"/>
+              </a:lnSpc>
+              <a:spcBef>
+                <a:spcPts val="0"/>
+              </a:spcBef>
+              <a:spcAft>
+                <a:spcPts val="0"/>
+              </a:spcAft>
+              <a:buClr>
+                <a:schemeClr val="dk2"/>
+              </a:buClr>
+              <a:buSzPts val="2600"/>
+              <a:buNone/>
+              <a:defRPr sz="2600">
+                <a:solidFill>
+                  <a:schemeClr val="dk2"/>
+                </a:solidFill>
+              </a:defRPr>
+            </a:lvl1pPr>
+            <a:lvl2pPr lvl="1" algn="l">
+              <a:lnSpc>
+                <a:spcPct val="100000"/>
+              </a:lnSpc>
+              <a:spcBef>
+                <a:spcPts val="0"/>
+              </a:spcBef>
+              <a:spcAft>
+                <a:spcPts val="0"/>
+              </a:spcAft>
+              <a:buClr>
+                <a:schemeClr val="dk2"/>
+              </a:buClr>
+              <a:buSzPts val="2600"/>
+              <a:buNone/>
+              <a:defRPr sz="2600">
+                <a:solidFill>
+                  <a:schemeClr val="dk2"/>
+                </a:solidFill>
+              </a:defRPr>
+            </a:lvl2pPr>
+            <a:lvl3pPr lvl="2" algn="l">
+              <a:lnSpc>
+                <a:spcPct val="100000"/>
+              </a:lnSpc>
+              <a:spcBef>
+                <a:spcPts val="0"/>
+              </a:spcBef>
+              <a:spcAft>
+                <a:spcPts val="0"/>
+              </a:spcAft>
+              <a:buClr>
+                <a:schemeClr val="dk2"/>
+              </a:buClr>
+              <a:buSzPts val="2600"/>
+              <a:buNone/>
+              <a:defRPr sz="2600">
+                <a:solidFill>
+                  <a:schemeClr val="dk2"/>
+                </a:solidFill>
+              </a:defRPr>
+            </a:lvl3pPr>
+            <a:lvl4pPr lvl="3" algn="l">
+              <a:lnSpc>
+                <a:spcPct val="100000"/>
+              </a:lnSpc>
+              <a:spcBef>
+                <a:spcPts val="0"/>
+              </a:spcBef>
+              <a:spcAft>
+                <a:spcPts val="0"/>
+              </a:spcAft>
+              <a:buClr>
+                <a:schemeClr val="dk2"/>
+              </a:buClr>
+              <a:buSzPts val="2600"/>
+              <a:buNone/>
+              <a:defRPr sz="2600">
+                <a:solidFill>
+                  <a:schemeClr val="dk2"/>
+                </a:solidFill>
+              </a:defRPr>
+            </a:lvl4pPr>
+            <a:lvl5pPr lvl="4" algn="l">
+              <a:lnSpc>
+                <a:spcPct val="100000"/>
+              </a:lnSpc>
+              <a:spcBef>
+                <a:spcPts val="0"/>
+              </a:spcBef>
+              <a:spcAft>
+                <a:spcPts val="0"/>
+              </a:spcAft>
+              <a:buClr>
+                <a:schemeClr val="dk2"/>
+              </a:buClr>
+              <a:buSzPts val="2600"/>
+              <a:buNone/>
+              <a:defRPr sz="2600">
+                <a:solidFill>
+                  <a:schemeClr val="dk2"/>
+                </a:solidFill>
+              </a:defRPr>
+            </a:lvl5pPr>
+            <a:lvl6pPr lvl="5" algn="l">
+              <a:lnSpc>
+                <a:spcPct val="100000"/>
+              </a:lnSpc>
+              <a:spcBef>
+                <a:spcPts val="0"/>
+              </a:spcBef>
+              <a:spcAft>
+                <a:spcPts val="0"/>
+              </a:spcAft>
+              <a:buClr>
+                <a:schemeClr val="dk2"/>
+              </a:buClr>
+              <a:buSzPts val="2600"/>
+              <a:buNone/>
+              <a:defRPr sz="2600">
+                <a:solidFill>
+                  <a:schemeClr val="dk2"/>
+                </a:solidFill>
+              </a:defRPr>
+            </a:lvl6pPr>
+            <a:lvl7pPr lvl="6" algn="l">
+              <a:lnSpc>
+                <a:spcPct val="100000"/>
+              </a:lnSpc>
+              <a:spcBef>
+                <a:spcPts val="0"/>
+              </a:spcBef>
+              <a:spcAft>
+                <a:spcPts val="0"/>
+              </a:spcAft>
+              <a:buClr>
+                <a:schemeClr val="dk2"/>
+              </a:buClr>
+              <a:buSzPts val="2600"/>
+              <a:buNone/>
+              <a:defRPr sz="2600">
+                <a:solidFill>
+                  <a:schemeClr val="dk2"/>
+                </a:solidFill>
+              </a:defRPr>
+            </a:lvl7pPr>
+            <a:lvl8pPr lvl="7" algn="l">
+              <a:lnSpc>
+                <a:spcPct val="100000"/>
+              </a:lnSpc>
+              <a:spcBef>
+                <a:spcPts val="0"/>
+              </a:spcBef>
+              <a:spcAft>
+                <a:spcPts val="0"/>
+              </a:spcAft>
+              <a:buClr>
+                <a:schemeClr val="dk2"/>
+              </a:buClr>
+              <a:buSzPts val="2600"/>
+              <a:buNone/>
+              <a:defRPr sz="2600">
+                <a:solidFill>
+                  <a:schemeClr val="dk2"/>
+                </a:solidFill>
+              </a:defRPr>
+            </a:lvl8pPr>
+            <a:lvl9pPr lvl="8" algn="l">
+              <a:lnSpc>
+                <a:spcPct val="100000"/>
+              </a:lnSpc>
+              <a:spcBef>
+                <a:spcPts val="0"/>
+              </a:spcBef>
+              <a:spcAft>
+                <a:spcPts val="0"/>
+              </a:spcAft>
+              <a:buClr>
+                <a:schemeClr val="dk2"/>
+              </a:buClr>
+              <a:buSzPts val="2600"/>
+              <a:buNone/>
+              <a:defRPr sz="2600">
+                <a:solidFill>
+                  <a:schemeClr val="dk2"/>
+                </a:solidFill>
+              </a:defRPr>
+            </a:lvl9pPr>
+          </a:lstStyle>
+          <a:p/>
+        </p:txBody>
+      </p:sp>
+      <p:sp>
+        <p:nvSpPr>
+          <p:cNvPr id="23" name="Google Shape;23;p3"/>
+          <p:cNvSpPr txBox="1"/>
+          <p:nvPr>
+            <p:ph idx="1" type="body"/>
+          </p:nvPr>
+        </p:nvSpPr>
+        <p:spPr>
+          <a:xfrm>
+            <a:off x="729450" y="2078875"/>
+            <a:ext cx="7688700" cy="2261100"/>
+          </a:xfrm>
+          <a:prstGeom prst="rect">
+            <a:avLst/>
+          </a:prstGeom>
+          <a:noFill/>
+          <a:ln>
+            <a:noFill/>
+          </a:ln>
+        </p:spPr>
+        <p:txBody>
+          <a:bodyPr anchorCtr="0" anchor="t" bIns="91425" lIns="91425" spcFirstLastPara="1" rIns="91425" wrap="square" tIns="91425"/>
+          <a:lstStyle>
+            <a:lvl1pPr indent="-311150" lvl="0" marL="457200" algn="l">
+              <a:lnSpc>
+                <a:spcPct val="115000"/>
+              </a:lnSpc>
+              <a:spcBef>
+                <a:spcPts val="0"/>
+              </a:spcBef>
+              <a:spcAft>
+                <a:spcPts val="0"/>
+              </a:spcAft>
+              <a:buSzPts val="1300"/>
+              <a:buChar char="●"/>
+              <a:defRPr/>
+            </a:lvl1pPr>
+            <a:lvl2pPr indent="-298450" lvl="1" marL="914400" algn="l">
+              <a:lnSpc>
+                <a:spcPct val="115000"/>
+              </a:lnSpc>
+              <a:spcBef>
+                <a:spcPts val="1600"/>
+              </a:spcBef>
+              <a:spcAft>
+                <a:spcPts val="0"/>
+              </a:spcAft>
+              <a:buSzPts val="1100"/>
+              <a:buChar char="○"/>
+              <a:defRPr/>
+            </a:lvl2pPr>
+            <a:lvl3pPr indent="-298450" lvl="2" marL="1371600" algn="l">
+              <a:lnSpc>
+                <a:spcPct val="115000"/>
+              </a:lnSpc>
+              <a:spcBef>
+                <a:spcPts val="1600"/>
+              </a:spcBef>
+              <a:spcAft>
+                <a:spcPts val="0"/>
+              </a:spcAft>
+              <a:buSzPts val="1100"/>
+              <a:buChar char="■"/>
+              <a:defRPr/>
+            </a:lvl3pPr>
+            <a:lvl4pPr indent="-298450" lvl="3" marL="1828800" algn="l">
+              <a:lnSpc>
+                <a:spcPct val="115000"/>
+              </a:lnSpc>
+              <a:spcBef>
+                <a:spcPts val="1600"/>
+              </a:spcBef>
+              <a:spcAft>
+                <a:spcPts val="0"/>
+              </a:spcAft>
+              <a:buSzPts val="1100"/>
+              <a:buChar char="●"/>
+              <a:defRPr/>
+            </a:lvl4pPr>
+            <a:lvl5pPr indent="-298450" lvl="4" marL="2286000" algn="l">
+              <a:lnSpc>
+                <a:spcPct val="115000"/>
+              </a:lnSpc>
+              <a:spcBef>
+                <a:spcPts val="1600"/>
+              </a:spcBef>
+              <a:spcAft>
+                <a:spcPts val="0"/>
+              </a:spcAft>
+              <a:buSzPts val="1100"/>
+              <a:buChar char="○"/>
+              <a:defRPr/>
+            </a:lvl5pPr>
+            <a:lvl6pPr indent="-298450" lvl="5" marL="2743200" algn="l">
+              <a:lnSpc>
+                <a:spcPct val="115000"/>
+              </a:lnSpc>
+              <a:spcBef>
+                <a:spcPts val="1600"/>
+              </a:spcBef>
+              <a:spcAft>
+                <a:spcPts val="0"/>
+              </a:spcAft>
+              <a:buSzPts val="1100"/>
+              <a:buChar char="■"/>
+              <a:defRPr/>
+            </a:lvl6pPr>
+            <a:lvl7pPr indent="-298450" lvl="6" marL="3200400" algn="l">
+              <a:lnSpc>
+                <a:spcPct val="115000"/>
+              </a:lnSpc>
+              <a:spcBef>
+                <a:spcPts val="1600"/>
+              </a:spcBef>
+              <a:spcAft>
+                <a:spcPts val="0"/>
+              </a:spcAft>
+              <a:buSzPts val="1100"/>
+              <a:buChar char="●"/>
+              <a:defRPr/>
+            </a:lvl7pPr>
+            <a:lvl8pPr indent="-298450" lvl="7" marL="3657600" algn="l">
+              <a:lnSpc>
+                <a:spcPct val="115000"/>
+              </a:lnSpc>
+              <a:spcBef>
+                <a:spcPts val="1600"/>
+              </a:spcBef>
+              <a:spcAft>
+                <a:spcPts val="0"/>
+              </a:spcAft>
+              <a:buSzPts val="1100"/>
+              <a:buChar char="○"/>
+              <a:defRPr/>
+            </a:lvl8pPr>
+            <a:lvl9pPr indent="-298450" lvl="8" marL="4114800" algn="l">
+              <a:lnSpc>
+                <a:spcPct val="115000"/>
+              </a:lnSpc>
+              <a:spcBef>
+                <a:spcPts val="1600"/>
+              </a:spcBef>
+              <a:spcAft>
+                <a:spcPts val="1600"/>
+              </a:spcAft>
+              <a:buSzPts val="1100"/>
+              <a:buChar char="■"/>
+              <a:defRPr/>
+            </a:lvl9pPr>
+          </a:lstStyle>
+          <a:p/>
+        </p:txBody>
+      </p:sp>
+      <p:sp>
+        <p:nvSpPr>
+          <p:cNvPr id="24" name="Google Shape;24;p3"/>
+          <p:cNvSpPr txBox="1"/>
+          <p:nvPr>
+            <p:ph idx="12" type="sldNum"/>
+          </p:nvPr>
+        </p:nvSpPr>
+        <p:spPr>
+          <a:xfrm>
+            <a:off x="8536302" y="4749851"/>
+            <a:ext cx="548700" cy="393600"/>
+          </a:xfrm>
+          <a:prstGeom prst="rect">
+            <a:avLst/>
+          </a:prstGeom>
+          <a:noFill/>
+          <a:ln>
+            <a:noFill/>
+          </a:ln>
+        </p:spPr>
+        <p:txBody>
+          <a:bodyPr anchorCtr="0" anchor="ctr" bIns="91425" lIns="91425" spcFirstLastPara="1" rIns="91425" wrap="square" tIns="91425">
+            <a:noAutofit/>
+          </a:bodyPr>
+          <a:lstStyle>
+            <a:lvl1pPr indent="0" lvl="0" marL="0" marR="0" algn="r">
+              <a:lnSpc>
+                <a:spcPct val="100000"/>
+              </a:lnSpc>
+              <a:spcBef>
+                <a:spcPts val="0"/>
+              </a:spcBef>
+              <a:spcAft>
+                <a:spcPts val="0"/>
+              </a:spcAft>
+              <a:buClr>
+                <a:srgbClr val="000000"/>
+              </a:buClr>
+              <a:buSzPts val="1000"/>
+              <a:buFont typeface="Arial"/>
+              <a:buNone/>
+              <a:defRPr b="0" i="0" sz="1000" u="none" cap="none" strike="noStrike">
+                <a:solidFill>
+                  <a:schemeClr val="accent1"/>
+                </a:solidFill>
+                <a:latin typeface="Lato"/>
+                <a:ea typeface="Lato"/>
+                <a:cs typeface="Lato"/>
+                <a:sym typeface="Lato"/>
+              </a:defRPr>
+            </a:lvl1pPr>
+            <a:lvl2pPr indent="0" lvl="1" marL="0" marR="0" algn="r">
+              <a:lnSpc>
+                <a:spcPct val="100000"/>
+              </a:lnSpc>
+              <a:spcBef>
+                <a:spcPts val="0"/>
+              </a:spcBef>
+              <a:spcAft>
+                <a:spcPts val="0"/>
+              </a:spcAft>
+              <a:buClr>
+                <a:srgbClr val="000000"/>
+              </a:buClr>
+              <a:buSzPts val="1000"/>
+              <a:buFont typeface="Arial"/>
+              <a:buNone/>
+              <a:defRPr b="0" i="0" sz="1000" u="none" cap="none" strike="noStrike">
+                <a:solidFill>
+                  <a:schemeClr val="accent1"/>
+                </a:solidFill>
+                <a:latin typeface="Lato"/>
+                <a:ea typeface="Lato"/>
+                <a:cs typeface="Lato"/>
+                <a:sym typeface="Lato"/>
+              </a:defRPr>
+            </a:lvl2pPr>
+            <a:lvl3pPr indent="0" lvl="2" marL="0" marR="0" algn="r">
+              <a:lnSpc>
+                <a:spcPct val="100000"/>
+              </a:lnSpc>
+              <a:spcBef>
+                <a:spcPts val="0"/>
+              </a:spcBef>
+              <a:spcAft>
+                <a:spcPts val="0"/>
+              </a:spcAft>
+              <a:buClr>
+                <a:srgbClr val="000000"/>
+              </a:buClr>
+              <a:buSzPts val="1000"/>
+              <a:buFont typeface="Arial"/>
+              <a:buNone/>
+              <a:defRPr b="0" i="0" sz="1000" u="none" cap="none" strike="noStrike">
+                <a:solidFill>
+                  <a:schemeClr val="accent1"/>
+                </a:solidFill>
+                <a:latin typeface="Lato"/>
+                <a:ea typeface="Lato"/>
+                <a:cs typeface="Lato"/>
+                <a:sym typeface="Lato"/>
+              </a:defRPr>
+            </a:lvl3pPr>
+            <a:lvl4pPr indent="0" lvl="3" marL="0" marR="0" algn="r">
+              <a:lnSpc>
+                <a:spcPct val="100000"/>
+              </a:lnSpc>
+              <a:spcBef>
+                <a:spcPts val="0"/>
+              </a:spcBef>
+              <a:spcAft>
+                <a:spcPts val="0"/>
+              </a:spcAft>
+              <a:buClr>
+                <a:srgbClr val="000000"/>
+              </a:buClr>
+              <a:buSzPts val="1000"/>
+              <a:buFont typeface="Arial"/>
+              <a:buNone/>
+              <a:defRPr b="0" i="0" sz="1000" u="none" cap="none" strike="noStrike">
+                <a:solidFill>
+                  <a:schemeClr val="accent1"/>
+                </a:solidFill>
+                <a:latin typeface="Lato"/>
+                <a:ea typeface="Lato"/>
+                <a:cs typeface="Lato"/>
+                <a:sym typeface="Lato"/>
+              </a:defRPr>
+            </a:lvl4pPr>
+            <a:lvl5pPr indent="0" lvl="4" marL="0" marR="0" algn="r">
+              <a:lnSpc>
+                <a:spcPct val="100000"/>
+              </a:lnSpc>
+              <a:spcBef>
+                <a:spcPts val="0"/>
+              </a:spcBef>
+              <a:spcAft>
+                <a:spcPts val="0"/>
+              </a:spcAft>
+              <a:buClr>
+                <a:srgbClr val="000000"/>
+              </a:buClr>
+              <a:buSzPts val="1000"/>
+              <a:buFont typeface="Arial"/>
+              <a:buNone/>
+              <a:defRPr b="0" i="0" sz="1000" u="none" cap="none" strike="noStrike">
+                <a:solidFill>
+                  <a:schemeClr val="accent1"/>
+                </a:solidFill>
+                <a:latin typeface="Lato"/>
+                <a:ea typeface="Lato"/>
+                <a:cs typeface="Lato"/>
+                <a:sym typeface="Lato"/>
+              </a:defRPr>
+            </a:lvl5pPr>
+            <a:lvl6pPr indent="0" lvl="5" marL="0" marR="0" algn="r">
+              <a:lnSpc>
+                <a:spcPct val="100000"/>
+              </a:lnSpc>
+              <a:spcBef>
+                <a:spcPts val="0"/>
+              </a:spcBef>
+              <a:spcAft>
+                <a:spcPts val="0"/>
+              </a:spcAft>
+              <a:buClr>
+                <a:srgbClr val="000000"/>
+              </a:buClr>
+              <a:buSzPts val="1000"/>
+              <a:buFont typeface="Arial"/>
+              <a:buNone/>
+              <a:defRPr b="0" i="0" sz="1000" u="none" cap="none" strike="noStrike">
+                <a:solidFill>
+                  <a:schemeClr val="accent1"/>
+                </a:solidFill>
+                <a:latin typeface="Lato"/>
+                <a:ea typeface="Lato"/>
+                <a:cs typeface="Lato"/>
+                <a:sym typeface="Lato"/>
+              </a:defRPr>
+            </a:lvl6pPr>
+            <a:lvl7pPr indent="0" lvl="6" marL="0" marR="0" algn="r">
+              <a:lnSpc>
+                <a:spcPct val="100000"/>
+              </a:lnSpc>
+              <a:spcBef>
+                <a:spcPts val="0"/>
+              </a:spcBef>
+              <a:spcAft>
+                <a:spcPts val="0"/>
+              </a:spcAft>
+              <a:buClr>
+                <a:srgbClr val="000000"/>
+              </a:buClr>
+              <a:buSzPts val="1000"/>
+              <a:buFont typeface="Arial"/>
+              <a:buNone/>
+              <a:defRPr b="0" i="0" sz="1000" u="none" cap="none" strike="noStrike">
+                <a:solidFill>
+                  <a:schemeClr val="accent1"/>
+                </a:solidFill>
+                <a:latin typeface="Lato"/>
+                <a:ea typeface="Lato"/>
+                <a:cs typeface="Lato"/>
+                <a:sym typeface="Lato"/>
+              </a:defRPr>
+            </a:lvl7pPr>
+            <a:lvl8pPr indent="0" lvl="7" marL="0" marR="0" algn="r">
+              <a:lnSpc>
+                <a:spcPct val="100000"/>
+              </a:lnSpc>
+              <a:spcBef>
+                <a:spcPts val="0"/>
+              </a:spcBef>
+              <a:spcAft>
+                <a:spcPts val="0"/>
+              </a:spcAft>
+              <a:buClr>
+                <a:srgbClr val="000000"/>
+              </a:buClr>
+              <a:buSzPts val="1000"/>
+              <a:buFont typeface="Arial"/>
+              <a:buNone/>
+              <a:defRPr b="0" i="0" sz="1000" u="none" cap="none" strike="noStrike">
+                <a:solidFill>
+                  <a:schemeClr val="accent1"/>
+                </a:solidFill>
+                <a:latin typeface="Lato"/>
+                <a:ea typeface="Lato"/>
+                <a:cs typeface="Lato"/>
+                <a:sym typeface="Lato"/>
+              </a:defRPr>
+            </a:lvl8pPr>
+            <a:lvl9pPr indent="0" lvl="8" marL="0" marR="0" algn="r">
+              <a:lnSpc>
+                <a:spcPct val="100000"/>
+              </a:lnSpc>
+              <a:spcBef>
+                <a:spcPts val="0"/>
+              </a:spcBef>
+              <a:spcAft>
+                <a:spcPts val="0"/>
+              </a:spcAft>
+              <a:buClr>
+                <a:srgbClr val="000000"/>
+              </a:buClr>
+              <a:buSzPts val="1000"/>
+              <a:buFont typeface="Arial"/>
+              <a:buNone/>
+              <a:defRPr b="0" i="0" sz="1000" u="none" cap="none" strike="noStrike">
+                <a:solidFill>
+                  <a:schemeClr val="accent1"/>
+                </a:solidFill>
+                <a:latin typeface="Lato"/>
+                <a:ea typeface="Lato"/>
+                <a:cs typeface="Lato"/>
+                <a:sym typeface="Lato"/>
+              </a:defRPr>
+            </a:lvl9pPr>
+          </a:lstStyle>
+          <a:p>
+            <a:pPr indent="0" lvl="0" marL="0" rtl="0" algn="r">
+              <a:spcBef>
+                <a:spcPts val="0"/>
+              </a:spcBef>
+              <a:spcAft>
+                <a:spcPts val="0"/>
+              </a:spcAft>
+              <a:buNone/>
+            </a:pPr>
+            <a:fld id="{00000000-1234-1234-1234-123412341234}" type="slidenum">
+              <a:rPr lang="en"/>
+              <a:t>‹#›</a:t>
+            </a:fld>
+            <a:endParaRPr/>
+          </a:p>
+        </p:txBody>
+      </p:sp>
+    </p:spTree>
+  </p:cSld>
+  <p:clrMapOvr>
+    <a:masterClrMapping/>
+  </p:clrMapOvr>
+</p:sldLayout>
+</file>
+
+<file path=ppt/slideLayouts/slideLayout3.xml><?xml version="1.0" encoding="utf-8"?>
+<p:sldLayout xmlns:a="http://schemas.openxmlformats.org/drawingml/2006/main" xmlns:r="http://schemas.openxmlformats.org/officeDocument/2006/relationships" xmlns:mc="http://schemas.openxmlformats.org/markup-compatibility/2006" xmlns:mv="urn:schemas-microsoft-com:mac:vml" xmlns:p="http://schemas.openxmlformats.org/presentationml/2006/main" xmlns:c="http://schemas.openxmlformats.org/drawingml/2006/chart" xmlns:dgm="http://schemas.openxmlformats.org/drawingml/2006/diagram" xmlns:o="urn:schemas-microsoft-com:office:office" xmlns:v="urn:schemas-microsoft-com:vml" xmlns:pvml="urn:schemas-microsoft-com:office:powerpoint" xmlns:com="http://schemas.openxmlformats.org/drawingml/2006/compatibility" xmlns:p14="http://schemas.microsoft.com/office/powerpoint/2010/main" xmlns:p15="http://schemas.microsoft.com/office/powerpoint/2012/main" matchingName="Section header" type="secHead">
+  <p:cSld name="SECTION_HEADER">
+    <p:bg>
+      <p:bgPr>
+        <a:solidFill>
+          <a:schemeClr val="dk1"/>
+        </a:solidFill>
+      </p:bgPr>
+    </p:bg>
+    <p:spTree>
+      <p:nvGrpSpPr>
+        <p:cNvPr id="25" name="Shape 25"/>
+        <p:cNvGrpSpPr/>
+        <p:nvPr/>
+      </p:nvGrpSpPr>
+      <p:grpSpPr>
+        <a:xfrm>
+          <a:off x="0" y="0"/>
+          <a:ext cx="0" cy="0"/>
+          <a:chOff x="0" y="0"/>
+          <a:chExt cx="0" cy="0"/>
+        </a:xfrm>
+      </p:grpSpPr>
+      <p:grpSp>
+        <p:nvGrpSpPr>
+          <p:cNvPr id="26" name="Google Shape;26;p4"/>
+          <p:cNvGrpSpPr/>
+          <p:nvPr/>
+        </p:nvGrpSpPr>
+        <p:grpSpPr>
+          <a:xfrm>
+            <a:off x="830392" y="1191256"/>
+            <a:ext cx="745763" cy="45826"/>
+            <a:chOff x="4580561" y="2589004"/>
+            <a:chExt cx="1064464" cy="25200"/>
+          </a:xfrm>
+        </p:grpSpPr>
+        <p:sp>
+          <p:nvSpPr>
+            <p:cNvPr id="27" name="Google Shape;27;p4"/>
             <p:cNvSpPr/>
             <p:nvPr/>
           </p:nvSpPr>
@@ -2484,25 +4305,41 @@
             </a:bodyPr>
             <a:lstStyle/>
             <a:p>
-              <a:pPr indent="0" lvl="0" marL="0" rtl="0" algn="l">
+              <a:pPr indent="0" lvl="0" marL="0" marR="0" rtl="0" algn="l">
+                <a:lnSpc>
+                  <a:spcPct val="100000"/>
+                </a:lnSpc>
                 <a:spcBef>
                   <a:spcPts val="0"/>
                 </a:spcBef>
                 <a:spcAft>
                   <a:spcPts val="0"/>
                 </a:spcAft>
+                <a:buClr>
+                  <a:srgbClr val="000000"/>
+                </a:buClr>
+                <a:buSzPts val="1400"/>
+                <a:buFont typeface="Arial"/>
                 <a:buNone/>
               </a:pPr>
               <a:r>
                 <a:t/>
               </a:r>
-              <a:endParaRPr/>
+              <a:endParaRPr b="0" i="0" sz="1400" u="none" cap="none" strike="noStrike">
+                <a:solidFill>
+                  <a:srgbClr val="000000"/>
+                </a:solidFill>
+                <a:latin typeface="Arial"/>
+                <a:ea typeface="Arial"/>
+                <a:cs typeface="Arial"/>
+                <a:sym typeface="Arial"/>
+              </a:endParaRPr>
             </a:p>
           </p:txBody>
         </p:sp>
         <p:sp>
           <p:nvSpPr>
-            <p:cNvPr id="20" name="Google Shape;20;p3"/>
+            <p:cNvPr id="28" name="Google Shape;28;p4"/>
             <p:cNvSpPr/>
             <p:nvPr/>
           </p:nvSpPr>
@@ -2527,26 +4364,42 @@
             </a:bodyPr>
             <a:lstStyle/>
             <a:p>
-              <a:pPr indent="0" lvl="0" marL="0" rtl="0" algn="l">
+              <a:pPr indent="0" lvl="0" marL="0" marR="0" rtl="0" algn="l">
+                <a:lnSpc>
+                  <a:spcPct val="100000"/>
+                </a:lnSpc>
                 <a:spcBef>
                   <a:spcPts val="0"/>
                 </a:spcBef>
                 <a:spcAft>
                   <a:spcPts val="0"/>
                 </a:spcAft>
+                <a:buClr>
+                  <a:srgbClr val="000000"/>
+                </a:buClr>
+                <a:buSzPts val="1400"/>
+                <a:buFont typeface="Arial"/>
                 <a:buNone/>
               </a:pPr>
               <a:r>
                 <a:t/>
               </a:r>
-              <a:endParaRPr/>
+              <a:endParaRPr b="0" i="0" sz="1400" u="none" cap="none" strike="noStrike">
+                <a:solidFill>
+                  <a:srgbClr val="000000"/>
+                </a:solidFill>
+                <a:latin typeface="Arial"/>
+                <a:ea typeface="Arial"/>
+                <a:cs typeface="Arial"/>
+                <a:sym typeface="Arial"/>
+              </a:endParaRPr>
             </a:p>
           </p:txBody>
         </p:sp>
       </p:grpSp>
       <p:sp>
         <p:nvSpPr>
-          <p:cNvPr id="21" name="Google Shape;21;p3"/>
+          <p:cNvPr id="29" name="Google Shape;29;p4"/>
           <p:cNvSpPr txBox="1"/>
           <p:nvPr>
             <p:ph type="title"/>
@@ -2560,762 +4413,202 @@
           <a:prstGeom prst="rect">
             <a:avLst/>
           </a:prstGeom>
-        </p:spPr>
-        <p:txBody>
-          <a:bodyPr anchorCtr="0" anchor="t" bIns="91425" lIns="91425" spcFirstLastPara="1" rIns="91425" wrap="square" tIns="91425"/>
-          <a:lstStyle>
-            <a:lvl1pPr lvl="0">
-              <a:spcBef>
-                <a:spcPts val="0"/>
-              </a:spcBef>
-              <a:spcAft>
-                <a:spcPts val="0"/>
-              </a:spcAft>
-              <a:buClr>
-                <a:schemeClr val="lt1"/>
-              </a:buClr>
-              <a:buSzPts val="3600"/>
-              <a:buNone/>
-              <a:defRPr sz="3600">
-                <a:solidFill>
-                  <a:schemeClr val="lt1"/>
-                </a:solidFill>
-              </a:defRPr>
-            </a:lvl1pPr>
-            <a:lvl2pPr lvl="1">
-              <a:spcBef>
-                <a:spcPts val="0"/>
-              </a:spcBef>
-              <a:spcAft>
-                <a:spcPts val="0"/>
-              </a:spcAft>
-              <a:buClr>
-                <a:schemeClr val="lt1"/>
-              </a:buClr>
-              <a:buSzPts val="3600"/>
-              <a:buNone/>
-              <a:defRPr sz="3600">
-                <a:solidFill>
-                  <a:schemeClr val="lt1"/>
-                </a:solidFill>
-              </a:defRPr>
-            </a:lvl2pPr>
-            <a:lvl3pPr lvl="2">
-              <a:spcBef>
-                <a:spcPts val="0"/>
-              </a:spcBef>
-              <a:spcAft>
-                <a:spcPts val="0"/>
-              </a:spcAft>
-              <a:buClr>
-                <a:schemeClr val="lt1"/>
-              </a:buClr>
-              <a:buSzPts val="3600"/>
-              <a:buNone/>
-              <a:defRPr sz="3600">
-                <a:solidFill>
-                  <a:schemeClr val="lt1"/>
-                </a:solidFill>
-              </a:defRPr>
-            </a:lvl3pPr>
-            <a:lvl4pPr lvl="3">
-              <a:spcBef>
-                <a:spcPts val="0"/>
-              </a:spcBef>
-              <a:spcAft>
-                <a:spcPts val="0"/>
-              </a:spcAft>
-              <a:buClr>
-                <a:schemeClr val="lt1"/>
-              </a:buClr>
-              <a:buSzPts val="3600"/>
-              <a:buNone/>
-              <a:defRPr sz="3600">
-                <a:solidFill>
-                  <a:schemeClr val="lt1"/>
-                </a:solidFill>
-              </a:defRPr>
-            </a:lvl4pPr>
-            <a:lvl5pPr lvl="4">
-              <a:spcBef>
-                <a:spcPts val="0"/>
-              </a:spcBef>
-              <a:spcAft>
-                <a:spcPts val="0"/>
-              </a:spcAft>
-              <a:buClr>
-                <a:schemeClr val="lt1"/>
-              </a:buClr>
-              <a:buSzPts val="3600"/>
-              <a:buNone/>
-              <a:defRPr sz="3600">
-                <a:solidFill>
-                  <a:schemeClr val="lt1"/>
-                </a:solidFill>
-              </a:defRPr>
-            </a:lvl5pPr>
-            <a:lvl6pPr lvl="5">
-              <a:spcBef>
-                <a:spcPts val="0"/>
-              </a:spcBef>
-              <a:spcAft>
-                <a:spcPts val="0"/>
-              </a:spcAft>
-              <a:buClr>
-                <a:schemeClr val="lt1"/>
-              </a:buClr>
-              <a:buSzPts val="3600"/>
-              <a:buNone/>
-              <a:defRPr sz="3600">
-                <a:solidFill>
-                  <a:schemeClr val="lt1"/>
-                </a:solidFill>
-              </a:defRPr>
-            </a:lvl6pPr>
-            <a:lvl7pPr lvl="6">
-              <a:spcBef>
-                <a:spcPts val="0"/>
-              </a:spcBef>
-              <a:spcAft>
-                <a:spcPts val="0"/>
-              </a:spcAft>
-              <a:buClr>
-                <a:schemeClr val="lt1"/>
-              </a:buClr>
-              <a:buSzPts val="3600"/>
-              <a:buNone/>
-              <a:defRPr sz="3600">
-                <a:solidFill>
-                  <a:schemeClr val="lt1"/>
-                </a:solidFill>
-              </a:defRPr>
-            </a:lvl7pPr>
-            <a:lvl8pPr lvl="7">
-              <a:spcBef>
-                <a:spcPts val="0"/>
-              </a:spcBef>
-              <a:spcAft>
-                <a:spcPts val="0"/>
-              </a:spcAft>
-              <a:buClr>
-                <a:schemeClr val="lt1"/>
-              </a:buClr>
-              <a:buSzPts val="3600"/>
-              <a:buNone/>
-              <a:defRPr sz="3600">
-                <a:solidFill>
-                  <a:schemeClr val="lt1"/>
-                </a:solidFill>
-              </a:defRPr>
-            </a:lvl8pPr>
-            <a:lvl9pPr lvl="8">
-              <a:spcBef>
-                <a:spcPts val="0"/>
-              </a:spcBef>
-              <a:spcAft>
-                <a:spcPts val="0"/>
-              </a:spcAft>
-              <a:buClr>
-                <a:schemeClr val="lt1"/>
-              </a:buClr>
-              <a:buSzPts val="3600"/>
-              <a:buNone/>
-              <a:defRPr sz="3600">
-                <a:solidFill>
-                  <a:schemeClr val="lt1"/>
-                </a:solidFill>
-              </a:defRPr>
-            </a:lvl9pPr>
-          </a:lstStyle>
-          <a:p/>
-        </p:txBody>
-      </p:sp>
-      <p:sp>
-        <p:nvSpPr>
-          <p:cNvPr id="22" name="Google Shape;22;p3"/>
-          <p:cNvSpPr txBox="1"/>
-          <p:nvPr>
-            <p:ph idx="12" type="sldNum"/>
-          </p:nvPr>
-        </p:nvSpPr>
-        <p:spPr>
-          <a:xfrm>
-            <a:off x="8536302" y="4749851"/>
-            <a:ext cx="548700" cy="393600"/>
-          </a:xfrm>
-          <a:prstGeom prst="rect">
-            <a:avLst/>
-          </a:prstGeom>
-        </p:spPr>
-        <p:txBody>
-          <a:bodyPr anchorCtr="0" anchor="ctr" bIns="91425" lIns="91425" spcFirstLastPara="1" rIns="91425" wrap="square" tIns="91425">
-            <a:noAutofit/>
-          </a:bodyPr>
-          <a:lstStyle>
-            <a:lvl1pPr lvl="0">
-              <a:buNone/>
-              <a:defRPr>
-                <a:solidFill>
-                  <a:schemeClr val="lt1"/>
-                </a:solidFill>
-              </a:defRPr>
-            </a:lvl1pPr>
-            <a:lvl2pPr lvl="1">
-              <a:buNone/>
-              <a:defRPr>
-                <a:solidFill>
-                  <a:schemeClr val="lt1"/>
-                </a:solidFill>
-              </a:defRPr>
-            </a:lvl2pPr>
-            <a:lvl3pPr lvl="2">
-              <a:buNone/>
-              <a:defRPr>
-                <a:solidFill>
-                  <a:schemeClr val="lt1"/>
-                </a:solidFill>
-              </a:defRPr>
-            </a:lvl3pPr>
-            <a:lvl4pPr lvl="3">
-              <a:buNone/>
-              <a:defRPr>
-                <a:solidFill>
-                  <a:schemeClr val="lt1"/>
-                </a:solidFill>
-              </a:defRPr>
-            </a:lvl4pPr>
-            <a:lvl5pPr lvl="4">
-              <a:buNone/>
-              <a:defRPr>
-                <a:solidFill>
-                  <a:schemeClr val="lt1"/>
-                </a:solidFill>
-              </a:defRPr>
-            </a:lvl5pPr>
-            <a:lvl6pPr lvl="5">
-              <a:buNone/>
-              <a:defRPr>
-                <a:solidFill>
-                  <a:schemeClr val="lt1"/>
-                </a:solidFill>
-              </a:defRPr>
-            </a:lvl6pPr>
-            <a:lvl7pPr lvl="6">
-              <a:buNone/>
-              <a:defRPr>
-                <a:solidFill>
-                  <a:schemeClr val="lt1"/>
-                </a:solidFill>
-              </a:defRPr>
-            </a:lvl7pPr>
-            <a:lvl8pPr lvl="7">
-              <a:buNone/>
-              <a:defRPr>
-                <a:solidFill>
-                  <a:schemeClr val="lt1"/>
-                </a:solidFill>
-              </a:defRPr>
-            </a:lvl8pPr>
-            <a:lvl9pPr lvl="8">
-              <a:buNone/>
-              <a:defRPr>
-                <a:solidFill>
-                  <a:schemeClr val="lt1"/>
-                </a:solidFill>
-              </a:defRPr>
-            </a:lvl9pPr>
-          </a:lstStyle>
-          <a:p>
-            <a:pPr indent="0" lvl="0" marL="0" rtl="0" algn="r">
-              <a:spcBef>
-                <a:spcPts val="0"/>
-              </a:spcBef>
-              <a:spcAft>
-                <a:spcPts val="0"/>
-              </a:spcAft>
-              <a:buNone/>
-            </a:pPr>
-            <a:fld id="{00000000-1234-1234-1234-123412341234}" type="slidenum">
-              <a:rPr lang="en"/>
-              <a:t>‹#›</a:t>
-            </a:fld>
-            <a:endParaRPr/>
-          </a:p>
-        </p:txBody>
-      </p:sp>
-    </p:spTree>
-  </p:cSld>
-  <p:clrMapOvr>
-    <a:masterClrMapping/>
-  </p:clrMapOvr>
-</p:sldLayout>
-</file>
-
-<file path=ppt/slideLayouts/slideLayout3.xml><?xml version="1.0" encoding="utf-8"?>
-<p:sldLayout xmlns:a="http://schemas.openxmlformats.org/drawingml/2006/main" xmlns:r="http://schemas.openxmlformats.org/officeDocument/2006/relationships" xmlns:mc="http://schemas.openxmlformats.org/markup-compatibility/2006" xmlns:mv="urn:schemas-microsoft-com:mac:vml" xmlns:p="http://schemas.openxmlformats.org/presentationml/2006/main" xmlns:c="http://schemas.openxmlformats.org/drawingml/2006/chart" xmlns:dgm="http://schemas.openxmlformats.org/drawingml/2006/diagram" xmlns:o="urn:schemas-microsoft-com:office:office" xmlns:v="urn:schemas-microsoft-com:vml" xmlns:pvml="urn:schemas-microsoft-com:office:powerpoint" xmlns:com="http://schemas.openxmlformats.org/drawingml/2006/compatibility" xmlns:p14="http://schemas.microsoft.com/office/powerpoint/2010/main" xmlns:p15="http://schemas.microsoft.com/office/powerpoint/2012/main" matchingName="Title and body" type="tx">
-  <p:cSld name="TITLE_AND_BODY">
-    <p:spTree>
-      <p:nvGrpSpPr>
-        <p:cNvPr id="23" name="Shape 23"/>
-        <p:cNvGrpSpPr/>
-        <p:nvPr/>
-      </p:nvGrpSpPr>
-      <p:grpSpPr>
-        <a:xfrm>
-          <a:off x="0" y="0"/>
-          <a:ext cx="0" cy="0"/>
-          <a:chOff x="0" y="0"/>
-          <a:chExt cx="0" cy="0"/>
-        </a:xfrm>
-      </p:grpSpPr>
-      <p:sp>
-        <p:nvSpPr>
-          <p:cNvPr id="24" name="Google Shape;24;p4"/>
-          <p:cNvSpPr/>
-          <p:nvPr/>
-        </p:nvSpPr>
-        <p:spPr>
-          <a:xfrm>
-            <a:off x="0" y="0"/>
-            <a:ext cx="9144000" cy="487800"/>
-          </a:xfrm>
-          <a:prstGeom prst="rect">
-            <a:avLst/>
-          </a:prstGeom>
-          <a:solidFill>
-            <a:schemeClr val="lt2"/>
-          </a:solidFill>
+          <a:noFill/>
           <a:ln>
             <a:noFill/>
           </a:ln>
         </p:spPr>
         <p:txBody>
-          <a:bodyPr anchorCtr="0" anchor="ctr" bIns="91425" lIns="91425" spcFirstLastPara="1" rIns="91425" wrap="square" tIns="91425">
-            <a:noAutofit/>
-          </a:bodyPr>
-          <a:lstStyle/>
-          <a:p>
-            <a:pPr indent="0" lvl="0" marL="0" rtl="0" algn="l">
-              <a:spcBef>
-                <a:spcPts val="0"/>
-              </a:spcBef>
-              <a:spcAft>
-                <a:spcPts val="0"/>
-              </a:spcAft>
-              <a:buNone/>
-            </a:pPr>
-            <a:r>
-              <a:t/>
-            </a:r>
-            <a:endParaRPr/>
-          </a:p>
-        </p:txBody>
-      </p:sp>
-      <p:grpSp>
-        <p:nvGrpSpPr>
-          <p:cNvPr id="25" name="Google Shape;25;p4"/>
-          <p:cNvGrpSpPr/>
-          <p:nvPr/>
-        </p:nvGrpSpPr>
-        <p:grpSpPr>
-          <a:xfrm>
-            <a:off x="830392" y="1191256"/>
-            <a:ext cx="745763" cy="45826"/>
-            <a:chOff x="4580561" y="2589004"/>
-            <a:chExt cx="1064464" cy="25200"/>
-          </a:xfrm>
-        </p:grpSpPr>
-        <p:sp>
-          <p:nvSpPr>
-            <p:cNvPr id="26" name="Google Shape;26;p4"/>
-            <p:cNvSpPr/>
-            <p:nvPr/>
-          </p:nvSpPr>
-          <p:spPr>
-            <a:xfrm rot="-5400000">
-              <a:off x="5366325" y="2335504"/>
-              <a:ext cx="25200" cy="532200"/>
-            </a:xfrm>
-            <a:prstGeom prst="rect">
-              <a:avLst/>
-            </a:prstGeom>
-            <a:solidFill>
-              <a:schemeClr val="accent3"/>
-            </a:solidFill>
-            <a:ln>
-              <a:noFill/>
-            </a:ln>
-          </p:spPr>
-          <p:txBody>
-            <a:bodyPr anchorCtr="0" anchor="ctr" bIns="91425" lIns="91425" spcFirstLastPara="1" rIns="91425" wrap="square" tIns="91425">
-              <a:noAutofit/>
-            </a:bodyPr>
-            <a:lstStyle/>
-            <a:p>
-              <a:pPr indent="0" lvl="0" marL="0" rtl="0" algn="l">
-                <a:spcBef>
-                  <a:spcPts val="0"/>
-                </a:spcBef>
-                <a:spcAft>
-                  <a:spcPts val="0"/>
-                </a:spcAft>
-                <a:buNone/>
-              </a:pPr>
-              <a:r>
-                <a:t/>
-              </a:r>
-              <a:endParaRPr/>
-            </a:p>
-          </p:txBody>
-        </p:sp>
-        <p:sp>
-          <p:nvSpPr>
-            <p:cNvPr id="27" name="Google Shape;27;p4"/>
-            <p:cNvSpPr/>
-            <p:nvPr/>
-          </p:nvSpPr>
-          <p:spPr>
-            <a:xfrm rot="-5400000">
-              <a:off x="4836311" y="2333254"/>
-              <a:ext cx="25200" cy="536700"/>
-            </a:xfrm>
-            <a:prstGeom prst="rect">
-              <a:avLst/>
-            </a:prstGeom>
-            <a:solidFill>
-              <a:schemeClr val="dk1"/>
-            </a:solidFill>
-            <a:ln>
-              <a:noFill/>
-            </a:ln>
-          </p:spPr>
-          <p:txBody>
-            <a:bodyPr anchorCtr="0" anchor="ctr" bIns="91425" lIns="91425" spcFirstLastPara="1" rIns="91425" wrap="square" tIns="91425">
-              <a:noAutofit/>
-            </a:bodyPr>
-            <a:lstStyle/>
-            <a:p>
-              <a:pPr indent="0" lvl="0" marL="0" rtl="0" algn="l">
-                <a:spcBef>
-                  <a:spcPts val="0"/>
-                </a:spcBef>
-                <a:spcAft>
-                  <a:spcPts val="0"/>
-                </a:spcAft>
-                <a:buNone/>
-              </a:pPr>
-              <a:r>
-                <a:t/>
-              </a:r>
-              <a:endParaRPr/>
-            </a:p>
-          </p:txBody>
-        </p:sp>
-      </p:grpSp>
-      <p:sp>
-        <p:nvSpPr>
-          <p:cNvPr id="28" name="Google Shape;28;p4"/>
-          <p:cNvSpPr txBox="1"/>
-          <p:nvPr>
-            <p:ph type="title"/>
-          </p:nvPr>
-        </p:nvSpPr>
-        <p:spPr>
-          <a:xfrm>
-            <a:off x="729450" y="1318650"/>
-            <a:ext cx="7688700" cy="535200"/>
-          </a:xfrm>
-          <a:prstGeom prst="rect">
-            <a:avLst/>
-          </a:prstGeom>
-        </p:spPr>
-        <p:txBody>
           <a:bodyPr anchorCtr="0" anchor="t" bIns="91425" lIns="91425" spcFirstLastPara="1" rIns="91425" wrap="square" tIns="91425"/>
           <a:lstStyle>
-            <a:lvl1pPr lvl="0">
-              <a:spcBef>
-                <a:spcPts val="0"/>
-              </a:spcBef>
-              <a:spcAft>
-                <a:spcPts val="0"/>
-              </a:spcAft>
-              <a:buClr>
-                <a:schemeClr val="dk2"/>
-              </a:buClr>
-              <a:buSzPts val="2600"/>
-              <a:buNone/>
-              <a:defRPr sz="2600">
-                <a:solidFill>
-                  <a:schemeClr val="dk2"/>
+            <a:lvl1pPr lvl="0" algn="l">
+              <a:lnSpc>
+                <a:spcPct val="100000"/>
+              </a:lnSpc>
+              <a:spcBef>
+                <a:spcPts val="0"/>
+              </a:spcBef>
+              <a:spcAft>
+                <a:spcPts val="0"/>
+              </a:spcAft>
+              <a:buClr>
+                <a:schemeClr val="lt1"/>
+              </a:buClr>
+              <a:buSzPts val="3600"/>
+              <a:buNone/>
+              <a:defRPr sz="3600">
+                <a:solidFill>
+                  <a:schemeClr val="lt1"/>
                 </a:solidFill>
               </a:defRPr>
             </a:lvl1pPr>
-            <a:lvl2pPr lvl="1">
-              <a:spcBef>
-                <a:spcPts val="0"/>
-              </a:spcBef>
-              <a:spcAft>
-                <a:spcPts val="0"/>
-              </a:spcAft>
-              <a:buClr>
-                <a:schemeClr val="dk2"/>
-              </a:buClr>
-              <a:buSzPts val="2600"/>
-              <a:buNone/>
-              <a:defRPr sz="2600">
-                <a:solidFill>
-                  <a:schemeClr val="dk2"/>
+            <a:lvl2pPr lvl="1" algn="l">
+              <a:lnSpc>
+                <a:spcPct val="100000"/>
+              </a:lnSpc>
+              <a:spcBef>
+                <a:spcPts val="0"/>
+              </a:spcBef>
+              <a:spcAft>
+                <a:spcPts val="0"/>
+              </a:spcAft>
+              <a:buClr>
+                <a:schemeClr val="lt1"/>
+              </a:buClr>
+              <a:buSzPts val="3600"/>
+              <a:buNone/>
+              <a:defRPr sz="3600">
+                <a:solidFill>
+                  <a:schemeClr val="lt1"/>
                 </a:solidFill>
               </a:defRPr>
             </a:lvl2pPr>
-            <a:lvl3pPr lvl="2">
-              <a:spcBef>
-                <a:spcPts val="0"/>
-              </a:spcBef>
-              <a:spcAft>
-                <a:spcPts val="0"/>
-              </a:spcAft>
-              <a:buClr>
-                <a:schemeClr val="dk2"/>
-              </a:buClr>
-              <a:buSzPts val="2600"/>
-              <a:buNone/>
-              <a:defRPr sz="2600">
-                <a:solidFill>
-                  <a:schemeClr val="dk2"/>
+            <a:lvl3pPr lvl="2" algn="l">
+              <a:lnSpc>
+                <a:spcPct val="100000"/>
+              </a:lnSpc>
+              <a:spcBef>
+                <a:spcPts val="0"/>
+              </a:spcBef>
+              <a:spcAft>
+                <a:spcPts val="0"/>
+              </a:spcAft>
+              <a:buClr>
+                <a:schemeClr val="lt1"/>
+              </a:buClr>
+              <a:buSzPts val="3600"/>
+              <a:buNone/>
+              <a:defRPr sz="3600">
+                <a:solidFill>
+                  <a:schemeClr val="lt1"/>
                 </a:solidFill>
               </a:defRPr>
             </a:lvl3pPr>
-            <a:lvl4pPr lvl="3">
-              <a:spcBef>
-                <a:spcPts val="0"/>
-              </a:spcBef>
-              <a:spcAft>
-                <a:spcPts val="0"/>
-              </a:spcAft>
-              <a:buClr>
-                <a:schemeClr val="dk2"/>
-              </a:buClr>
-              <a:buSzPts val="2600"/>
-              <a:buNone/>
-              <a:defRPr sz="2600">
-                <a:solidFill>
-                  <a:schemeClr val="dk2"/>
+            <a:lvl4pPr lvl="3" algn="l">
+              <a:lnSpc>
+                <a:spcPct val="100000"/>
+              </a:lnSpc>
+              <a:spcBef>
+                <a:spcPts val="0"/>
+              </a:spcBef>
+              <a:spcAft>
+                <a:spcPts val="0"/>
+              </a:spcAft>
+              <a:buClr>
+                <a:schemeClr val="lt1"/>
+              </a:buClr>
+              <a:buSzPts val="3600"/>
+              <a:buNone/>
+              <a:defRPr sz="3600">
+                <a:solidFill>
+                  <a:schemeClr val="lt1"/>
                 </a:solidFill>
               </a:defRPr>
             </a:lvl4pPr>
-            <a:lvl5pPr lvl="4">
-              <a:spcBef>
-                <a:spcPts val="0"/>
-              </a:spcBef>
-              <a:spcAft>
-                <a:spcPts val="0"/>
-              </a:spcAft>
-              <a:buClr>
-                <a:schemeClr val="dk2"/>
-              </a:buClr>
-              <a:buSzPts val="2600"/>
-              <a:buNone/>
-              <a:defRPr sz="2600">
-                <a:solidFill>
-                  <a:schemeClr val="dk2"/>
+            <a:lvl5pPr lvl="4" algn="l">
+              <a:lnSpc>
+                <a:spcPct val="100000"/>
+              </a:lnSpc>
+              <a:spcBef>
+                <a:spcPts val="0"/>
+              </a:spcBef>
+              <a:spcAft>
+                <a:spcPts val="0"/>
+              </a:spcAft>
+              <a:buClr>
+                <a:schemeClr val="lt1"/>
+              </a:buClr>
+              <a:buSzPts val="3600"/>
+              <a:buNone/>
+              <a:defRPr sz="3600">
+                <a:solidFill>
+                  <a:schemeClr val="lt1"/>
                 </a:solidFill>
               </a:defRPr>
             </a:lvl5pPr>
-            <a:lvl6pPr lvl="5">
-              <a:spcBef>
-                <a:spcPts val="0"/>
-              </a:spcBef>
-              <a:spcAft>
-                <a:spcPts val="0"/>
-              </a:spcAft>
-              <a:buClr>
-                <a:schemeClr val="dk2"/>
-              </a:buClr>
-              <a:buSzPts val="2600"/>
-              <a:buNone/>
-              <a:defRPr sz="2600">
-                <a:solidFill>
-                  <a:schemeClr val="dk2"/>
+            <a:lvl6pPr lvl="5" algn="l">
+              <a:lnSpc>
+                <a:spcPct val="100000"/>
+              </a:lnSpc>
+              <a:spcBef>
+                <a:spcPts val="0"/>
+              </a:spcBef>
+              <a:spcAft>
+                <a:spcPts val="0"/>
+              </a:spcAft>
+              <a:buClr>
+                <a:schemeClr val="lt1"/>
+              </a:buClr>
+              <a:buSzPts val="3600"/>
+              <a:buNone/>
+              <a:defRPr sz="3600">
+                <a:solidFill>
+                  <a:schemeClr val="lt1"/>
                 </a:solidFill>
               </a:defRPr>
             </a:lvl6pPr>
-            <a:lvl7pPr lvl="6">
-              <a:spcBef>
-                <a:spcPts val="0"/>
-              </a:spcBef>
-              <a:spcAft>
-                <a:spcPts val="0"/>
-              </a:spcAft>
-              <a:buClr>
-                <a:schemeClr val="dk2"/>
-              </a:buClr>
-              <a:buSzPts val="2600"/>
-              <a:buNone/>
-              <a:defRPr sz="2600">
-                <a:solidFill>
-                  <a:schemeClr val="dk2"/>
+            <a:lvl7pPr lvl="6" algn="l">
+              <a:lnSpc>
+                <a:spcPct val="100000"/>
+              </a:lnSpc>
+              <a:spcBef>
+                <a:spcPts val="0"/>
+              </a:spcBef>
+              <a:spcAft>
+                <a:spcPts val="0"/>
+              </a:spcAft>
+              <a:buClr>
+                <a:schemeClr val="lt1"/>
+              </a:buClr>
+              <a:buSzPts val="3600"/>
+              <a:buNone/>
+              <a:defRPr sz="3600">
+                <a:solidFill>
+                  <a:schemeClr val="lt1"/>
                 </a:solidFill>
               </a:defRPr>
             </a:lvl7pPr>
-            <a:lvl8pPr lvl="7">
-              <a:spcBef>
-                <a:spcPts val="0"/>
-              </a:spcBef>
-              <a:spcAft>
-                <a:spcPts val="0"/>
-              </a:spcAft>
-              <a:buClr>
-                <a:schemeClr val="dk2"/>
-              </a:buClr>
-              <a:buSzPts val="2600"/>
-              <a:buNone/>
-              <a:defRPr sz="2600">
-                <a:solidFill>
-                  <a:schemeClr val="dk2"/>
+            <a:lvl8pPr lvl="7" algn="l">
+              <a:lnSpc>
+                <a:spcPct val="100000"/>
+              </a:lnSpc>
+              <a:spcBef>
+                <a:spcPts val="0"/>
+              </a:spcBef>
+              <a:spcAft>
+                <a:spcPts val="0"/>
+              </a:spcAft>
+              <a:buClr>
+                <a:schemeClr val="lt1"/>
+              </a:buClr>
+              <a:buSzPts val="3600"/>
+              <a:buNone/>
+              <a:defRPr sz="3600">
+                <a:solidFill>
+                  <a:schemeClr val="lt1"/>
                 </a:solidFill>
               </a:defRPr>
             </a:lvl8pPr>
-            <a:lvl9pPr lvl="8">
-              <a:spcBef>
-                <a:spcPts val="0"/>
-              </a:spcBef>
-              <a:spcAft>
-                <a:spcPts val="0"/>
-              </a:spcAft>
-              <a:buClr>
-                <a:schemeClr val="dk2"/>
-              </a:buClr>
-              <a:buSzPts val="2600"/>
-              <a:buNone/>
-              <a:defRPr sz="2600">
-                <a:solidFill>
-                  <a:schemeClr val="dk2"/>
-                </a:solidFill>
-              </a:defRPr>
-            </a:lvl9pPr>
-          </a:lstStyle>
-          <a:p/>
-        </p:txBody>
-      </p:sp>
-      <p:sp>
-        <p:nvSpPr>
-          <p:cNvPr id="29" name="Google Shape;29;p4"/>
-          <p:cNvSpPr txBox="1"/>
-          <p:nvPr>
-            <p:ph idx="1" type="body"/>
-          </p:nvPr>
-        </p:nvSpPr>
-        <p:spPr>
-          <a:xfrm>
-            <a:off x="729450" y="2078875"/>
-            <a:ext cx="7688700" cy="2261100"/>
-          </a:xfrm>
-          <a:prstGeom prst="rect">
-            <a:avLst/>
-          </a:prstGeom>
-        </p:spPr>
-        <p:txBody>
-          <a:bodyPr anchorCtr="0" anchor="t" bIns="91425" lIns="91425" spcFirstLastPara="1" rIns="91425" wrap="square" tIns="91425"/>
-          <a:lstStyle>
-            <a:lvl1pPr indent="-311150" lvl="0" marL="457200">
-              <a:spcBef>
-                <a:spcPts val="0"/>
-              </a:spcBef>
-              <a:spcAft>
-                <a:spcPts val="0"/>
-              </a:spcAft>
-              <a:buSzPts val="1300"/>
-              <a:buChar char="●"/>
-              <a:defRPr/>
-            </a:lvl1pPr>
-            <a:lvl2pPr indent="-298450" lvl="1" marL="914400">
-              <a:spcBef>
-                <a:spcPts val="1600"/>
-              </a:spcBef>
-              <a:spcAft>
-                <a:spcPts val="0"/>
-              </a:spcAft>
-              <a:buSzPts val="1100"/>
-              <a:buChar char="○"/>
-              <a:defRPr/>
-            </a:lvl2pPr>
-            <a:lvl3pPr indent="-298450" lvl="2" marL="1371600">
-              <a:spcBef>
-                <a:spcPts val="1600"/>
-              </a:spcBef>
-              <a:spcAft>
-                <a:spcPts val="0"/>
-              </a:spcAft>
-              <a:buSzPts val="1100"/>
-              <a:buChar char="■"/>
-              <a:defRPr/>
-            </a:lvl3pPr>
-            <a:lvl4pPr indent="-298450" lvl="3" marL="1828800">
-              <a:spcBef>
-                <a:spcPts val="1600"/>
-              </a:spcBef>
-              <a:spcAft>
-                <a:spcPts val="0"/>
-              </a:spcAft>
-              <a:buSzPts val="1100"/>
-              <a:buChar char="●"/>
-              <a:defRPr/>
-            </a:lvl4pPr>
-            <a:lvl5pPr indent="-298450" lvl="4" marL="2286000">
-              <a:spcBef>
-                <a:spcPts val="1600"/>
-              </a:spcBef>
-              <a:spcAft>
-                <a:spcPts val="0"/>
-              </a:spcAft>
-              <a:buSzPts val="1100"/>
-              <a:buChar char="○"/>
-              <a:defRPr/>
-            </a:lvl5pPr>
-            <a:lvl6pPr indent="-298450" lvl="5" marL="2743200">
-              <a:spcBef>
-                <a:spcPts val="1600"/>
-              </a:spcBef>
-              <a:spcAft>
-                <a:spcPts val="0"/>
-              </a:spcAft>
-              <a:buSzPts val="1100"/>
-              <a:buChar char="■"/>
-              <a:defRPr/>
-            </a:lvl6pPr>
-            <a:lvl7pPr indent="-298450" lvl="6" marL="3200400">
-              <a:spcBef>
-                <a:spcPts val="1600"/>
-              </a:spcBef>
-              <a:spcAft>
-                <a:spcPts val="0"/>
-              </a:spcAft>
-              <a:buSzPts val="1100"/>
-              <a:buChar char="●"/>
-              <a:defRPr/>
-            </a:lvl7pPr>
-            <a:lvl8pPr indent="-298450" lvl="7" marL="3657600">
-              <a:spcBef>
-                <a:spcPts val="1600"/>
-              </a:spcBef>
-              <a:spcAft>
-                <a:spcPts val="0"/>
-              </a:spcAft>
-              <a:buSzPts val="1100"/>
-              <a:buChar char="○"/>
-              <a:defRPr/>
-            </a:lvl8pPr>
-            <a:lvl9pPr indent="-298450" lvl="8" marL="4114800">
-              <a:spcBef>
-                <a:spcPts val="1600"/>
-              </a:spcBef>
-              <a:spcAft>
-                <a:spcPts val="1600"/>
-              </a:spcAft>
-              <a:buSzPts val="1100"/>
-              <a:buChar char="■"/>
-              <a:defRPr/>
+            <a:lvl9pPr lvl="8" algn="l">
+              <a:lnSpc>
+                <a:spcPct val="100000"/>
+              </a:lnSpc>
+              <a:spcBef>
+                <a:spcPts val="0"/>
+              </a:spcBef>
+              <a:spcAft>
+                <a:spcPts val="0"/>
+              </a:spcAft>
+              <a:buClr>
+                <a:schemeClr val="lt1"/>
+              </a:buClr>
+              <a:buSzPts val="3600"/>
+              <a:buNone/>
+              <a:defRPr sz="3600">
+                <a:solidFill>
+                  <a:schemeClr val="lt1"/>
+                </a:solidFill>
+              </a:defRPr>
             </a:lvl9pPr>
           </a:lstStyle>
           <a:p/>
@@ -3337,47 +4630,249 @@
           <a:prstGeom prst="rect">
             <a:avLst/>
           </a:prstGeom>
+          <a:noFill/>
+          <a:ln>
+            <a:noFill/>
+          </a:ln>
         </p:spPr>
         <p:txBody>
           <a:bodyPr anchorCtr="0" anchor="ctr" bIns="91425" lIns="91425" spcFirstLastPara="1" rIns="91425" wrap="square" tIns="91425">
             <a:noAutofit/>
           </a:bodyPr>
           <a:lstStyle>
-            <a:lvl1pPr lvl="0">
-              <a:buNone/>
-              <a:defRPr/>
+            <a:lvl1pPr indent="0" lvl="0" marL="0" marR="0" algn="r">
+              <a:lnSpc>
+                <a:spcPct val="100000"/>
+              </a:lnSpc>
+              <a:spcBef>
+                <a:spcPts val="0"/>
+              </a:spcBef>
+              <a:spcAft>
+                <a:spcPts val="0"/>
+              </a:spcAft>
+              <a:buClr>
+                <a:srgbClr val="000000"/>
+              </a:buClr>
+              <a:buSzPts val="1000"/>
+              <a:buFont typeface="Arial"/>
+              <a:buNone/>
+              <a:defRPr b="0" i="0" sz="1000" u="none" cap="none" strike="noStrike">
+                <a:solidFill>
+                  <a:schemeClr val="lt1"/>
+                </a:solidFill>
+                <a:latin typeface="Lato"/>
+                <a:ea typeface="Lato"/>
+                <a:cs typeface="Lato"/>
+                <a:sym typeface="Lato"/>
+              </a:defRPr>
             </a:lvl1pPr>
-            <a:lvl2pPr lvl="1">
-              <a:buNone/>
-              <a:defRPr/>
+            <a:lvl2pPr indent="0" lvl="1" marL="0" marR="0" algn="r">
+              <a:lnSpc>
+                <a:spcPct val="100000"/>
+              </a:lnSpc>
+              <a:spcBef>
+                <a:spcPts val="0"/>
+              </a:spcBef>
+              <a:spcAft>
+                <a:spcPts val="0"/>
+              </a:spcAft>
+              <a:buClr>
+                <a:srgbClr val="000000"/>
+              </a:buClr>
+              <a:buSzPts val="1000"/>
+              <a:buFont typeface="Arial"/>
+              <a:buNone/>
+              <a:defRPr b="0" i="0" sz="1000" u="none" cap="none" strike="noStrike">
+                <a:solidFill>
+                  <a:schemeClr val="lt1"/>
+                </a:solidFill>
+                <a:latin typeface="Lato"/>
+                <a:ea typeface="Lato"/>
+                <a:cs typeface="Lato"/>
+                <a:sym typeface="Lato"/>
+              </a:defRPr>
             </a:lvl2pPr>
-            <a:lvl3pPr lvl="2">
-              <a:buNone/>
-              <a:defRPr/>
+            <a:lvl3pPr indent="0" lvl="2" marL="0" marR="0" algn="r">
+              <a:lnSpc>
+                <a:spcPct val="100000"/>
+              </a:lnSpc>
+              <a:spcBef>
+                <a:spcPts val="0"/>
+              </a:spcBef>
+              <a:spcAft>
+                <a:spcPts val="0"/>
+              </a:spcAft>
+              <a:buClr>
+                <a:srgbClr val="000000"/>
+              </a:buClr>
+              <a:buSzPts val="1000"/>
+              <a:buFont typeface="Arial"/>
+              <a:buNone/>
+              <a:defRPr b="0" i="0" sz="1000" u="none" cap="none" strike="noStrike">
+                <a:solidFill>
+                  <a:schemeClr val="lt1"/>
+                </a:solidFill>
+                <a:latin typeface="Lato"/>
+                <a:ea typeface="Lato"/>
+                <a:cs typeface="Lato"/>
+                <a:sym typeface="Lato"/>
+              </a:defRPr>
             </a:lvl3pPr>
-            <a:lvl4pPr lvl="3">
-              <a:buNone/>
-              <a:defRPr/>
+            <a:lvl4pPr indent="0" lvl="3" marL="0" marR="0" algn="r">
+              <a:lnSpc>
+                <a:spcPct val="100000"/>
+              </a:lnSpc>
+              <a:spcBef>
+                <a:spcPts val="0"/>
+              </a:spcBef>
+              <a:spcAft>
+                <a:spcPts val="0"/>
+              </a:spcAft>
+              <a:buClr>
+                <a:srgbClr val="000000"/>
+              </a:buClr>
+              <a:buSzPts val="1000"/>
+              <a:buFont typeface="Arial"/>
+              <a:buNone/>
+              <a:defRPr b="0" i="0" sz="1000" u="none" cap="none" strike="noStrike">
+                <a:solidFill>
+                  <a:schemeClr val="lt1"/>
+                </a:solidFill>
+                <a:latin typeface="Lato"/>
+                <a:ea typeface="Lato"/>
+                <a:cs typeface="Lato"/>
+                <a:sym typeface="Lato"/>
+              </a:defRPr>
             </a:lvl4pPr>
-            <a:lvl5pPr lvl="4">
-              <a:buNone/>
-              <a:defRPr/>
+            <a:lvl5pPr indent="0" lvl="4" marL="0" marR="0" algn="r">
+              <a:lnSpc>
+                <a:spcPct val="100000"/>
+              </a:lnSpc>
+              <a:spcBef>
+                <a:spcPts val="0"/>
+              </a:spcBef>
+              <a:spcAft>
+                <a:spcPts val="0"/>
+              </a:spcAft>
+              <a:buClr>
+                <a:srgbClr val="000000"/>
+              </a:buClr>
+              <a:buSzPts val="1000"/>
+              <a:buFont typeface="Arial"/>
+              <a:buNone/>
+              <a:defRPr b="0" i="0" sz="1000" u="none" cap="none" strike="noStrike">
+                <a:solidFill>
+                  <a:schemeClr val="lt1"/>
+                </a:solidFill>
+                <a:latin typeface="Lato"/>
+                <a:ea typeface="Lato"/>
+                <a:cs typeface="Lato"/>
+                <a:sym typeface="Lato"/>
+              </a:defRPr>
             </a:lvl5pPr>
-            <a:lvl6pPr lvl="5">
-              <a:buNone/>
-              <a:defRPr/>
+            <a:lvl6pPr indent="0" lvl="5" marL="0" marR="0" algn="r">
+              <a:lnSpc>
+                <a:spcPct val="100000"/>
+              </a:lnSpc>
+              <a:spcBef>
+                <a:spcPts val="0"/>
+              </a:spcBef>
+              <a:spcAft>
+                <a:spcPts val="0"/>
+              </a:spcAft>
+              <a:buClr>
+                <a:srgbClr val="000000"/>
+              </a:buClr>
+              <a:buSzPts val="1000"/>
+              <a:buFont typeface="Arial"/>
+              <a:buNone/>
+              <a:defRPr b="0" i="0" sz="1000" u="none" cap="none" strike="noStrike">
+                <a:solidFill>
+                  <a:schemeClr val="lt1"/>
+                </a:solidFill>
+                <a:latin typeface="Lato"/>
+                <a:ea typeface="Lato"/>
+                <a:cs typeface="Lato"/>
+                <a:sym typeface="Lato"/>
+              </a:defRPr>
             </a:lvl6pPr>
-            <a:lvl7pPr lvl="6">
-              <a:buNone/>
-              <a:defRPr/>
+            <a:lvl7pPr indent="0" lvl="6" marL="0" marR="0" algn="r">
+              <a:lnSpc>
+                <a:spcPct val="100000"/>
+              </a:lnSpc>
+              <a:spcBef>
+                <a:spcPts val="0"/>
+              </a:spcBef>
+              <a:spcAft>
+                <a:spcPts val="0"/>
+              </a:spcAft>
+              <a:buClr>
+                <a:srgbClr val="000000"/>
+              </a:buClr>
+              <a:buSzPts val="1000"/>
+              <a:buFont typeface="Arial"/>
+              <a:buNone/>
+              <a:defRPr b="0" i="0" sz="1000" u="none" cap="none" strike="noStrike">
+                <a:solidFill>
+                  <a:schemeClr val="lt1"/>
+                </a:solidFill>
+                <a:latin typeface="Lato"/>
+                <a:ea typeface="Lato"/>
+                <a:cs typeface="Lato"/>
+                <a:sym typeface="Lato"/>
+              </a:defRPr>
             </a:lvl7pPr>
-            <a:lvl8pPr lvl="7">
-              <a:buNone/>
-              <a:defRPr/>
+            <a:lvl8pPr indent="0" lvl="7" marL="0" marR="0" algn="r">
+              <a:lnSpc>
+                <a:spcPct val="100000"/>
+              </a:lnSpc>
+              <a:spcBef>
+                <a:spcPts val="0"/>
+              </a:spcBef>
+              <a:spcAft>
+                <a:spcPts val="0"/>
+              </a:spcAft>
+              <a:buClr>
+                <a:srgbClr val="000000"/>
+              </a:buClr>
+              <a:buSzPts val="1000"/>
+              <a:buFont typeface="Arial"/>
+              <a:buNone/>
+              <a:defRPr b="0" i="0" sz="1000" u="none" cap="none" strike="noStrike">
+                <a:solidFill>
+                  <a:schemeClr val="lt1"/>
+                </a:solidFill>
+                <a:latin typeface="Lato"/>
+                <a:ea typeface="Lato"/>
+                <a:cs typeface="Lato"/>
+                <a:sym typeface="Lato"/>
+              </a:defRPr>
             </a:lvl8pPr>
-            <a:lvl9pPr lvl="8">
-              <a:buNone/>
-              <a:defRPr/>
+            <a:lvl9pPr indent="0" lvl="8" marL="0" marR="0" algn="r">
+              <a:lnSpc>
+                <a:spcPct val="100000"/>
+              </a:lnSpc>
+              <a:spcBef>
+                <a:spcPts val="0"/>
+              </a:spcBef>
+              <a:spcAft>
+                <a:spcPts val="0"/>
+              </a:spcAft>
+              <a:buClr>
+                <a:srgbClr val="000000"/>
+              </a:buClr>
+              <a:buSzPts val="1000"/>
+              <a:buFont typeface="Arial"/>
+              <a:buNone/>
+              <a:defRPr b="0" i="0" sz="1000" u="none" cap="none" strike="noStrike">
+                <a:solidFill>
+                  <a:schemeClr val="lt1"/>
+                </a:solidFill>
+                <a:latin typeface="Lato"/>
+                <a:ea typeface="Lato"/>
+                <a:cs typeface="Lato"/>
+                <a:sym typeface="Lato"/>
+              </a:defRPr>
             </a:lvl9pPr>
           </a:lstStyle>
           <a:p>
@@ -3450,19 +4945,35 @@
           </a:bodyPr>
           <a:lstStyle/>
           <a:p>
-            <a:pPr indent="0" lvl="0" marL="0" rtl="0" algn="l">
-              <a:spcBef>
-                <a:spcPts val="0"/>
-              </a:spcBef>
-              <a:spcAft>
-                <a:spcPts val="0"/>
-              </a:spcAft>
+            <a:pPr indent="0" lvl="0" marL="0" marR="0" rtl="0" algn="l">
+              <a:lnSpc>
+                <a:spcPct val="100000"/>
+              </a:lnSpc>
+              <a:spcBef>
+                <a:spcPts val="0"/>
+              </a:spcBef>
+              <a:spcAft>
+                <a:spcPts val="0"/>
+              </a:spcAft>
+              <a:buClr>
+                <a:srgbClr val="000000"/>
+              </a:buClr>
+              <a:buSzPts val="1400"/>
+              <a:buFont typeface="Arial"/>
               <a:buNone/>
             </a:pPr>
             <a:r>
               <a:t/>
             </a:r>
-            <a:endParaRPr/>
+            <a:endParaRPr b="0" i="0" sz="1400" u="none" cap="none" strike="noStrike">
+              <a:solidFill>
+                <a:srgbClr val="000000"/>
+              </a:solidFill>
+              <a:latin typeface="Arial"/>
+              <a:ea typeface="Arial"/>
+              <a:cs typeface="Arial"/>
+              <a:sym typeface="Arial"/>
+            </a:endParaRPr>
           </a:p>
         </p:txBody>
       </p:sp>
@@ -3507,19 +5018,35 @@
             </a:bodyPr>
             <a:lstStyle/>
             <a:p>
-              <a:pPr indent="0" lvl="0" marL="0" rtl="0" algn="l">
+              <a:pPr indent="0" lvl="0" marL="0" marR="0" rtl="0" algn="l">
+                <a:lnSpc>
+                  <a:spcPct val="100000"/>
+                </a:lnSpc>
                 <a:spcBef>
                   <a:spcPts val="0"/>
                 </a:spcBef>
                 <a:spcAft>
                   <a:spcPts val="0"/>
                 </a:spcAft>
+                <a:buClr>
+                  <a:srgbClr val="000000"/>
+                </a:buClr>
+                <a:buSzPts val="1400"/>
+                <a:buFont typeface="Arial"/>
                 <a:buNone/>
               </a:pPr>
               <a:r>
                 <a:t/>
               </a:r>
-              <a:endParaRPr/>
+              <a:endParaRPr b="0" i="0" sz="1400" u="none" cap="none" strike="noStrike">
+                <a:solidFill>
+                  <a:srgbClr val="000000"/>
+                </a:solidFill>
+                <a:latin typeface="Arial"/>
+                <a:ea typeface="Arial"/>
+                <a:cs typeface="Arial"/>
+                <a:sym typeface="Arial"/>
+              </a:endParaRPr>
             </a:p>
           </p:txBody>
         </p:sp>
@@ -3550,19 +5077,35 @@
             </a:bodyPr>
             <a:lstStyle/>
             <a:p>
-              <a:pPr indent="0" lvl="0" marL="0" rtl="0" algn="l">
+              <a:pPr indent="0" lvl="0" marL="0" marR="0" rtl="0" algn="l">
+                <a:lnSpc>
+                  <a:spcPct val="100000"/>
+                </a:lnSpc>
                 <a:spcBef>
                   <a:spcPts val="0"/>
                 </a:spcBef>
                 <a:spcAft>
                   <a:spcPts val="0"/>
                 </a:spcAft>
+                <a:buClr>
+                  <a:srgbClr val="000000"/>
+                </a:buClr>
+                <a:buSzPts val="1400"/>
+                <a:buFont typeface="Arial"/>
                 <a:buNone/>
               </a:pPr>
               <a:r>
                 <a:t/>
               </a:r>
-              <a:endParaRPr/>
+              <a:endParaRPr b="0" i="0" sz="1400" u="none" cap="none" strike="noStrike">
+                <a:solidFill>
+                  <a:srgbClr val="000000"/>
+                </a:solidFill>
+                <a:latin typeface="Arial"/>
+                <a:ea typeface="Arial"/>
+                <a:cs typeface="Arial"/>
+                <a:sym typeface="Arial"/>
+              </a:endParaRPr>
             </a:p>
           </p:txBody>
         </p:sp>
@@ -3583,11 +5126,18 @@
           <a:prstGeom prst="rect">
             <a:avLst/>
           </a:prstGeom>
+          <a:noFill/>
+          <a:ln>
+            <a:noFill/>
+          </a:ln>
         </p:spPr>
         <p:txBody>
           <a:bodyPr anchorCtr="0" anchor="t" bIns="91425" lIns="91425" spcFirstLastPara="1" rIns="91425" wrap="square" tIns="91425"/>
           <a:lstStyle>
-            <a:lvl1pPr lvl="0">
+            <a:lvl1pPr lvl="0" algn="l">
+              <a:lnSpc>
+                <a:spcPct val="100000"/>
+              </a:lnSpc>
               <a:spcBef>
                 <a:spcPts val="0"/>
               </a:spcBef>
@@ -3605,7 +5155,10 @@
                 </a:solidFill>
               </a:defRPr>
             </a:lvl1pPr>
-            <a:lvl2pPr lvl="1">
+            <a:lvl2pPr lvl="1" algn="l">
+              <a:lnSpc>
+                <a:spcPct val="100000"/>
+              </a:lnSpc>
               <a:spcBef>
                 <a:spcPts val="0"/>
               </a:spcBef>
@@ -3623,7 +5176,10 @@
                 </a:solidFill>
               </a:defRPr>
             </a:lvl2pPr>
-            <a:lvl3pPr lvl="2">
+            <a:lvl3pPr lvl="2" algn="l">
+              <a:lnSpc>
+                <a:spcPct val="100000"/>
+              </a:lnSpc>
               <a:spcBef>
                 <a:spcPts val="0"/>
               </a:spcBef>
@@ -3641,7 +5197,10 @@
                 </a:solidFill>
               </a:defRPr>
             </a:lvl3pPr>
-            <a:lvl4pPr lvl="3">
+            <a:lvl4pPr lvl="3" algn="l">
+              <a:lnSpc>
+                <a:spcPct val="100000"/>
+              </a:lnSpc>
               <a:spcBef>
                 <a:spcPts val="0"/>
               </a:spcBef>
@@ -3659,7 +5218,10 @@
                 </a:solidFill>
               </a:defRPr>
             </a:lvl4pPr>
-            <a:lvl5pPr lvl="4">
+            <a:lvl5pPr lvl="4" algn="l">
+              <a:lnSpc>
+                <a:spcPct val="100000"/>
+              </a:lnSpc>
               <a:spcBef>
                 <a:spcPts val="0"/>
               </a:spcBef>
@@ -3677,7 +5239,10 @@
                 </a:solidFill>
               </a:defRPr>
             </a:lvl5pPr>
-            <a:lvl6pPr lvl="5">
+            <a:lvl6pPr lvl="5" algn="l">
+              <a:lnSpc>
+                <a:spcPct val="100000"/>
+              </a:lnSpc>
               <a:spcBef>
                 <a:spcPts val="0"/>
               </a:spcBef>
@@ -3695,7 +5260,10 @@
                 </a:solidFill>
               </a:defRPr>
             </a:lvl6pPr>
-            <a:lvl7pPr lvl="6">
+            <a:lvl7pPr lvl="6" algn="l">
+              <a:lnSpc>
+                <a:spcPct val="100000"/>
+              </a:lnSpc>
               <a:spcBef>
                 <a:spcPts val="0"/>
               </a:spcBef>
@@ -3713,7 +5281,10 @@
                 </a:solidFill>
               </a:defRPr>
             </a:lvl7pPr>
-            <a:lvl8pPr lvl="7">
+            <a:lvl8pPr lvl="7" algn="l">
+              <a:lnSpc>
+                <a:spcPct val="100000"/>
+              </a:lnSpc>
               <a:spcBef>
                 <a:spcPts val="0"/>
               </a:spcBef>
@@ -3731,7 +5302,10 @@
                 </a:solidFill>
               </a:defRPr>
             </a:lvl8pPr>
-            <a:lvl9pPr lvl="8">
+            <a:lvl9pPr lvl="8" algn="l">
+              <a:lnSpc>
+                <a:spcPct val="100000"/>
+              </a:lnSpc>
               <a:spcBef>
                 <a:spcPts val="0"/>
               </a:spcBef>
@@ -3769,11 +5343,18 @@
           <a:prstGeom prst="rect">
             <a:avLst/>
           </a:prstGeom>
+          <a:noFill/>
+          <a:ln>
+            <a:noFill/>
+          </a:ln>
         </p:spPr>
         <p:txBody>
           <a:bodyPr anchorCtr="0" anchor="t" bIns="91425" lIns="91425" spcFirstLastPara="1" rIns="91425" wrap="square" tIns="91425"/>
           <a:lstStyle>
-            <a:lvl1pPr indent="-311150" lvl="0" marL="457200">
+            <a:lvl1pPr indent="-311150" lvl="0" marL="457200" algn="l">
+              <a:lnSpc>
+                <a:spcPct val="115000"/>
+              </a:lnSpc>
               <a:spcBef>
                 <a:spcPts val="0"/>
               </a:spcBef>
@@ -3784,7 +5365,10 @@
               <a:buChar char="●"/>
               <a:defRPr/>
             </a:lvl1pPr>
-            <a:lvl2pPr indent="-298450" lvl="1" marL="914400">
+            <a:lvl2pPr indent="-298450" lvl="1" marL="914400" algn="l">
+              <a:lnSpc>
+                <a:spcPct val="115000"/>
+              </a:lnSpc>
               <a:spcBef>
                 <a:spcPts val="1600"/>
               </a:spcBef>
@@ -3795,7 +5379,10 @@
               <a:buChar char="○"/>
               <a:defRPr/>
             </a:lvl2pPr>
-            <a:lvl3pPr indent="-298450" lvl="2" marL="1371600">
+            <a:lvl3pPr indent="-298450" lvl="2" marL="1371600" algn="l">
+              <a:lnSpc>
+                <a:spcPct val="115000"/>
+              </a:lnSpc>
               <a:spcBef>
                 <a:spcPts val="1600"/>
               </a:spcBef>
@@ -3806,7 +5393,10 @@
               <a:buChar char="■"/>
               <a:defRPr/>
             </a:lvl3pPr>
-            <a:lvl4pPr indent="-298450" lvl="3" marL="1828800">
+            <a:lvl4pPr indent="-298450" lvl="3" marL="1828800" algn="l">
+              <a:lnSpc>
+                <a:spcPct val="115000"/>
+              </a:lnSpc>
               <a:spcBef>
                 <a:spcPts val="1600"/>
               </a:spcBef>
@@ -3817,7 +5407,10 @@
               <a:buChar char="●"/>
               <a:defRPr/>
             </a:lvl4pPr>
-            <a:lvl5pPr indent="-298450" lvl="4" marL="2286000">
+            <a:lvl5pPr indent="-298450" lvl="4" marL="2286000" algn="l">
+              <a:lnSpc>
+                <a:spcPct val="115000"/>
+              </a:lnSpc>
               <a:spcBef>
                 <a:spcPts val="1600"/>
               </a:spcBef>
@@ -3828,7 +5421,10 @@
               <a:buChar char="○"/>
               <a:defRPr/>
             </a:lvl5pPr>
-            <a:lvl6pPr indent="-298450" lvl="5" marL="2743200">
+            <a:lvl6pPr indent="-298450" lvl="5" marL="2743200" algn="l">
+              <a:lnSpc>
+                <a:spcPct val="115000"/>
+              </a:lnSpc>
               <a:spcBef>
                 <a:spcPts val="1600"/>
               </a:spcBef>
@@ -3839,7 +5435,10 @@
               <a:buChar char="■"/>
               <a:defRPr/>
             </a:lvl6pPr>
-            <a:lvl7pPr indent="-298450" lvl="6" marL="3200400">
+            <a:lvl7pPr indent="-298450" lvl="6" marL="3200400" algn="l">
+              <a:lnSpc>
+                <a:spcPct val="115000"/>
+              </a:lnSpc>
               <a:spcBef>
                 <a:spcPts val="1600"/>
               </a:spcBef>
@@ -3850,7 +5449,10 @@
               <a:buChar char="●"/>
               <a:defRPr/>
             </a:lvl7pPr>
-            <a:lvl8pPr indent="-298450" lvl="7" marL="3657600">
+            <a:lvl8pPr indent="-298450" lvl="7" marL="3657600" algn="l">
+              <a:lnSpc>
+                <a:spcPct val="115000"/>
+              </a:lnSpc>
               <a:spcBef>
                 <a:spcPts val="1600"/>
               </a:spcBef>
@@ -3861,7 +5463,10 @@
               <a:buChar char="○"/>
               <a:defRPr/>
             </a:lvl8pPr>
-            <a:lvl9pPr indent="-298450" lvl="8" marL="4114800">
+            <a:lvl9pPr indent="-298450" lvl="8" marL="4114800" algn="l">
+              <a:lnSpc>
+                <a:spcPct val="115000"/>
+              </a:lnSpc>
               <a:spcBef>
                 <a:spcPts val="1600"/>
               </a:spcBef>
@@ -3892,11 +5497,18 @@
           <a:prstGeom prst="rect">
             <a:avLst/>
           </a:prstGeom>
+          <a:noFill/>
+          <a:ln>
+            <a:noFill/>
+          </a:ln>
         </p:spPr>
         <p:txBody>
           <a:bodyPr anchorCtr="0" anchor="t" bIns="91425" lIns="91425" spcFirstLastPara="1" rIns="91425" wrap="square" tIns="91425"/>
           <a:lstStyle>
-            <a:lvl1pPr indent="-311150" lvl="0" marL="457200">
+            <a:lvl1pPr indent="-311150" lvl="0" marL="457200" algn="l">
+              <a:lnSpc>
+                <a:spcPct val="115000"/>
+              </a:lnSpc>
               <a:spcBef>
                 <a:spcPts val="0"/>
               </a:spcBef>
@@ -3907,7 +5519,10 @@
               <a:buChar char="●"/>
               <a:defRPr/>
             </a:lvl1pPr>
-            <a:lvl2pPr indent="-298450" lvl="1" marL="914400">
+            <a:lvl2pPr indent="-298450" lvl="1" marL="914400" algn="l">
+              <a:lnSpc>
+                <a:spcPct val="115000"/>
+              </a:lnSpc>
               <a:spcBef>
                 <a:spcPts val="1600"/>
               </a:spcBef>
@@ -3918,7 +5533,10 @@
               <a:buChar char="○"/>
               <a:defRPr/>
             </a:lvl2pPr>
-            <a:lvl3pPr indent="-298450" lvl="2" marL="1371600">
+            <a:lvl3pPr indent="-298450" lvl="2" marL="1371600" algn="l">
+              <a:lnSpc>
+                <a:spcPct val="115000"/>
+              </a:lnSpc>
               <a:spcBef>
                 <a:spcPts val="1600"/>
               </a:spcBef>
@@ -3929,7 +5547,10 @@
               <a:buChar char="■"/>
               <a:defRPr/>
             </a:lvl3pPr>
-            <a:lvl4pPr indent="-298450" lvl="3" marL="1828800">
+            <a:lvl4pPr indent="-298450" lvl="3" marL="1828800" algn="l">
+              <a:lnSpc>
+                <a:spcPct val="115000"/>
+              </a:lnSpc>
               <a:spcBef>
                 <a:spcPts val="1600"/>
               </a:spcBef>
@@ -3940,7 +5561,10 @@
               <a:buChar char="●"/>
               <a:defRPr/>
             </a:lvl4pPr>
-            <a:lvl5pPr indent="-298450" lvl="4" marL="2286000">
+            <a:lvl5pPr indent="-298450" lvl="4" marL="2286000" algn="l">
+              <a:lnSpc>
+                <a:spcPct val="115000"/>
+              </a:lnSpc>
               <a:spcBef>
                 <a:spcPts val="1600"/>
               </a:spcBef>
@@ -3951,7 +5575,10 @@
               <a:buChar char="○"/>
               <a:defRPr/>
             </a:lvl5pPr>
-            <a:lvl6pPr indent="-298450" lvl="5" marL="2743200">
+            <a:lvl6pPr indent="-298450" lvl="5" marL="2743200" algn="l">
+              <a:lnSpc>
+                <a:spcPct val="115000"/>
+              </a:lnSpc>
               <a:spcBef>
                 <a:spcPts val="1600"/>
               </a:spcBef>
@@ -3962,7 +5589,10 @@
               <a:buChar char="■"/>
               <a:defRPr/>
             </a:lvl6pPr>
-            <a:lvl7pPr indent="-298450" lvl="6" marL="3200400">
+            <a:lvl7pPr indent="-298450" lvl="6" marL="3200400" algn="l">
+              <a:lnSpc>
+                <a:spcPct val="115000"/>
+              </a:lnSpc>
               <a:spcBef>
                 <a:spcPts val="1600"/>
               </a:spcBef>
@@ -3973,7 +5603,10 @@
               <a:buChar char="●"/>
               <a:defRPr/>
             </a:lvl7pPr>
-            <a:lvl8pPr indent="-298450" lvl="7" marL="3657600">
+            <a:lvl8pPr indent="-298450" lvl="7" marL="3657600" algn="l">
+              <a:lnSpc>
+                <a:spcPct val="115000"/>
+              </a:lnSpc>
               <a:spcBef>
                 <a:spcPts val="1600"/>
               </a:spcBef>
@@ -3984,7 +5617,10 @@
               <a:buChar char="○"/>
               <a:defRPr/>
             </a:lvl8pPr>
-            <a:lvl9pPr indent="-298450" lvl="8" marL="4114800">
+            <a:lvl9pPr indent="-298450" lvl="8" marL="4114800" algn="l">
+              <a:lnSpc>
+                <a:spcPct val="115000"/>
+              </a:lnSpc>
               <a:spcBef>
                 <a:spcPts val="1600"/>
               </a:spcBef>
@@ -4015,47 +5651,249 @@
           <a:prstGeom prst="rect">
             <a:avLst/>
           </a:prstGeom>
+          <a:noFill/>
+          <a:ln>
+            <a:noFill/>
+          </a:ln>
         </p:spPr>
         <p:txBody>
           <a:bodyPr anchorCtr="0" anchor="ctr" bIns="91425" lIns="91425" spcFirstLastPara="1" rIns="91425" wrap="square" tIns="91425">
             <a:noAutofit/>
           </a:bodyPr>
           <a:lstStyle>
-            <a:lvl1pPr lvl="0">
-              <a:buNone/>
-              <a:defRPr/>
+            <a:lvl1pPr indent="0" lvl="0" marL="0" marR="0" algn="r">
+              <a:lnSpc>
+                <a:spcPct val="100000"/>
+              </a:lnSpc>
+              <a:spcBef>
+                <a:spcPts val="0"/>
+              </a:spcBef>
+              <a:spcAft>
+                <a:spcPts val="0"/>
+              </a:spcAft>
+              <a:buClr>
+                <a:srgbClr val="000000"/>
+              </a:buClr>
+              <a:buSzPts val="1000"/>
+              <a:buFont typeface="Arial"/>
+              <a:buNone/>
+              <a:defRPr b="0" i="0" sz="1000" u="none" cap="none" strike="noStrike">
+                <a:solidFill>
+                  <a:schemeClr val="accent1"/>
+                </a:solidFill>
+                <a:latin typeface="Lato"/>
+                <a:ea typeface="Lato"/>
+                <a:cs typeface="Lato"/>
+                <a:sym typeface="Lato"/>
+              </a:defRPr>
             </a:lvl1pPr>
-            <a:lvl2pPr lvl="1">
-              <a:buNone/>
-              <a:defRPr/>
+            <a:lvl2pPr indent="0" lvl="1" marL="0" marR="0" algn="r">
+              <a:lnSpc>
+                <a:spcPct val="100000"/>
+              </a:lnSpc>
+              <a:spcBef>
+                <a:spcPts val="0"/>
+              </a:spcBef>
+              <a:spcAft>
+                <a:spcPts val="0"/>
+              </a:spcAft>
+              <a:buClr>
+                <a:srgbClr val="000000"/>
+              </a:buClr>
+              <a:buSzPts val="1000"/>
+              <a:buFont typeface="Arial"/>
+              <a:buNone/>
+              <a:defRPr b="0" i="0" sz="1000" u="none" cap="none" strike="noStrike">
+                <a:solidFill>
+                  <a:schemeClr val="accent1"/>
+                </a:solidFill>
+                <a:latin typeface="Lato"/>
+                <a:ea typeface="Lato"/>
+                <a:cs typeface="Lato"/>
+                <a:sym typeface="Lato"/>
+              </a:defRPr>
             </a:lvl2pPr>
-            <a:lvl3pPr lvl="2">
-              <a:buNone/>
-              <a:defRPr/>
+            <a:lvl3pPr indent="0" lvl="2" marL="0" marR="0" algn="r">
+              <a:lnSpc>
+                <a:spcPct val="100000"/>
+              </a:lnSpc>
+              <a:spcBef>
+                <a:spcPts val="0"/>
+              </a:spcBef>
+              <a:spcAft>
+                <a:spcPts val="0"/>
+              </a:spcAft>
+              <a:buClr>
+                <a:srgbClr val="000000"/>
+              </a:buClr>
+              <a:buSzPts val="1000"/>
+              <a:buFont typeface="Arial"/>
+              <a:buNone/>
+              <a:defRPr b="0" i="0" sz="1000" u="none" cap="none" strike="noStrike">
+                <a:solidFill>
+                  <a:schemeClr val="accent1"/>
+                </a:solidFill>
+                <a:latin typeface="Lato"/>
+                <a:ea typeface="Lato"/>
+                <a:cs typeface="Lato"/>
+                <a:sym typeface="Lato"/>
+              </a:defRPr>
             </a:lvl3pPr>
-            <a:lvl4pPr lvl="3">
-              <a:buNone/>
-              <a:defRPr/>
+            <a:lvl4pPr indent="0" lvl="3" marL="0" marR="0" algn="r">
+              <a:lnSpc>
+                <a:spcPct val="100000"/>
+              </a:lnSpc>
+              <a:spcBef>
+                <a:spcPts val="0"/>
+              </a:spcBef>
+              <a:spcAft>
+                <a:spcPts val="0"/>
+              </a:spcAft>
+              <a:buClr>
+                <a:srgbClr val="000000"/>
+              </a:buClr>
+              <a:buSzPts val="1000"/>
+              <a:buFont typeface="Arial"/>
+              <a:buNone/>
+              <a:defRPr b="0" i="0" sz="1000" u="none" cap="none" strike="noStrike">
+                <a:solidFill>
+                  <a:schemeClr val="accent1"/>
+                </a:solidFill>
+                <a:latin typeface="Lato"/>
+                <a:ea typeface="Lato"/>
+                <a:cs typeface="Lato"/>
+                <a:sym typeface="Lato"/>
+              </a:defRPr>
             </a:lvl4pPr>
-            <a:lvl5pPr lvl="4">
-              <a:buNone/>
-              <a:defRPr/>
+            <a:lvl5pPr indent="0" lvl="4" marL="0" marR="0" algn="r">
+              <a:lnSpc>
+                <a:spcPct val="100000"/>
+              </a:lnSpc>
+              <a:spcBef>
+                <a:spcPts val="0"/>
+              </a:spcBef>
+              <a:spcAft>
+                <a:spcPts val="0"/>
+              </a:spcAft>
+              <a:buClr>
+                <a:srgbClr val="000000"/>
+              </a:buClr>
+              <a:buSzPts val="1000"/>
+              <a:buFont typeface="Arial"/>
+              <a:buNone/>
+              <a:defRPr b="0" i="0" sz="1000" u="none" cap="none" strike="noStrike">
+                <a:solidFill>
+                  <a:schemeClr val="accent1"/>
+                </a:solidFill>
+                <a:latin typeface="Lato"/>
+                <a:ea typeface="Lato"/>
+                <a:cs typeface="Lato"/>
+                <a:sym typeface="Lato"/>
+              </a:defRPr>
             </a:lvl5pPr>
-            <a:lvl6pPr lvl="5">
-              <a:buNone/>
-              <a:defRPr/>
+            <a:lvl6pPr indent="0" lvl="5" marL="0" marR="0" algn="r">
+              <a:lnSpc>
+                <a:spcPct val="100000"/>
+              </a:lnSpc>
+              <a:spcBef>
+                <a:spcPts val="0"/>
+              </a:spcBef>
+              <a:spcAft>
+                <a:spcPts val="0"/>
+              </a:spcAft>
+              <a:buClr>
+                <a:srgbClr val="000000"/>
+              </a:buClr>
+              <a:buSzPts val="1000"/>
+              <a:buFont typeface="Arial"/>
+              <a:buNone/>
+              <a:defRPr b="0" i="0" sz="1000" u="none" cap="none" strike="noStrike">
+                <a:solidFill>
+                  <a:schemeClr val="accent1"/>
+                </a:solidFill>
+                <a:latin typeface="Lato"/>
+                <a:ea typeface="Lato"/>
+                <a:cs typeface="Lato"/>
+                <a:sym typeface="Lato"/>
+              </a:defRPr>
             </a:lvl6pPr>
-            <a:lvl7pPr lvl="6">
-              <a:buNone/>
-              <a:defRPr/>
+            <a:lvl7pPr indent="0" lvl="6" marL="0" marR="0" algn="r">
+              <a:lnSpc>
+                <a:spcPct val="100000"/>
+              </a:lnSpc>
+              <a:spcBef>
+                <a:spcPts val="0"/>
+              </a:spcBef>
+              <a:spcAft>
+                <a:spcPts val="0"/>
+              </a:spcAft>
+              <a:buClr>
+                <a:srgbClr val="000000"/>
+              </a:buClr>
+              <a:buSzPts val="1000"/>
+              <a:buFont typeface="Arial"/>
+              <a:buNone/>
+              <a:defRPr b="0" i="0" sz="1000" u="none" cap="none" strike="noStrike">
+                <a:solidFill>
+                  <a:schemeClr val="accent1"/>
+                </a:solidFill>
+                <a:latin typeface="Lato"/>
+                <a:ea typeface="Lato"/>
+                <a:cs typeface="Lato"/>
+                <a:sym typeface="Lato"/>
+              </a:defRPr>
             </a:lvl7pPr>
-            <a:lvl8pPr lvl="7">
-              <a:buNone/>
-              <a:defRPr/>
+            <a:lvl8pPr indent="0" lvl="7" marL="0" marR="0" algn="r">
+              <a:lnSpc>
+                <a:spcPct val="100000"/>
+              </a:lnSpc>
+              <a:spcBef>
+                <a:spcPts val="0"/>
+              </a:spcBef>
+              <a:spcAft>
+                <a:spcPts val="0"/>
+              </a:spcAft>
+              <a:buClr>
+                <a:srgbClr val="000000"/>
+              </a:buClr>
+              <a:buSzPts val="1000"/>
+              <a:buFont typeface="Arial"/>
+              <a:buNone/>
+              <a:defRPr b="0" i="0" sz="1000" u="none" cap="none" strike="noStrike">
+                <a:solidFill>
+                  <a:schemeClr val="accent1"/>
+                </a:solidFill>
+                <a:latin typeface="Lato"/>
+                <a:ea typeface="Lato"/>
+                <a:cs typeface="Lato"/>
+                <a:sym typeface="Lato"/>
+              </a:defRPr>
             </a:lvl8pPr>
-            <a:lvl9pPr lvl="8">
-              <a:buNone/>
-              <a:defRPr/>
+            <a:lvl9pPr indent="0" lvl="8" marL="0" marR="0" algn="r">
+              <a:lnSpc>
+                <a:spcPct val="100000"/>
+              </a:lnSpc>
+              <a:spcBef>
+                <a:spcPts val="0"/>
+              </a:spcBef>
+              <a:spcAft>
+                <a:spcPts val="0"/>
+              </a:spcAft>
+              <a:buClr>
+                <a:srgbClr val="000000"/>
+              </a:buClr>
+              <a:buSzPts val="1000"/>
+              <a:buFont typeface="Arial"/>
+              <a:buNone/>
+              <a:defRPr b="0" i="0" sz="1000" u="none" cap="none" strike="noStrike">
+                <a:solidFill>
+                  <a:schemeClr val="accent1"/>
+                </a:solidFill>
+                <a:latin typeface="Lato"/>
+                <a:ea typeface="Lato"/>
+                <a:cs typeface="Lato"/>
+                <a:sym typeface="Lato"/>
+              </a:defRPr>
             </a:lvl9pPr>
           </a:lstStyle>
           <a:p>
@@ -4128,19 +5966,35 @@
           </a:bodyPr>
           <a:lstStyle/>
           <a:p>
-            <a:pPr indent="0" lvl="0" marL="0" rtl="0" algn="l">
-              <a:spcBef>
-                <a:spcPts val="0"/>
-              </a:spcBef>
-              <a:spcAft>
-                <a:spcPts val="0"/>
-              </a:spcAft>
+            <a:pPr indent="0" lvl="0" marL="0" marR="0" rtl="0" algn="l">
+              <a:lnSpc>
+                <a:spcPct val="100000"/>
+              </a:lnSpc>
+              <a:spcBef>
+                <a:spcPts val="0"/>
+              </a:spcBef>
+              <a:spcAft>
+                <a:spcPts val="0"/>
+              </a:spcAft>
+              <a:buClr>
+                <a:srgbClr val="000000"/>
+              </a:buClr>
+              <a:buSzPts val="1400"/>
+              <a:buFont typeface="Arial"/>
               <a:buNone/>
             </a:pPr>
             <a:r>
               <a:t/>
             </a:r>
-            <a:endParaRPr/>
+            <a:endParaRPr b="0" i="0" sz="1400" u="none" cap="none" strike="noStrike">
+              <a:solidFill>
+                <a:srgbClr val="000000"/>
+              </a:solidFill>
+              <a:latin typeface="Arial"/>
+              <a:ea typeface="Arial"/>
+              <a:cs typeface="Arial"/>
+              <a:sym typeface="Arial"/>
+            </a:endParaRPr>
           </a:p>
         </p:txBody>
       </p:sp>
@@ -4185,19 +6039,35 @@
             </a:bodyPr>
             <a:lstStyle/>
             <a:p>
-              <a:pPr indent="0" lvl="0" marL="0" rtl="0" algn="l">
+              <a:pPr indent="0" lvl="0" marL="0" marR="0" rtl="0" algn="l">
+                <a:lnSpc>
+                  <a:spcPct val="100000"/>
+                </a:lnSpc>
                 <a:spcBef>
                   <a:spcPts val="0"/>
                 </a:spcBef>
                 <a:spcAft>
                   <a:spcPts val="0"/>
                 </a:spcAft>
+                <a:buClr>
+                  <a:srgbClr val="000000"/>
+                </a:buClr>
+                <a:buSzPts val="1400"/>
+                <a:buFont typeface="Arial"/>
                 <a:buNone/>
               </a:pPr>
               <a:r>
                 <a:t/>
               </a:r>
-              <a:endParaRPr/>
+              <a:endParaRPr b="0" i="0" sz="1400" u="none" cap="none" strike="noStrike">
+                <a:solidFill>
+                  <a:srgbClr val="000000"/>
+                </a:solidFill>
+                <a:latin typeface="Arial"/>
+                <a:ea typeface="Arial"/>
+                <a:cs typeface="Arial"/>
+                <a:sym typeface="Arial"/>
+              </a:endParaRPr>
             </a:p>
           </p:txBody>
         </p:sp>
@@ -4228,19 +6098,35 @@
             </a:bodyPr>
             <a:lstStyle/>
             <a:p>
-              <a:pPr indent="0" lvl="0" marL="0" rtl="0" algn="l">
+              <a:pPr indent="0" lvl="0" marL="0" marR="0" rtl="0" algn="l">
+                <a:lnSpc>
+                  <a:spcPct val="100000"/>
+                </a:lnSpc>
                 <a:spcBef>
                   <a:spcPts val="0"/>
                 </a:spcBef>
                 <a:spcAft>
                   <a:spcPts val="0"/>
                 </a:spcAft>
+                <a:buClr>
+                  <a:srgbClr val="000000"/>
+                </a:buClr>
+                <a:buSzPts val="1400"/>
+                <a:buFont typeface="Arial"/>
                 <a:buNone/>
               </a:pPr>
               <a:r>
                 <a:t/>
               </a:r>
-              <a:endParaRPr/>
+              <a:endParaRPr b="0" i="0" sz="1400" u="none" cap="none" strike="noStrike">
+                <a:solidFill>
+                  <a:srgbClr val="000000"/>
+                </a:solidFill>
+                <a:latin typeface="Arial"/>
+                <a:ea typeface="Arial"/>
+                <a:cs typeface="Arial"/>
+                <a:sym typeface="Arial"/>
+              </a:endParaRPr>
             </a:p>
           </p:txBody>
         </p:sp>
@@ -4261,11 +6147,18 @@
           <a:prstGeom prst="rect">
             <a:avLst/>
           </a:prstGeom>
+          <a:noFill/>
+          <a:ln>
+            <a:noFill/>
+          </a:ln>
         </p:spPr>
         <p:txBody>
           <a:bodyPr anchorCtr="0" anchor="t" bIns="91425" lIns="91425" spcFirstLastPara="1" rIns="91425" wrap="square" tIns="91425"/>
           <a:lstStyle>
-            <a:lvl1pPr lvl="0">
+            <a:lvl1pPr lvl="0" algn="l">
+              <a:lnSpc>
+                <a:spcPct val="100000"/>
+              </a:lnSpc>
               <a:spcBef>
                 <a:spcPts val="0"/>
               </a:spcBef>
@@ -4283,7 +6176,10 @@
                 </a:solidFill>
               </a:defRPr>
             </a:lvl1pPr>
-            <a:lvl2pPr lvl="1">
+            <a:lvl2pPr lvl="1" algn="l">
+              <a:lnSpc>
+                <a:spcPct val="100000"/>
+              </a:lnSpc>
               <a:spcBef>
                 <a:spcPts val="0"/>
               </a:spcBef>
@@ -4301,7 +6197,10 @@
                 </a:solidFill>
               </a:defRPr>
             </a:lvl2pPr>
-            <a:lvl3pPr lvl="2">
+            <a:lvl3pPr lvl="2" algn="l">
+              <a:lnSpc>
+                <a:spcPct val="100000"/>
+              </a:lnSpc>
               <a:spcBef>
                 <a:spcPts val="0"/>
               </a:spcBef>
@@ -4319,7 +6218,10 @@
                 </a:solidFill>
               </a:defRPr>
             </a:lvl3pPr>
-            <a:lvl4pPr lvl="3">
+            <a:lvl4pPr lvl="3" algn="l">
+              <a:lnSpc>
+                <a:spcPct val="100000"/>
+              </a:lnSpc>
               <a:spcBef>
                 <a:spcPts val="0"/>
               </a:spcBef>
@@ -4337,7 +6239,10 @@
                 </a:solidFill>
               </a:defRPr>
             </a:lvl4pPr>
-            <a:lvl5pPr lvl="4">
+            <a:lvl5pPr lvl="4" algn="l">
+              <a:lnSpc>
+                <a:spcPct val="100000"/>
+              </a:lnSpc>
               <a:spcBef>
                 <a:spcPts val="0"/>
               </a:spcBef>
@@ -4355,7 +6260,10 @@
                 </a:solidFill>
               </a:defRPr>
             </a:lvl5pPr>
-            <a:lvl6pPr lvl="5">
+            <a:lvl6pPr lvl="5" algn="l">
+              <a:lnSpc>
+                <a:spcPct val="100000"/>
+              </a:lnSpc>
               <a:spcBef>
                 <a:spcPts val="0"/>
               </a:spcBef>
@@ -4373,7 +6281,10 @@
                 </a:solidFill>
               </a:defRPr>
             </a:lvl6pPr>
-            <a:lvl7pPr lvl="6">
+            <a:lvl7pPr lvl="6" algn="l">
+              <a:lnSpc>
+                <a:spcPct val="100000"/>
+              </a:lnSpc>
               <a:spcBef>
                 <a:spcPts val="0"/>
               </a:spcBef>
@@ -4391,7 +6302,10 @@
                 </a:solidFill>
               </a:defRPr>
             </a:lvl7pPr>
-            <a:lvl8pPr lvl="7">
+            <a:lvl8pPr lvl="7" algn="l">
+              <a:lnSpc>
+                <a:spcPct val="100000"/>
+              </a:lnSpc>
               <a:spcBef>
                 <a:spcPts val="0"/>
               </a:spcBef>
@@ -4409,7 +6323,10 @@
                 </a:solidFill>
               </a:defRPr>
             </a:lvl8pPr>
-            <a:lvl9pPr lvl="8">
+            <a:lvl9pPr lvl="8" algn="l">
+              <a:lnSpc>
+                <a:spcPct val="100000"/>
+              </a:lnSpc>
               <a:spcBef>
                 <a:spcPts val="0"/>
               </a:spcBef>
@@ -4447,47 +6364,249 @@
           <a:prstGeom prst="rect">
             <a:avLst/>
           </a:prstGeom>
+          <a:noFill/>
+          <a:ln>
+            <a:noFill/>
+          </a:ln>
         </p:spPr>
         <p:txBody>
           <a:bodyPr anchorCtr="0" anchor="ctr" bIns="91425" lIns="91425" spcFirstLastPara="1" rIns="91425" wrap="square" tIns="91425">
             <a:noAutofit/>
           </a:bodyPr>
           <a:lstStyle>
-            <a:lvl1pPr lvl="0">
-              <a:buNone/>
-              <a:defRPr/>
+            <a:lvl1pPr indent="0" lvl="0" marL="0" marR="0" algn="r">
+              <a:lnSpc>
+                <a:spcPct val="100000"/>
+              </a:lnSpc>
+              <a:spcBef>
+                <a:spcPts val="0"/>
+              </a:spcBef>
+              <a:spcAft>
+                <a:spcPts val="0"/>
+              </a:spcAft>
+              <a:buClr>
+                <a:srgbClr val="000000"/>
+              </a:buClr>
+              <a:buSzPts val="1000"/>
+              <a:buFont typeface="Arial"/>
+              <a:buNone/>
+              <a:defRPr b="0" i="0" sz="1000" u="none" cap="none" strike="noStrike">
+                <a:solidFill>
+                  <a:schemeClr val="accent1"/>
+                </a:solidFill>
+                <a:latin typeface="Lato"/>
+                <a:ea typeface="Lato"/>
+                <a:cs typeface="Lato"/>
+                <a:sym typeface="Lato"/>
+              </a:defRPr>
             </a:lvl1pPr>
-            <a:lvl2pPr lvl="1">
-              <a:buNone/>
-              <a:defRPr/>
+            <a:lvl2pPr indent="0" lvl="1" marL="0" marR="0" algn="r">
+              <a:lnSpc>
+                <a:spcPct val="100000"/>
+              </a:lnSpc>
+              <a:spcBef>
+                <a:spcPts val="0"/>
+              </a:spcBef>
+              <a:spcAft>
+                <a:spcPts val="0"/>
+              </a:spcAft>
+              <a:buClr>
+                <a:srgbClr val="000000"/>
+              </a:buClr>
+              <a:buSzPts val="1000"/>
+              <a:buFont typeface="Arial"/>
+              <a:buNone/>
+              <a:defRPr b="0" i="0" sz="1000" u="none" cap="none" strike="noStrike">
+                <a:solidFill>
+                  <a:schemeClr val="accent1"/>
+                </a:solidFill>
+                <a:latin typeface="Lato"/>
+                <a:ea typeface="Lato"/>
+                <a:cs typeface="Lato"/>
+                <a:sym typeface="Lato"/>
+              </a:defRPr>
             </a:lvl2pPr>
-            <a:lvl3pPr lvl="2">
-              <a:buNone/>
-              <a:defRPr/>
+            <a:lvl3pPr indent="0" lvl="2" marL="0" marR="0" algn="r">
+              <a:lnSpc>
+                <a:spcPct val="100000"/>
+              </a:lnSpc>
+              <a:spcBef>
+                <a:spcPts val="0"/>
+              </a:spcBef>
+              <a:spcAft>
+                <a:spcPts val="0"/>
+              </a:spcAft>
+              <a:buClr>
+                <a:srgbClr val="000000"/>
+              </a:buClr>
+              <a:buSzPts val="1000"/>
+              <a:buFont typeface="Arial"/>
+              <a:buNone/>
+              <a:defRPr b="0" i="0" sz="1000" u="none" cap="none" strike="noStrike">
+                <a:solidFill>
+                  <a:schemeClr val="accent1"/>
+                </a:solidFill>
+                <a:latin typeface="Lato"/>
+                <a:ea typeface="Lato"/>
+                <a:cs typeface="Lato"/>
+                <a:sym typeface="Lato"/>
+              </a:defRPr>
             </a:lvl3pPr>
-            <a:lvl4pPr lvl="3">
-              <a:buNone/>
-              <a:defRPr/>
+            <a:lvl4pPr indent="0" lvl="3" marL="0" marR="0" algn="r">
+              <a:lnSpc>
+                <a:spcPct val="100000"/>
+              </a:lnSpc>
+              <a:spcBef>
+                <a:spcPts val="0"/>
+              </a:spcBef>
+              <a:spcAft>
+                <a:spcPts val="0"/>
+              </a:spcAft>
+              <a:buClr>
+                <a:srgbClr val="000000"/>
+              </a:buClr>
+              <a:buSzPts val="1000"/>
+              <a:buFont typeface="Arial"/>
+              <a:buNone/>
+              <a:defRPr b="0" i="0" sz="1000" u="none" cap="none" strike="noStrike">
+                <a:solidFill>
+                  <a:schemeClr val="accent1"/>
+                </a:solidFill>
+                <a:latin typeface="Lato"/>
+                <a:ea typeface="Lato"/>
+                <a:cs typeface="Lato"/>
+                <a:sym typeface="Lato"/>
+              </a:defRPr>
             </a:lvl4pPr>
-            <a:lvl5pPr lvl="4">
-              <a:buNone/>
-              <a:defRPr/>
+            <a:lvl5pPr indent="0" lvl="4" marL="0" marR="0" algn="r">
+              <a:lnSpc>
+                <a:spcPct val="100000"/>
+              </a:lnSpc>
+              <a:spcBef>
+                <a:spcPts val="0"/>
+              </a:spcBef>
+              <a:spcAft>
+                <a:spcPts val="0"/>
+              </a:spcAft>
+              <a:buClr>
+                <a:srgbClr val="000000"/>
+              </a:buClr>
+              <a:buSzPts val="1000"/>
+              <a:buFont typeface="Arial"/>
+              <a:buNone/>
+              <a:defRPr b="0" i="0" sz="1000" u="none" cap="none" strike="noStrike">
+                <a:solidFill>
+                  <a:schemeClr val="accent1"/>
+                </a:solidFill>
+                <a:latin typeface="Lato"/>
+                <a:ea typeface="Lato"/>
+                <a:cs typeface="Lato"/>
+                <a:sym typeface="Lato"/>
+              </a:defRPr>
             </a:lvl5pPr>
-            <a:lvl6pPr lvl="5">
-              <a:buNone/>
-              <a:defRPr/>
+            <a:lvl6pPr indent="0" lvl="5" marL="0" marR="0" algn="r">
+              <a:lnSpc>
+                <a:spcPct val="100000"/>
+              </a:lnSpc>
+              <a:spcBef>
+                <a:spcPts val="0"/>
+              </a:spcBef>
+              <a:spcAft>
+                <a:spcPts val="0"/>
+              </a:spcAft>
+              <a:buClr>
+                <a:srgbClr val="000000"/>
+              </a:buClr>
+              <a:buSzPts val="1000"/>
+              <a:buFont typeface="Arial"/>
+              <a:buNone/>
+              <a:defRPr b="0" i="0" sz="1000" u="none" cap="none" strike="noStrike">
+                <a:solidFill>
+                  <a:schemeClr val="accent1"/>
+                </a:solidFill>
+                <a:latin typeface="Lato"/>
+                <a:ea typeface="Lato"/>
+                <a:cs typeface="Lato"/>
+                <a:sym typeface="Lato"/>
+              </a:defRPr>
             </a:lvl6pPr>
-            <a:lvl7pPr lvl="6">
-              <a:buNone/>
-              <a:defRPr/>
+            <a:lvl7pPr indent="0" lvl="6" marL="0" marR="0" algn="r">
+              <a:lnSpc>
+                <a:spcPct val="100000"/>
+              </a:lnSpc>
+              <a:spcBef>
+                <a:spcPts val="0"/>
+              </a:spcBef>
+              <a:spcAft>
+                <a:spcPts val="0"/>
+              </a:spcAft>
+              <a:buClr>
+                <a:srgbClr val="000000"/>
+              </a:buClr>
+              <a:buSzPts val="1000"/>
+              <a:buFont typeface="Arial"/>
+              <a:buNone/>
+              <a:defRPr b="0" i="0" sz="1000" u="none" cap="none" strike="noStrike">
+                <a:solidFill>
+                  <a:schemeClr val="accent1"/>
+                </a:solidFill>
+                <a:latin typeface="Lato"/>
+                <a:ea typeface="Lato"/>
+                <a:cs typeface="Lato"/>
+                <a:sym typeface="Lato"/>
+              </a:defRPr>
             </a:lvl7pPr>
-            <a:lvl8pPr lvl="7">
-              <a:buNone/>
-              <a:defRPr/>
+            <a:lvl8pPr indent="0" lvl="7" marL="0" marR="0" algn="r">
+              <a:lnSpc>
+                <a:spcPct val="100000"/>
+              </a:lnSpc>
+              <a:spcBef>
+                <a:spcPts val="0"/>
+              </a:spcBef>
+              <a:spcAft>
+                <a:spcPts val="0"/>
+              </a:spcAft>
+              <a:buClr>
+                <a:srgbClr val="000000"/>
+              </a:buClr>
+              <a:buSzPts val="1000"/>
+              <a:buFont typeface="Arial"/>
+              <a:buNone/>
+              <a:defRPr b="0" i="0" sz="1000" u="none" cap="none" strike="noStrike">
+                <a:solidFill>
+                  <a:schemeClr val="accent1"/>
+                </a:solidFill>
+                <a:latin typeface="Lato"/>
+                <a:ea typeface="Lato"/>
+                <a:cs typeface="Lato"/>
+                <a:sym typeface="Lato"/>
+              </a:defRPr>
             </a:lvl8pPr>
-            <a:lvl9pPr lvl="8">
-              <a:buNone/>
-              <a:defRPr/>
+            <a:lvl9pPr indent="0" lvl="8" marL="0" marR="0" algn="r">
+              <a:lnSpc>
+                <a:spcPct val="100000"/>
+              </a:lnSpc>
+              <a:spcBef>
+                <a:spcPts val="0"/>
+              </a:spcBef>
+              <a:spcAft>
+                <a:spcPts val="0"/>
+              </a:spcAft>
+              <a:buClr>
+                <a:srgbClr val="000000"/>
+              </a:buClr>
+              <a:buSzPts val="1000"/>
+              <a:buFont typeface="Arial"/>
+              <a:buNone/>
+              <a:defRPr b="0" i="0" sz="1000" u="none" cap="none" strike="noStrike">
+                <a:solidFill>
+                  <a:schemeClr val="accent1"/>
+                </a:solidFill>
+                <a:latin typeface="Lato"/>
+                <a:ea typeface="Lato"/>
+                <a:cs typeface="Lato"/>
+                <a:sym typeface="Lato"/>
+              </a:defRPr>
             </a:lvl9pPr>
           </a:lstStyle>
           <a:p>
@@ -4560,19 +6679,35 @@
           </a:bodyPr>
           <a:lstStyle/>
           <a:p>
-            <a:pPr indent="0" lvl="0" marL="0" rtl="0" algn="l">
-              <a:spcBef>
-                <a:spcPts val="0"/>
-              </a:spcBef>
-              <a:spcAft>
-                <a:spcPts val="0"/>
-              </a:spcAft>
+            <a:pPr indent="0" lvl="0" marL="0" marR="0" rtl="0" algn="l">
+              <a:lnSpc>
+                <a:spcPct val="100000"/>
+              </a:lnSpc>
+              <a:spcBef>
+                <a:spcPts val="0"/>
+              </a:spcBef>
+              <a:spcAft>
+                <a:spcPts val="0"/>
+              </a:spcAft>
+              <a:buClr>
+                <a:srgbClr val="000000"/>
+              </a:buClr>
+              <a:buSzPts val="1400"/>
+              <a:buFont typeface="Arial"/>
               <a:buNone/>
             </a:pPr>
             <a:r>
               <a:t/>
             </a:r>
-            <a:endParaRPr/>
+            <a:endParaRPr b="0" i="0" sz="1400" u="none" cap="none" strike="noStrike">
+              <a:solidFill>
+                <a:srgbClr val="000000"/>
+              </a:solidFill>
+              <a:latin typeface="Arial"/>
+              <a:ea typeface="Arial"/>
+              <a:cs typeface="Arial"/>
+              <a:sym typeface="Arial"/>
+            </a:endParaRPr>
           </a:p>
         </p:txBody>
       </p:sp>
@@ -4617,19 +6752,35 @@
             </a:bodyPr>
             <a:lstStyle/>
             <a:p>
-              <a:pPr indent="0" lvl="0" marL="0" rtl="0" algn="l">
+              <a:pPr indent="0" lvl="0" marL="0" marR="0" rtl="0" algn="l">
+                <a:lnSpc>
+                  <a:spcPct val="100000"/>
+                </a:lnSpc>
                 <a:spcBef>
                   <a:spcPts val="0"/>
                 </a:spcBef>
                 <a:spcAft>
                   <a:spcPts val="0"/>
                 </a:spcAft>
+                <a:buClr>
+                  <a:srgbClr val="000000"/>
+                </a:buClr>
+                <a:buSzPts val="1400"/>
+                <a:buFont typeface="Arial"/>
                 <a:buNone/>
               </a:pPr>
               <a:r>
                 <a:t/>
               </a:r>
-              <a:endParaRPr/>
+              <a:endParaRPr b="0" i="0" sz="1400" u="none" cap="none" strike="noStrike">
+                <a:solidFill>
+                  <a:srgbClr val="000000"/>
+                </a:solidFill>
+                <a:latin typeface="Arial"/>
+                <a:ea typeface="Arial"/>
+                <a:cs typeface="Arial"/>
+                <a:sym typeface="Arial"/>
+              </a:endParaRPr>
             </a:p>
           </p:txBody>
         </p:sp>
@@ -4660,19 +6811,35 @@
             </a:bodyPr>
             <a:lstStyle/>
             <a:p>
-              <a:pPr indent="0" lvl="0" marL="0" rtl="0" algn="l">
+              <a:pPr indent="0" lvl="0" marL="0" marR="0" rtl="0" algn="l">
+                <a:lnSpc>
+                  <a:spcPct val="100000"/>
+                </a:lnSpc>
                 <a:spcBef>
                   <a:spcPts val="0"/>
                 </a:spcBef>
                 <a:spcAft>
                   <a:spcPts val="0"/>
                 </a:spcAft>
+                <a:buClr>
+                  <a:srgbClr val="000000"/>
+                </a:buClr>
+                <a:buSzPts val="1400"/>
+                <a:buFont typeface="Arial"/>
                 <a:buNone/>
               </a:pPr>
               <a:r>
                 <a:t/>
               </a:r>
-              <a:endParaRPr/>
+              <a:endParaRPr b="0" i="0" sz="1400" u="none" cap="none" strike="noStrike">
+                <a:solidFill>
+                  <a:srgbClr val="000000"/>
+                </a:solidFill>
+                <a:latin typeface="Arial"/>
+                <a:ea typeface="Arial"/>
+                <a:cs typeface="Arial"/>
+                <a:sym typeface="Arial"/>
+              </a:endParaRPr>
             </a:p>
           </p:txBody>
         </p:sp>
@@ -4693,11 +6860,18 @@
           <a:prstGeom prst="rect">
             <a:avLst/>
           </a:prstGeom>
+          <a:noFill/>
+          <a:ln>
+            <a:noFill/>
+          </a:ln>
         </p:spPr>
         <p:txBody>
           <a:bodyPr anchorCtr="0" anchor="t" bIns="91425" lIns="91425" spcFirstLastPara="1" rIns="91425" wrap="square" tIns="91425"/>
           <a:lstStyle>
-            <a:lvl1pPr lvl="0">
+            <a:lvl1pPr lvl="0" algn="l">
+              <a:lnSpc>
+                <a:spcPct val="100000"/>
+              </a:lnSpc>
               <a:spcBef>
                 <a:spcPts val="0"/>
               </a:spcBef>
@@ -4715,7 +6889,10 @@
                 </a:solidFill>
               </a:defRPr>
             </a:lvl1pPr>
-            <a:lvl2pPr lvl="1">
+            <a:lvl2pPr lvl="1" algn="l">
+              <a:lnSpc>
+                <a:spcPct val="100000"/>
+              </a:lnSpc>
               <a:spcBef>
                 <a:spcPts val="0"/>
               </a:spcBef>
@@ -4733,7 +6910,10 @@
                 </a:solidFill>
               </a:defRPr>
             </a:lvl2pPr>
-            <a:lvl3pPr lvl="2">
+            <a:lvl3pPr lvl="2" algn="l">
+              <a:lnSpc>
+                <a:spcPct val="100000"/>
+              </a:lnSpc>
               <a:spcBef>
                 <a:spcPts val="0"/>
               </a:spcBef>
@@ -4751,7 +6931,10 @@
                 </a:solidFill>
               </a:defRPr>
             </a:lvl3pPr>
-            <a:lvl4pPr lvl="3">
+            <a:lvl4pPr lvl="3" algn="l">
+              <a:lnSpc>
+                <a:spcPct val="100000"/>
+              </a:lnSpc>
               <a:spcBef>
                 <a:spcPts val="0"/>
               </a:spcBef>
@@ -4769,7 +6952,10 @@
                 </a:solidFill>
               </a:defRPr>
             </a:lvl4pPr>
-            <a:lvl5pPr lvl="4">
+            <a:lvl5pPr lvl="4" algn="l">
+              <a:lnSpc>
+                <a:spcPct val="100000"/>
+              </a:lnSpc>
               <a:spcBef>
                 <a:spcPts val="0"/>
               </a:spcBef>
@@ -4787,7 +6973,10 @@
                 </a:solidFill>
               </a:defRPr>
             </a:lvl5pPr>
-            <a:lvl6pPr lvl="5">
+            <a:lvl6pPr lvl="5" algn="l">
+              <a:lnSpc>
+                <a:spcPct val="100000"/>
+              </a:lnSpc>
               <a:spcBef>
                 <a:spcPts val="0"/>
               </a:spcBef>
@@ -4805,7 +6994,10 @@
                 </a:solidFill>
               </a:defRPr>
             </a:lvl6pPr>
-            <a:lvl7pPr lvl="6">
+            <a:lvl7pPr lvl="6" algn="l">
+              <a:lnSpc>
+                <a:spcPct val="100000"/>
+              </a:lnSpc>
               <a:spcBef>
                 <a:spcPts val="0"/>
               </a:spcBef>
@@ -4823,7 +7015,10 @@
                 </a:solidFill>
               </a:defRPr>
             </a:lvl7pPr>
-            <a:lvl8pPr lvl="7">
+            <a:lvl8pPr lvl="7" algn="l">
+              <a:lnSpc>
+                <a:spcPct val="100000"/>
+              </a:lnSpc>
               <a:spcBef>
                 <a:spcPts val="0"/>
               </a:spcBef>
@@ -4841,7 +7036,10 @@
                 </a:solidFill>
               </a:defRPr>
             </a:lvl8pPr>
-            <a:lvl9pPr lvl="8">
+            <a:lvl9pPr lvl="8" algn="l">
+              <a:lnSpc>
+                <a:spcPct val="100000"/>
+              </a:lnSpc>
               <a:spcBef>
                 <a:spcPts val="0"/>
               </a:spcBef>
@@ -4879,11 +7077,18 @@
           <a:prstGeom prst="rect">
             <a:avLst/>
           </a:prstGeom>
+          <a:noFill/>
+          <a:ln>
+            <a:noFill/>
+          </a:ln>
         </p:spPr>
         <p:txBody>
           <a:bodyPr anchorCtr="0" anchor="t" bIns="91425" lIns="91425" spcFirstLastPara="1" rIns="91425" wrap="square" tIns="91425"/>
           <a:lstStyle>
-            <a:lvl1pPr indent="-311150" lvl="0" marL="457200">
+            <a:lvl1pPr indent="-311150" lvl="0" marL="457200" algn="l">
+              <a:lnSpc>
+                <a:spcPct val="115000"/>
+              </a:lnSpc>
               <a:spcBef>
                 <a:spcPts val="0"/>
               </a:spcBef>
@@ -4894,7 +7099,10 @@
               <a:buChar char="●"/>
               <a:defRPr/>
             </a:lvl1pPr>
-            <a:lvl2pPr indent="-298450" lvl="1" marL="914400">
+            <a:lvl2pPr indent="-298450" lvl="1" marL="914400" algn="l">
+              <a:lnSpc>
+                <a:spcPct val="115000"/>
+              </a:lnSpc>
               <a:spcBef>
                 <a:spcPts val="1600"/>
               </a:spcBef>
@@ -4905,7 +7113,10 @@
               <a:buChar char="○"/>
               <a:defRPr/>
             </a:lvl2pPr>
-            <a:lvl3pPr indent="-298450" lvl="2" marL="1371600">
+            <a:lvl3pPr indent="-298450" lvl="2" marL="1371600" algn="l">
+              <a:lnSpc>
+                <a:spcPct val="115000"/>
+              </a:lnSpc>
               <a:spcBef>
                 <a:spcPts val="1600"/>
               </a:spcBef>
@@ -4916,7 +7127,10 @@
               <a:buChar char="■"/>
               <a:defRPr/>
             </a:lvl3pPr>
-            <a:lvl4pPr indent="-298450" lvl="3" marL="1828800">
+            <a:lvl4pPr indent="-298450" lvl="3" marL="1828800" algn="l">
+              <a:lnSpc>
+                <a:spcPct val="115000"/>
+              </a:lnSpc>
               <a:spcBef>
                 <a:spcPts val="1600"/>
               </a:spcBef>
@@ -4927,7 +7141,10 @@
               <a:buChar char="●"/>
               <a:defRPr/>
             </a:lvl4pPr>
-            <a:lvl5pPr indent="-298450" lvl="4" marL="2286000">
+            <a:lvl5pPr indent="-298450" lvl="4" marL="2286000" algn="l">
+              <a:lnSpc>
+                <a:spcPct val="115000"/>
+              </a:lnSpc>
               <a:spcBef>
                 <a:spcPts val="1600"/>
               </a:spcBef>
@@ -4938,7 +7155,10 @@
               <a:buChar char="○"/>
               <a:defRPr/>
             </a:lvl5pPr>
-            <a:lvl6pPr indent="-298450" lvl="5" marL="2743200">
+            <a:lvl6pPr indent="-298450" lvl="5" marL="2743200" algn="l">
+              <a:lnSpc>
+                <a:spcPct val="115000"/>
+              </a:lnSpc>
               <a:spcBef>
                 <a:spcPts val="1600"/>
               </a:spcBef>
@@ -4949,7 +7169,10 @@
               <a:buChar char="■"/>
               <a:defRPr/>
             </a:lvl6pPr>
-            <a:lvl7pPr indent="-298450" lvl="6" marL="3200400">
+            <a:lvl7pPr indent="-298450" lvl="6" marL="3200400" algn="l">
+              <a:lnSpc>
+                <a:spcPct val="115000"/>
+              </a:lnSpc>
               <a:spcBef>
                 <a:spcPts val="1600"/>
               </a:spcBef>
@@ -4960,7 +7183,10 @@
               <a:buChar char="●"/>
               <a:defRPr/>
             </a:lvl7pPr>
-            <a:lvl8pPr indent="-298450" lvl="7" marL="3657600">
+            <a:lvl8pPr indent="-298450" lvl="7" marL="3657600" algn="l">
+              <a:lnSpc>
+                <a:spcPct val="115000"/>
+              </a:lnSpc>
               <a:spcBef>
                 <a:spcPts val="1600"/>
               </a:spcBef>
@@ -4971,7 +7197,10 @@
               <a:buChar char="○"/>
               <a:defRPr/>
             </a:lvl8pPr>
-            <a:lvl9pPr indent="-298450" lvl="8" marL="4114800">
+            <a:lvl9pPr indent="-298450" lvl="8" marL="4114800" algn="l">
+              <a:lnSpc>
+                <a:spcPct val="115000"/>
+              </a:lnSpc>
               <a:spcBef>
                 <a:spcPts val="1600"/>
               </a:spcBef>
@@ -5002,47 +7231,249 @@
           <a:prstGeom prst="rect">
             <a:avLst/>
           </a:prstGeom>
+          <a:noFill/>
+          <a:ln>
+            <a:noFill/>
+          </a:ln>
         </p:spPr>
         <p:txBody>
           <a:bodyPr anchorCtr="0" anchor="ctr" bIns="91425" lIns="91425" spcFirstLastPara="1" rIns="91425" wrap="square" tIns="91425">
             <a:noAutofit/>
           </a:bodyPr>
           <a:lstStyle>
-            <a:lvl1pPr lvl="0">
-              <a:buNone/>
-              <a:defRPr/>
+            <a:lvl1pPr indent="0" lvl="0" marL="0" marR="0" algn="r">
+              <a:lnSpc>
+                <a:spcPct val="100000"/>
+              </a:lnSpc>
+              <a:spcBef>
+                <a:spcPts val="0"/>
+              </a:spcBef>
+              <a:spcAft>
+                <a:spcPts val="0"/>
+              </a:spcAft>
+              <a:buClr>
+                <a:srgbClr val="000000"/>
+              </a:buClr>
+              <a:buSzPts val="1000"/>
+              <a:buFont typeface="Arial"/>
+              <a:buNone/>
+              <a:defRPr b="0" i="0" sz="1000" u="none" cap="none" strike="noStrike">
+                <a:solidFill>
+                  <a:schemeClr val="accent1"/>
+                </a:solidFill>
+                <a:latin typeface="Lato"/>
+                <a:ea typeface="Lato"/>
+                <a:cs typeface="Lato"/>
+                <a:sym typeface="Lato"/>
+              </a:defRPr>
             </a:lvl1pPr>
-            <a:lvl2pPr lvl="1">
-              <a:buNone/>
-              <a:defRPr/>
+            <a:lvl2pPr indent="0" lvl="1" marL="0" marR="0" algn="r">
+              <a:lnSpc>
+                <a:spcPct val="100000"/>
+              </a:lnSpc>
+              <a:spcBef>
+                <a:spcPts val="0"/>
+              </a:spcBef>
+              <a:spcAft>
+                <a:spcPts val="0"/>
+              </a:spcAft>
+              <a:buClr>
+                <a:srgbClr val="000000"/>
+              </a:buClr>
+              <a:buSzPts val="1000"/>
+              <a:buFont typeface="Arial"/>
+              <a:buNone/>
+              <a:defRPr b="0" i="0" sz="1000" u="none" cap="none" strike="noStrike">
+                <a:solidFill>
+                  <a:schemeClr val="accent1"/>
+                </a:solidFill>
+                <a:latin typeface="Lato"/>
+                <a:ea typeface="Lato"/>
+                <a:cs typeface="Lato"/>
+                <a:sym typeface="Lato"/>
+              </a:defRPr>
             </a:lvl2pPr>
-            <a:lvl3pPr lvl="2">
-              <a:buNone/>
-              <a:defRPr/>
+            <a:lvl3pPr indent="0" lvl="2" marL="0" marR="0" algn="r">
+              <a:lnSpc>
+                <a:spcPct val="100000"/>
+              </a:lnSpc>
+              <a:spcBef>
+                <a:spcPts val="0"/>
+              </a:spcBef>
+              <a:spcAft>
+                <a:spcPts val="0"/>
+              </a:spcAft>
+              <a:buClr>
+                <a:srgbClr val="000000"/>
+              </a:buClr>
+              <a:buSzPts val="1000"/>
+              <a:buFont typeface="Arial"/>
+              <a:buNone/>
+              <a:defRPr b="0" i="0" sz="1000" u="none" cap="none" strike="noStrike">
+                <a:solidFill>
+                  <a:schemeClr val="accent1"/>
+                </a:solidFill>
+                <a:latin typeface="Lato"/>
+                <a:ea typeface="Lato"/>
+                <a:cs typeface="Lato"/>
+                <a:sym typeface="Lato"/>
+              </a:defRPr>
             </a:lvl3pPr>
-            <a:lvl4pPr lvl="3">
-              <a:buNone/>
-              <a:defRPr/>
+            <a:lvl4pPr indent="0" lvl="3" marL="0" marR="0" algn="r">
+              <a:lnSpc>
+                <a:spcPct val="100000"/>
+              </a:lnSpc>
+              <a:spcBef>
+                <a:spcPts val="0"/>
+              </a:spcBef>
+              <a:spcAft>
+                <a:spcPts val="0"/>
+              </a:spcAft>
+              <a:buClr>
+                <a:srgbClr val="000000"/>
+              </a:buClr>
+              <a:buSzPts val="1000"/>
+              <a:buFont typeface="Arial"/>
+              <a:buNone/>
+              <a:defRPr b="0" i="0" sz="1000" u="none" cap="none" strike="noStrike">
+                <a:solidFill>
+                  <a:schemeClr val="accent1"/>
+                </a:solidFill>
+                <a:latin typeface="Lato"/>
+                <a:ea typeface="Lato"/>
+                <a:cs typeface="Lato"/>
+                <a:sym typeface="Lato"/>
+              </a:defRPr>
             </a:lvl4pPr>
-            <a:lvl5pPr lvl="4">
-              <a:buNone/>
-              <a:defRPr/>
+            <a:lvl5pPr indent="0" lvl="4" marL="0" marR="0" algn="r">
+              <a:lnSpc>
+                <a:spcPct val="100000"/>
+              </a:lnSpc>
+              <a:spcBef>
+                <a:spcPts val="0"/>
+              </a:spcBef>
+              <a:spcAft>
+                <a:spcPts val="0"/>
+              </a:spcAft>
+              <a:buClr>
+                <a:srgbClr val="000000"/>
+              </a:buClr>
+              <a:buSzPts val="1000"/>
+              <a:buFont typeface="Arial"/>
+              <a:buNone/>
+              <a:defRPr b="0" i="0" sz="1000" u="none" cap="none" strike="noStrike">
+                <a:solidFill>
+                  <a:schemeClr val="accent1"/>
+                </a:solidFill>
+                <a:latin typeface="Lato"/>
+                <a:ea typeface="Lato"/>
+                <a:cs typeface="Lato"/>
+                <a:sym typeface="Lato"/>
+              </a:defRPr>
             </a:lvl5pPr>
-            <a:lvl6pPr lvl="5">
-              <a:buNone/>
-              <a:defRPr/>
+            <a:lvl6pPr indent="0" lvl="5" marL="0" marR="0" algn="r">
+              <a:lnSpc>
+                <a:spcPct val="100000"/>
+              </a:lnSpc>
+              <a:spcBef>
+                <a:spcPts val="0"/>
+              </a:spcBef>
+              <a:spcAft>
+                <a:spcPts val="0"/>
+              </a:spcAft>
+              <a:buClr>
+                <a:srgbClr val="000000"/>
+              </a:buClr>
+              <a:buSzPts val="1000"/>
+              <a:buFont typeface="Arial"/>
+              <a:buNone/>
+              <a:defRPr b="0" i="0" sz="1000" u="none" cap="none" strike="noStrike">
+                <a:solidFill>
+                  <a:schemeClr val="accent1"/>
+                </a:solidFill>
+                <a:latin typeface="Lato"/>
+                <a:ea typeface="Lato"/>
+                <a:cs typeface="Lato"/>
+                <a:sym typeface="Lato"/>
+              </a:defRPr>
             </a:lvl6pPr>
-            <a:lvl7pPr lvl="6">
-              <a:buNone/>
-              <a:defRPr/>
+            <a:lvl7pPr indent="0" lvl="6" marL="0" marR="0" algn="r">
+              <a:lnSpc>
+                <a:spcPct val="100000"/>
+              </a:lnSpc>
+              <a:spcBef>
+                <a:spcPts val="0"/>
+              </a:spcBef>
+              <a:spcAft>
+                <a:spcPts val="0"/>
+              </a:spcAft>
+              <a:buClr>
+                <a:srgbClr val="000000"/>
+              </a:buClr>
+              <a:buSzPts val="1000"/>
+              <a:buFont typeface="Arial"/>
+              <a:buNone/>
+              <a:defRPr b="0" i="0" sz="1000" u="none" cap="none" strike="noStrike">
+                <a:solidFill>
+                  <a:schemeClr val="accent1"/>
+                </a:solidFill>
+                <a:latin typeface="Lato"/>
+                <a:ea typeface="Lato"/>
+                <a:cs typeface="Lato"/>
+                <a:sym typeface="Lato"/>
+              </a:defRPr>
             </a:lvl7pPr>
-            <a:lvl8pPr lvl="7">
-              <a:buNone/>
-              <a:defRPr/>
+            <a:lvl8pPr indent="0" lvl="7" marL="0" marR="0" algn="r">
+              <a:lnSpc>
+                <a:spcPct val="100000"/>
+              </a:lnSpc>
+              <a:spcBef>
+                <a:spcPts val="0"/>
+              </a:spcBef>
+              <a:spcAft>
+                <a:spcPts val="0"/>
+              </a:spcAft>
+              <a:buClr>
+                <a:srgbClr val="000000"/>
+              </a:buClr>
+              <a:buSzPts val="1000"/>
+              <a:buFont typeface="Arial"/>
+              <a:buNone/>
+              <a:defRPr b="0" i="0" sz="1000" u="none" cap="none" strike="noStrike">
+                <a:solidFill>
+                  <a:schemeClr val="accent1"/>
+                </a:solidFill>
+                <a:latin typeface="Lato"/>
+                <a:ea typeface="Lato"/>
+                <a:cs typeface="Lato"/>
+                <a:sym typeface="Lato"/>
+              </a:defRPr>
             </a:lvl8pPr>
-            <a:lvl9pPr lvl="8">
-              <a:buNone/>
-              <a:defRPr/>
+            <a:lvl9pPr indent="0" lvl="8" marL="0" marR="0" algn="r">
+              <a:lnSpc>
+                <a:spcPct val="100000"/>
+              </a:lnSpc>
+              <a:spcBef>
+                <a:spcPts val="0"/>
+              </a:spcBef>
+              <a:spcAft>
+                <a:spcPts val="0"/>
+              </a:spcAft>
+              <a:buClr>
+                <a:srgbClr val="000000"/>
+              </a:buClr>
+              <a:buSzPts val="1000"/>
+              <a:buFont typeface="Arial"/>
+              <a:buNone/>
+              <a:defRPr b="0" i="0" sz="1000" u="none" cap="none" strike="noStrike">
+                <a:solidFill>
+                  <a:schemeClr val="accent1"/>
+                </a:solidFill>
+                <a:latin typeface="Lato"/>
+                <a:ea typeface="Lato"/>
+                <a:cs typeface="Lato"/>
+                <a:sym typeface="Lato"/>
+              </a:defRPr>
             </a:lvl9pPr>
           </a:lstStyle>
           <a:p>
@@ -5136,19 +7567,35 @@
             </a:bodyPr>
             <a:lstStyle/>
             <a:p>
-              <a:pPr indent="0" lvl="0" marL="0" rtl="0" algn="l">
+              <a:pPr indent="0" lvl="0" marL="0" marR="0" rtl="0" algn="l">
+                <a:lnSpc>
+                  <a:spcPct val="100000"/>
+                </a:lnSpc>
                 <a:spcBef>
                   <a:spcPts val="0"/>
                 </a:spcBef>
                 <a:spcAft>
                   <a:spcPts val="0"/>
                 </a:spcAft>
+                <a:buClr>
+                  <a:srgbClr val="000000"/>
+                </a:buClr>
+                <a:buSzPts val="1400"/>
+                <a:buFont typeface="Arial"/>
                 <a:buNone/>
               </a:pPr>
               <a:r>
                 <a:t/>
               </a:r>
-              <a:endParaRPr/>
+              <a:endParaRPr b="0" i="0" sz="1400" u="none" cap="none" strike="noStrike">
+                <a:solidFill>
+                  <a:srgbClr val="000000"/>
+                </a:solidFill>
+                <a:latin typeface="Arial"/>
+                <a:ea typeface="Arial"/>
+                <a:cs typeface="Arial"/>
+                <a:sym typeface="Arial"/>
+              </a:endParaRPr>
             </a:p>
           </p:txBody>
         </p:sp>
@@ -5179,19 +7626,35 @@
             </a:bodyPr>
             <a:lstStyle/>
             <a:p>
-              <a:pPr indent="0" lvl="0" marL="0" rtl="0" algn="l">
+              <a:pPr indent="0" lvl="0" marL="0" marR="0" rtl="0" algn="l">
+                <a:lnSpc>
+                  <a:spcPct val="100000"/>
+                </a:lnSpc>
                 <a:spcBef>
                   <a:spcPts val="0"/>
                 </a:spcBef>
                 <a:spcAft>
                   <a:spcPts val="0"/>
                 </a:spcAft>
+                <a:buClr>
+                  <a:srgbClr val="000000"/>
+                </a:buClr>
+                <a:buSzPts val="1400"/>
+                <a:buFont typeface="Arial"/>
                 <a:buNone/>
               </a:pPr>
               <a:r>
                 <a:t/>
               </a:r>
-              <a:endParaRPr/>
+              <a:endParaRPr b="0" i="0" sz="1400" u="none" cap="none" strike="noStrike">
+                <a:solidFill>
+                  <a:srgbClr val="000000"/>
+                </a:solidFill>
+                <a:latin typeface="Arial"/>
+                <a:ea typeface="Arial"/>
+                <a:cs typeface="Arial"/>
+                <a:sym typeface="Arial"/>
+              </a:endParaRPr>
             </a:p>
           </p:txBody>
         </p:sp>
@@ -5212,11 +7675,18 @@
           <a:prstGeom prst="rect">
             <a:avLst/>
           </a:prstGeom>
+          <a:noFill/>
+          <a:ln>
+            <a:noFill/>
+          </a:ln>
         </p:spPr>
         <p:txBody>
           <a:bodyPr anchorCtr="0" anchor="ctr" bIns="91425" lIns="91425" spcFirstLastPara="1" rIns="91425" wrap="square" tIns="91425"/>
           <a:lstStyle>
-            <a:lvl1pPr lvl="0">
+            <a:lvl1pPr lvl="0" algn="l">
+              <a:lnSpc>
+                <a:spcPct val="100000"/>
+              </a:lnSpc>
               <a:spcBef>
                 <a:spcPts val="0"/>
               </a:spcBef>
@@ -5234,7 +7704,10 @@
                 </a:solidFill>
               </a:defRPr>
             </a:lvl1pPr>
-            <a:lvl2pPr lvl="1">
+            <a:lvl2pPr lvl="1" algn="l">
+              <a:lnSpc>
+                <a:spcPct val="100000"/>
+              </a:lnSpc>
               <a:spcBef>
                 <a:spcPts val="0"/>
               </a:spcBef>
@@ -5252,7 +7725,10 @@
                 </a:solidFill>
               </a:defRPr>
             </a:lvl2pPr>
-            <a:lvl3pPr lvl="2">
+            <a:lvl3pPr lvl="2" algn="l">
+              <a:lnSpc>
+                <a:spcPct val="100000"/>
+              </a:lnSpc>
               <a:spcBef>
                 <a:spcPts val="0"/>
               </a:spcBef>
@@ -5270,7 +7746,10 @@
                 </a:solidFill>
               </a:defRPr>
             </a:lvl3pPr>
-            <a:lvl4pPr lvl="3">
+            <a:lvl4pPr lvl="3" algn="l">
+              <a:lnSpc>
+                <a:spcPct val="100000"/>
+              </a:lnSpc>
               <a:spcBef>
                 <a:spcPts val="0"/>
               </a:spcBef>
@@ -5288,7 +7767,10 @@
                 </a:solidFill>
               </a:defRPr>
             </a:lvl4pPr>
-            <a:lvl5pPr lvl="4">
+            <a:lvl5pPr lvl="4" algn="l">
+              <a:lnSpc>
+                <a:spcPct val="100000"/>
+              </a:lnSpc>
               <a:spcBef>
                 <a:spcPts val="0"/>
               </a:spcBef>
@@ -5306,7 +7788,10 @@
                 </a:solidFill>
               </a:defRPr>
             </a:lvl5pPr>
-            <a:lvl6pPr lvl="5">
+            <a:lvl6pPr lvl="5" algn="l">
+              <a:lnSpc>
+                <a:spcPct val="100000"/>
+              </a:lnSpc>
               <a:spcBef>
                 <a:spcPts val="0"/>
               </a:spcBef>
@@ -5324,7 +7809,10 @@
                 </a:solidFill>
               </a:defRPr>
             </a:lvl6pPr>
-            <a:lvl7pPr lvl="6">
+            <a:lvl7pPr lvl="6" algn="l">
+              <a:lnSpc>
+                <a:spcPct val="100000"/>
+              </a:lnSpc>
               <a:spcBef>
                 <a:spcPts val="0"/>
               </a:spcBef>
@@ -5342,7 +7830,10 @@
                 </a:solidFill>
               </a:defRPr>
             </a:lvl7pPr>
-            <a:lvl8pPr lvl="7">
+            <a:lvl8pPr lvl="7" algn="l">
+              <a:lnSpc>
+                <a:spcPct val="100000"/>
+              </a:lnSpc>
               <a:spcBef>
                 <a:spcPts val="0"/>
               </a:spcBef>
@@ -5360,7 +7851,10 @@
                 </a:solidFill>
               </a:defRPr>
             </a:lvl8pPr>
-            <a:lvl9pPr lvl="8">
+            <a:lvl9pPr lvl="8" algn="l">
+              <a:lnSpc>
+                <a:spcPct val="100000"/>
+              </a:lnSpc>
               <a:spcBef>
                 <a:spcPts val="0"/>
               </a:spcBef>
@@ -5398,82 +7892,248 @@
           <a:prstGeom prst="rect">
             <a:avLst/>
           </a:prstGeom>
+          <a:noFill/>
+          <a:ln>
+            <a:noFill/>
+          </a:ln>
         </p:spPr>
         <p:txBody>
           <a:bodyPr anchorCtr="0" anchor="ctr" bIns="91425" lIns="91425" spcFirstLastPara="1" rIns="91425" wrap="square" tIns="91425">
             <a:noAutofit/>
           </a:bodyPr>
           <a:lstStyle>
-            <a:lvl1pPr lvl="0">
-              <a:buNone/>
-              <a:defRPr>
+            <a:lvl1pPr indent="0" lvl="0" marL="0" marR="0" algn="r">
+              <a:lnSpc>
+                <a:spcPct val="100000"/>
+              </a:lnSpc>
+              <a:spcBef>
+                <a:spcPts val="0"/>
+              </a:spcBef>
+              <a:spcAft>
+                <a:spcPts val="0"/>
+              </a:spcAft>
+              <a:buClr>
+                <a:srgbClr val="000000"/>
+              </a:buClr>
+              <a:buSzPts val="1000"/>
+              <a:buFont typeface="Arial"/>
+              <a:buNone/>
+              <a:defRPr b="0" i="0" sz="1000" u="none" cap="none" strike="noStrike">
                 <a:solidFill>
                   <a:schemeClr val="lt1"/>
                 </a:solidFill>
+                <a:latin typeface="Lato"/>
+                <a:ea typeface="Lato"/>
+                <a:cs typeface="Lato"/>
+                <a:sym typeface="Lato"/>
               </a:defRPr>
             </a:lvl1pPr>
-            <a:lvl2pPr lvl="1">
-              <a:buNone/>
-              <a:defRPr>
+            <a:lvl2pPr indent="0" lvl="1" marL="0" marR="0" algn="r">
+              <a:lnSpc>
+                <a:spcPct val="100000"/>
+              </a:lnSpc>
+              <a:spcBef>
+                <a:spcPts val="0"/>
+              </a:spcBef>
+              <a:spcAft>
+                <a:spcPts val="0"/>
+              </a:spcAft>
+              <a:buClr>
+                <a:srgbClr val="000000"/>
+              </a:buClr>
+              <a:buSzPts val="1000"/>
+              <a:buFont typeface="Arial"/>
+              <a:buNone/>
+              <a:defRPr b="0" i="0" sz="1000" u="none" cap="none" strike="noStrike">
                 <a:solidFill>
                   <a:schemeClr val="lt1"/>
                 </a:solidFill>
+                <a:latin typeface="Lato"/>
+                <a:ea typeface="Lato"/>
+                <a:cs typeface="Lato"/>
+                <a:sym typeface="Lato"/>
               </a:defRPr>
             </a:lvl2pPr>
-            <a:lvl3pPr lvl="2">
-              <a:buNone/>
-              <a:defRPr>
+            <a:lvl3pPr indent="0" lvl="2" marL="0" marR="0" algn="r">
+              <a:lnSpc>
+                <a:spcPct val="100000"/>
+              </a:lnSpc>
+              <a:spcBef>
+                <a:spcPts val="0"/>
+              </a:spcBef>
+              <a:spcAft>
+                <a:spcPts val="0"/>
+              </a:spcAft>
+              <a:buClr>
+                <a:srgbClr val="000000"/>
+              </a:buClr>
+              <a:buSzPts val="1000"/>
+              <a:buFont typeface="Arial"/>
+              <a:buNone/>
+              <a:defRPr b="0" i="0" sz="1000" u="none" cap="none" strike="noStrike">
                 <a:solidFill>
                   <a:schemeClr val="lt1"/>
                 </a:solidFill>
+                <a:latin typeface="Lato"/>
+                <a:ea typeface="Lato"/>
+                <a:cs typeface="Lato"/>
+                <a:sym typeface="Lato"/>
               </a:defRPr>
             </a:lvl3pPr>
-            <a:lvl4pPr lvl="3">
-              <a:buNone/>
-              <a:defRPr>
+            <a:lvl4pPr indent="0" lvl="3" marL="0" marR="0" algn="r">
+              <a:lnSpc>
+                <a:spcPct val="100000"/>
+              </a:lnSpc>
+              <a:spcBef>
+                <a:spcPts val="0"/>
+              </a:spcBef>
+              <a:spcAft>
+                <a:spcPts val="0"/>
+              </a:spcAft>
+              <a:buClr>
+                <a:srgbClr val="000000"/>
+              </a:buClr>
+              <a:buSzPts val="1000"/>
+              <a:buFont typeface="Arial"/>
+              <a:buNone/>
+              <a:defRPr b="0" i="0" sz="1000" u="none" cap="none" strike="noStrike">
                 <a:solidFill>
                   <a:schemeClr val="lt1"/>
                 </a:solidFill>
+                <a:latin typeface="Lato"/>
+                <a:ea typeface="Lato"/>
+                <a:cs typeface="Lato"/>
+                <a:sym typeface="Lato"/>
               </a:defRPr>
             </a:lvl4pPr>
-            <a:lvl5pPr lvl="4">
-              <a:buNone/>
-              <a:defRPr>
+            <a:lvl5pPr indent="0" lvl="4" marL="0" marR="0" algn="r">
+              <a:lnSpc>
+                <a:spcPct val="100000"/>
+              </a:lnSpc>
+              <a:spcBef>
+                <a:spcPts val="0"/>
+              </a:spcBef>
+              <a:spcAft>
+                <a:spcPts val="0"/>
+              </a:spcAft>
+              <a:buClr>
+                <a:srgbClr val="000000"/>
+              </a:buClr>
+              <a:buSzPts val="1000"/>
+              <a:buFont typeface="Arial"/>
+              <a:buNone/>
+              <a:defRPr b="0" i="0" sz="1000" u="none" cap="none" strike="noStrike">
                 <a:solidFill>
                   <a:schemeClr val="lt1"/>
                 </a:solidFill>
+                <a:latin typeface="Lato"/>
+                <a:ea typeface="Lato"/>
+                <a:cs typeface="Lato"/>
+                <a:sym typeface="Lato"/>
               </a:defRPr>
             </a:lvl5pPr>
-            <a:lvl6pPr lvl="5">
-              <a:buNone/>
-              <a:defRPr>
+            <a:lvl6pPr indent="0" lvl="5" marL="0" marR="0" algn="r">
+              <a:lnSpc>
+                <a:spcPct val="100000"/>
+              </a:lnSpc>
+              <a:spcBef>
+                <a:spcPts val="0"/>
+              </a:spcBef>
+              <a:spcAft>
+                <a:spcPts val="0"/>
+              </a:spcAft>
+              <a:buClr>
+                <a:srgbClr val="000000"/>
+              </a:buClr>
+              <a:buSzPts val="1000"/>
+              <a:buFont typeface="Arial"/>
+              <a:buNone/>
+              <a:defRPr b="0" i="0" sz="1000" u="none" cap="none" strike="noStrike">
                 <a:solidFill>
                   <a:schemeClr val="lt1"/>
                 </a:solidFill>
+                <a:latin typeface="Lato"/>
+                <a:ea typeface="Lato"/>
+                <a:cs typeface="Lato"/>
+                <a:sym typeface="Lato"/>
               </a:defRPr>
             </a:lvl6pPr>
-            <a:lvl7pPr lvl="6">
-              <a:buNone/>
-              <a:defRPr>
+            <a:lvl7pPr indent="0" lvl="6" marL="0" marR="0" algn="r">
+              <a:lnSpc>
+                <a:spcPct val="100000"/>
+              </a:lnSpc>
+              <a:spcBef>
+                <a:spcPts val="0"/>
+              </a:spcBef>
+              <a:spcAft>
+                <a:spcPts val="0"/>
+              </a:spcAft>
+              <a:buClr>
+                <a:srgbClr val="000000"/>
+              </a:buClr>
+              <a:buSzPts val="1000"/>
+              <a:buFont typeface="Arial"/>
+              <a:buNone/>
+              <a:defRPr b="0" i="0" sz="1000" u="none" cap="none" strike="noStrike">
                 <a:solidFill>
                   <a:schemeClr val="lt1"/>
                 </a:solidFill>
+                <a:latin typeface="Lato"/>
+                <a:ea typeface="Lato"/>
+                <a:cs typeface="Lato"/>
+                <a:sym typeface="Lato"/>
               </a:defRPr>
             </a:lvl7pPr>
-            <a:lvl8pPr lvl="7">
-              <a:buNone/>
-              <a:defRPr>
+            <a:lvl8pPr indent="0" lvl="7" marL="0" marR="0" algn="r">
+              <a:lnSpc>
+                <a:spcPct val="100000"/>
+              </a:lnSpc>
+              <a:spcBef>
+                <a:spcPts val="0"/>
+              </a:spcBef>
+              <a:spcAft>
+                <a:spcPts val="0"/>
+              </a:spcAft>
+              <a:buClr>
+                <a:srgbClr val="000000"/>
+              </a:buClr>
+              <a:buSzPts val="1000"/>
+              <a:buFont typeface="Arial"/>
+              <a:buNone/>
+              <a:defRPr b="0" i="0" sz="1000" u="none" cap="none" strike="noStrike">
                 <a:solidFill>
                   <a:schemeClr val="lt1"/>
                 </a:solidFill>
+                <a:latin typeface="Lato"/>
+                <a:ea typeface="Lato"/>
+                <a:cs typeface="Lato"/>
+                <a:sym typeface="Lato"/>
               </a:defRPr>
             </a:lvl8pPr>
-            <a:lvl9pPr lvl="8">
-              <a:buNone/>
-              <a:defRPr>
+            <a:lvl9pPr indent="0" lvl="8" marL="0" marR="0" algn="r">
+              <a:lnSpc>
+                <a:spcPct val="100000"/>
+              </a:lnSpc>
+              <a:spcBef>
+                <a:spcPts val="0"/>
+              </a:spcBef>
+              <a:spcAft>
+                <a:spcPts val="0"/>
+              </a:spcAft>
+              <a:buClr>
+                <a:srgbClr val="000000"/>
+              </a:buClr>
+              <a:buSzPts val="1000"/>
+              <a:buFont typeface="Arial"/>
+              <a:buNone/>
+              <a:defRPr b="0" i="0" sz="1000" u="none" cap="none" strike="noStrike">
                 <a:solidFill>
                   <a:schemeClr val="lt1"/>
                 </a:solidFill>
+                <a:latin typeface="Lato"/>
+                <a:ea typeface="Lato"/>
+                <a:cs typeface="Lato"/>
+                <a:sym typeface="Lato"/>
               </a:defRPr>
             </a:lvl9pPr>
           </a:lstStyle>
@@ -5547,19 +8207,35 @@
           </a:bodyPr>
           <a:lstStyle/>
           <a:p>
-            <a:pPr indent="0" lvl="0" marL="0" rtl="0" algn="l">
-              <a:spcBef>
-                <a:spcPts val="0"/>
-              </a:spcBef>
-              <a:spcAft>
-                <a:spcPts val="0"/>
-              </a:spcAft>
+            <a:pPr indent="0" lvl="0" marL="0" marR="0" rtl="0" algn="l">
+              <a:lnSpc>
+                <a:spcPct val="100000"/>
+              </a:lnSpc>
+              <a:spcBef>
+                <a:spcPts val="0"/>
+              </a:spcBef>
+              <a:spcAft>
+                <a:spcPts val="0"/>
+              </a:spcAft>
+              <a:buClr>
+                <a:srgbClr val="000000"/>
+              </a:buClr>
+              <a:buSzPts val="1400"/>
+              <a:buFont typeface="Arial"/>
               <a:buNone/>
             </a:pPr>
             <a:r>
               <a:t/>
             </a:r>
-            <a:endParaRPr/>
+            <a:endParaRPr b="0" i="0" sz="1400" u="none" cap="none" strike="noStrike">
+              <a:solidFill>
+                <a:srgbClr val="000000"/>
+              </a:solidFill>
+              <a:latin typeface="Arial"/>
+              <a:ea typeface="Arial"/>
+              <a:cs typeface="Arial"/>
+              <a:sym typeface="Arial"/>
+            </a:endParaRPr>
           </a:p>
         </p:txBody>
       </p:sp>
@@ -5604,19 +8280,35 @@
             </a:bodyPr>
             <a:lstStyle/>
             <a:p>
-              <a:pPr indent="0" lvl="0" marL="0" rtl="0" algn="l">
+              <a:pPr indent="0" lvl="0" marL="0" marR="0" rtl="0" algn="l">
+                <a:lnSpc>
+                  <a:spcPct val="100000"/>
+                </a:lnSpc>
                 <a:spcBef>
                   <a:spcPts val="0"/>
                 </a:spcBef>
                 <a:spcAft>
                   <a:spcPts val="0"/>
                 </a:spcAft>
+                <a:buClr>
+                  <a:srgbClr val="000000"/>
+                </a:buClr>
+                <a:buSzPts val="1400"/>
+                <a:buFont typeface="Arial"/>
                 <a:buNone/>
               </a:pPr>
               <a:r>
                 <a:t/>
               </a:r>
-              <a:endParaRPr/>
+              <a:endParaRPr b="0" i="0" sz="1400" u="none" cap="none" strike="noStrike">
+                <a:solidFill>
+                  <a:srgbClr val="000000"/>
+                </a:solidFill>
+                <a:latin typeface="Arial"/>
+                <a:ea typeface="Arial"/>
+                <a:cs typeface="Arial"/>
+                <a:sym typeface="Arial"/>
+              </a:endParaRPr>
             </a:p>
           </p:txBody>
         </p:sp>
@@ -5647,19 +8339,35 @@
             </a:bodyPr>
             <a:lstStyle/>
             <a:p>
-              <a:pPr indent="0" lvl="0" marL="0" rtl="0" algn="l">
+              <a:pPr indent="0" lvl="0" marL="0" marR="0" rtl="0" algn="l">
+                <a:lnSpc>
+                  <a:spcPct val="100000"/>
+                </a:lnSpc>
                 <a:spcBef>
                   <a:spcPts val="0"/>
                 </a:spcBef>
                 <a:spcAft>
                   <a:spcPts val="0"/>
                 </a:spcAft>
+                <a:buClr>
+                  <a:srgbClr val="000000"/>
+                </a:buClr>
+                <a:buSzPts val="1400"/>
+                <a:buFont typeface="Arial"/>
                 <a:buNone/>
               </a:pPr>
               <a:r>
                 <a:t/>
               </a:r>
-              <a:endParaRPr/>
+              <a:endParaRPr b="0" i="0" sz="1400" u="none" cap="none" strike="noStrike">
+                <a:solidFill>
+                  <a:srgbClr val="000000"/>
+                </a:solidFill>
+                <a:latin typeface="Arial"/>
+                <a:ea typeface="Arial"/>
+                <a:cs typeface="Arial"/>
+                <a:sym typeface="Arial"/>
+              </a:endParaRPr>
             </a:p>
           </p:txBody>
         </p:sp>
@@ -5680,11 +8388,18 @@
           <a:prstGeom prst="rect">
             <a:avLst/>
           </a:prstGeom>
+          <a:noFill/>
+          <a:ln>
+            <a:noFill/>
+          </a:ln>
         </p:spPr>
         <p:txBody>
           <a:bodyPr anchorCtr="0" anchor="t" bIns="91425" lIns="91425" spcFirstLastPara="1" rIns="91425" wrap="square" tIns="91425"/>
           <a:lstStyle>
-            <a:lvl1pPr lvl="0">
+            <a:lvl1pPr lvl="0" algn="l">
+              <a:lnSpc>
+                <a:spcPct val="100000"/>
+              </a:lnSpc>
               <a:spcBef>
                 <a:spcPts val="0"/>
               </a:spcBef>
@@ -5702,7 +8417,10 @@
                 </a:solidFill>
               </a:defRPr>
             </a:lvl1pPr>
-            <a:lvl2pPr lvl="1">
+            <a:lvl2pPr lvl="1" algn="l">
+              <a:lnSpc>
+                <a:spcPct val="100000"/>
+              </a:lnSpc>
               <a:spcBef>
                 <a:spcPts val="0"/>
               </a:spcBef>
@@ -5720,7 +8438,10 @@
                 </a:solidFill>
               </a:defRPr>
             </a:lvl2pPr>
-            <a:lvl3pPr lvl="2">
+            <a:lvl3pPr lvl="2" algn="l">
+              <a:lnSpc>
+                <a:spcPct val="100000"/>
+              </a:lnSpc>
               <a:spcBef>
                 <a:spcPts val="0"/>
               </a:spcBef>
@@ -5738,7 +8459,10 @@
                 </a:solidFill>
               </a:defRPr>
             </a:lvl3pPr>
-            <a:lvl4pPr lvl="3">
+            <a:lvl4pPr lvl="3" algn="l">
+              <a:lnSpc>
+                <a:spcPct val="100000"/>
+              </a:lnSpc>
               <a:spcBef>
                 <a:spcPts val="0"/>
               </a:spcBef>
@@ -5756,7 +8480,10 @@
                 </a:solidFill>
               </a:defRPr>
             </a:lvl4pPr>
-            <a:lvl5pPr lvl="4">
+            <a:lvl5pPr lvl="4" algn="l">
+              <a:lnSpc>
+                <a:spcPct val="100000"/>
+              </a:lnSpc>
               <a:spcBef>
                 <a:spcPts val="0"/>
               </a:spcBef>
@@ -5774,7 +8501,10 @@
                 </a:solidFill>
               </a:defRPr>
             </a:lvl5pPr>
-            <a:lvl6pPr lvl="5">
+            <a:lvl6pPr lvl="5" algn="l">
+              <a:lnSpc>
+                <a:spcPct val="100000"/>
+              </a:lnSpc>
               <a:spcBef>
                 <a:spcPts val="0"/>
               </a:spcBef>
@@ -5792,7 +8522,10 @@
                 </a:solidFill>
               </a:defRPr>
             </a:lvl6pPr>
-            <a:lvl7pPr lvl="6">
+            <a:lvl7pPr lvl="6" algn="l">
+              <a:lnSpc>
+                <a:spcPct val="100000"/>
+              </a:lnSpc>
               <a:spcBef>
                 <a:spcPts val="0"/>
               </a:spcBef>
@@ -5810,7 +8543,10 @@
                 </a:solidFill>
               </a:defRPr>
             </a:lvl7pPr>
-            <a:lvl8pPr lvl="7">
+            <a:lvl8pPr lvl="7" algn="l">
+              <a:lnSpc>
+                <a:spcPct val="100000"/>
+              </a:lnSpc>
               <a:spcBef>
                 <a:spcPts val="0"/>
               </a:spcBef>
@@ -5828,7 +8564,10 @@
                 </a:solidFill>
               </a:defRPr>
             </a:lvl8pPr>
-            <a:lvl9pPr lvl="8">
+            <a:lvl9pPr lvl="8" algn="l">
+              <a:lnSpc>
+                <a:spcPct val="100000"/>
+              </a:lnSpc>
               <a:spcBef>
                 <a:spcPts val="0"/>
               </a:spcBef>
@@ -5866,11 +8605,15 @@
           <a:prstGeom prst="rect">
             <a:avLst/>
           </a:prstGeom>
+          <a:noFill/>
+          <a:ln>
+            <a:noFill/>
+          </a:ln>
         </p:spPr>
         <p:txBody>
           <a:bodyPr anchorCtr="0" anchor="t" bIns="91425" lIns="91425" spcFirstLastPara="1" rIns="91425" wrap="square" tIns="91425"/>
           <a:lstStyle>
-            <a:lvl1pPr lvl="0">
+            <a:lvl1pPr lvl="0" algn="l">
               <a:lnSpc>
                 <a:spcPct val="100000"/>
               </a:lnSpc>
@@ -5884,7 +8627,7 @@
               <a:buNone/>
               <a:defRPr sz="1600"/>
             </a:lvl1pPr>
-            <a:lvl2pPr lvl="1">
+            <a:lvl2pPr lvl="1" algn="l">
               <a:lnSpc>
                 <a:spcPct val="100000"/>
               </a:lnSpc>
@@ -5898,7 +8641,7 @@
               <a:buNone/>
               <a:defRPr sz="1600"/>
             </a:lvl2pPr>
-            <a:lvl3pPr lvl="2">
+            <a:lvl3pPr lvl="2" algn="l">
               <a:lnSpc>
                 <a:spcPct val="100000"/>
               </a:lnSpc>
@@ -5912,7 +8655,7 @@
               <a:buNone/>
               <a:defRPr sz="1600"/>
             </a:lvl3pPr>
-            <a:lvl4pPr lvl="3">
+            <a:lvl4pPr lvl="3" algn="l">
               <a:lnSpc>
                 <a:spcPct val="100000"/>
               </a:lnSpc>
@@ -5926,7 +8669,7 @@
               <a:buNone/>
               <a:defRPr sz="1600"/>
             </a:lvl4pPr>
-            <a:lvl5pPr lvl="4">
+            <a:lvl5pPr lvl="4" algn="l">
               <a:lnSpc>
                 <a:spcPct val="100000"/>
               </a:lnSpc>
@@ -5940,7 +8683,7 @@
               <a:buNone/>
               <a:defRPr sz="1600"/>
             </a:lvl5pPr>
-            <a:lvl6pPr lvl="5">
+            <a:lvl6pPr lvl="5" algn="l">
               <a:lnSpc>
                 <a:spcPct val="100000"/>
               </a:lnSpc>
@@ -5954,7 +8697,7 @@
               <a:buNone/>
               <a:defRPr sz="1600"/>
             </a:lvl6pPr>
-            <a:lvl7pPr lvl="6">
+            <a:lvl7pPr lvl="6" algn="l">
               <a:lnSpc>
                 <a:spcPct val="100000"/>
               </a:lnSpc>
@@ -5968,7 +8711,7 @@
               <a:buNone/>
               <a:defRPr sz="1600"/>
             </a:lvl7pPr>
-            <a:lvl8pPr lvl="7">
+            <a:lvl8pPr lvl="7" algn="l">
               <a:lnSpc>
                 <a:spcPct val="100000"/>
               </a:lnSpc>
@@ -5982,7 +8725,7 @@
               <a:buNone/>
               <a:defRPr sz="1600"/>
             </a:lvl8pPr>
-            <a:lvl9pPr lvl="8">
+            <a:lvl9pPr lvl="8" algn="l">
               <a:lnSpc>
                 <a:spcPct val="100000"/>
               </a:lnSpc>
@@ -6016,11 +8759,18 @@
           <a:prstGeom prst="rect">
             <a:avLst/>
           </a:prstGeom>
+          <a:noFill/>
+          <a:ln>
+            <a:noFill/>
+          </a:ln>
         </p:spPr>
         <p:txBody>
           <a:bodyPr anchorCtr="0" anchor="t" bIns="91425" lIns="91425" spcFirstLastPara="1" rIns="91425" wrap="square" tIns="91425"/>
           <a:lstStyle>
-            <a:lvl1pPr indent="-311150" lvl="0" marL="457200">
+            <a:lvl1pPr indent="-311150" lvl="0" marL="457200" algn="l">
+              <a:lnSpc>
+                <a:spcPct val="115000"/>
+              </a:lnSpc>
               <a:spcBef>
                 <a:spcPts val="0"/>
               </a:spcBef>
@@ -6031,7 +8781,10 @@
               <a:buChar char="●"/>
               <a:defRPr/>
             </a:lvl1pPr>
-            <a:lvl2pPr indent="-298450" lvl="1" marL="914400">
+            <a:lvl2pPr indent="-298450" lvl="1" marL="914400" algn="l">
+              <a:lnSpc>
+                <a:spcPct val="115000"/>
+              </a:lnSpc>
               <a:spcBef>
                 <a:spcPts val="1600"/>
               </a:spcBef>
@@ -6042,7 +8795,10 @@
               <a:buChar char="○"/>
               <a:defRPr/>
             </a:lvl2pPr>
-            <a:lvl3pPr indent="-298450" lvl="2" marL="1371600">
+            <a:lvl3pPr indent="-298450" lvl="2" marL="1371600" algn="l">
+              <a:lnSpc>
+                <a:spcPct val="115000"/>
+              </a:lnSpc>
               <a:spcBef>
                 <a:spcPts val="1600"/>
               </a:spcBef>
@@ -6053,7 +8809,10 @@
               <a:buChar char="■"/>
               <a:defRPr/>
             </a:lvl3pPr>
-            <a:lvl4pPr indent="-298450" lvl="3" marL="1828800">
+            <a:lvl4pPr indent="-298450" lvl="3" marL="1828800" algn="l">
+              <a:lnSpc>
+                <a:spcPct val="115000"/>
+              </a:lnSpc>
               <a:spcBef>
                 <a:spcPts val="1600"/>
               </a:spcBef>
@@ -6064,7 +8823,10 @@
               <a:buChar char="●"/>
               <a:defRPr/>
             </a:lvl4pPr>
-            <a:lvl5pPr indent="-298450" lvl="4" marL="2286000">
+            <a:lvl5pPr indent="-298450" lvl="4" marL="2286000" algn="l">
+              <a:lnSpc>
+                <a:spcPct val="115000"/>
+              </a:lnSpc>
               <a:spcBef>
                 <a:spcPts val="1600"/>
               </a:spcBef>
@@ -6075,7 +8837,10 @@
               <a:buChar char="○"/>
               <a:defRPr/>
             </a:lvl5pPr>
-            <a:lvl6pPr indent="-298450" lvl="5" marL="2743200">
+            <a:lvl6pPr indent="-298450" lvl="5" marL="2743200" algn="l">
+              <a:lnSpc>
+                <a:spcPct val="115000"/>
+              </a:lnSpc>
               <a:spcBef>
                 <a:spcPts val="1600"/>
               </a:spcBef>
@@ -6086,7 +8851,10 @@
               <a:buChar char="■"/>
               <a:defRPr/>
             </a:lvl6pPr>
-            <a:lvl7pPr indent="-298450" lvl="6" marL="3200400">
+            <a:lvl7pPr indent="-298450" lvl="6" marL="3200400" algn="l">
+              <a:lnSpc>
+                <a:spcPct val="115000"/>
+              </a:lnSpc>
               <a:spcBef>
                 <a:spcPts val="1600"/>
               </a:spcBef>
@@ -6097,7 +8865,10 @@
               <a:buChar char="●"/>
               <a:defRPr/>
             </a:lvl7pPr>
-            <a:lvl8pPr indent="-298450" lvl="7" marL="3657600">
+            <a:lvl8pPr indent="-298450" lvl="7" marL="3657600" algn="l">
+              <a:lnSpc>
+                <a:spcPct val="115000"/>
+              </a:lnSpc>
               <a:spcBef>
                 <a:spcPts val="1600"/>
               </a:spcBef>
@@ -6108,7 +8879,10 @@
               <a:buChar char="○"/>
               <a:defRPr/>
             </a:lvl8pPr>
-            <a:lvl9pPr indent="-298450" lvl="8" marL="4114800">
+            <a:lvl9pPr indent="-298450" lvl="8" marL="4114800" algn="l">
+              <a:lnSpc>
+                <a:spcPct val="115000"/>
+              </a:lnSpc>
               <a:spcBef>
                 <a:spcPts val="1600"/>
               </a:spcBef>
@@ -6139,47 +8913,249 @@
           <a:prstGeom prst="rect">
             <a:avLst/>
           </a:prstGeom>
+          <a:noFill/>
+          <a:ln>
+            <a:noFill/>
+          </a:ln>
         </p:spPr>
         <p:txBody>
           <a:bodyPr anchorCtr="0" anchor="ctr" bIns="91425" lIns="91425" spcFirstLastPara="1" rIns="91425" wrap="square" tIns="91425">
             <a:noAutofit/>
           </a:bodyPr>
           <a:lstStyle>
-            <a:lvl1pPr lvl="0">
-              <a:buNone/>
-              <a:defRPr/>
+            <a:lvl1pPr indent="0" lvl="0" marL="0" marR="0" algn="r">
+              <a:lnSpc>
+                <a:spcPct val="100000"/>
+              </a:lnSpc>
+              <a:spcBef>
+                <a:spcPts val="0"/>
+              </a:spcBef>
+              <a:spcAft>
+                <a:spcPts val="0"/>
+              </a:spcAft>
+              <a:buClr>
+                <a:srgbClr val="000000"/>
+              </a:buClr>
+              <a:buSzPts val="1000"/>
+              <a:buFont typeface="Arial"/>
+              <a:buNone/>
+              <a:defRPr b="0" i="0" sz="1000" u="none" cap="none" strike="noStrike">
+                <a:solidFill>
+                  <a:schemeClr val="accent1"/>
+                </a:solidFill>
+                <a:latin typeface="Lato"/>
+                <a:ea typeface="Lato"/>
+                <a:cs typeface="Lato"/>
+                <a:sym typeface="Lato"/>
+              </a:defRPr>
             </a:lvl1pPr>
-            <a:lvl2pPr lvl="1">
-              <a:buNone/>
-              <a:defRPr/>
+            <a:lvl2pPr indent="0" lvl="1" marL="0" marR="0" algn="r">
+              <a:lnSpc>
+                <a:spcPct val="100000"/>
+              </a:lnSpc>
+              <a:spcBef>
+                <a:spcPts val="0"/>
+              </a:spcBef>
+              <a:spcAft>
+                <a:spcPts val="0"/>
+              </a:spcAft>
+              <a:buClr>
+                <a:srgbClr val="000000"/>
+              </a:buClr>
+              <a:buSzPts val="1000"/>
+              <a:buFont typeface="Arial"/>
+              <a:buNone/>
+              <a:defRPr b="0" i="0" sz="1000" u="none" cap="none" strike="noStrike">
+                <a:solidFill>
+                  <a:schemeClr val="accent1"/>
+                </a:solidFill>
+                <a:latin typeface="Lato"/>
+                <a:ea typeface="Lato"/>
+                <a:cs typeface="Lato"/>
+                <a:sym typeface="Lato"/>
+              </a:defRPr>
             </a:lvl2pPr>
-            <a:lvl3pPr lvl="2">
-              <a:buNone/>
-              <a:defRPr/>
+            <a:lvl3pPr indent="0" lvl="2" marL="0" marR="0" algn="r">
+              <a:lnSpc>
+                <a:spcPct val="100000"/>
+              </a:lnSpc>
+              <a:spcBef>
+                <a:spcPts val="0"/>
+              </a:spcBef>
+              <a:spcAft>
+                <a:spcPts val="0"/>
+              </a:spcAft>
+              <a:buClr>
+                <a:srgbClr val="000000"/>
+              </a:buClr>
+              <a:buSzPts val="1000"/>
+              <a:buFont typeface="Arial"/>
+              <a:buNone/>
+              <a:defRPr b="0" i="0" sz="1000" u="none" cap="none" strike="noStrike">
+                <a:solidFill>
+                  <a:schemeClr val="accent1"/>
+                </a:solidFill>
+                <a:latin typeface="Lato"/>
+                <a:ea typeface="Lato"/>
+                <a:cs typeface="Lato"/>
+                <a:sym typeface="Lato"/>
+              </a:defRPr>
             </a:lvl3pPr>
-            <a:lvl4pPr lvl="3">
-              <a:buNone/>
-              <a:defRPr/>
+            <a:lvl4pPr indent="0" lvl="3" marL="0" marR="0" algn="r">
+              <a:lnSpc>
+                <a:spcPct val="100000"/>
+              </a:lnSpc>
+              <a:spcBef>
+                <a:spcPts val="0"/>
+              </a:spcBef>
+              <a:spcAft>
+                <a:spcPts val="0"/>
+              </a:spcAft>
+              <a:buClr>
+                <a:srgbClr val="000000"/>
+              </a:buClr>
+              <a:buSzPts val="1000"/>
+              <a:buFont typeface="Arial"/>
+              <a:buNone/>
+              <a:defRPr b="0" i="0" sz="1000" u="none" cap="none" strike="noStrike">
+                <a:solidFill>
+                  <a:schemeClr val="accent1"/>
+                </a:solidFill>
+                <a:latin typeface="Lato"/>
+                <a:ea typeface="Lato"/>
+                <a:cs typeface="Lato"/>
+                <a:sym typeface="Lato"/>
+              </a:defRPr>
             </a:lvl4pPr>
-            <a:lvl5pPr lvl="4">
-              <a:buNone/>
-              <a:defRPr/>
+            <a:lvl5pPr indent="0" lvl="4" marL="0" marR="0" algn="r">
+              <a:lnSpc>
+                <a:spcPct val="100000"/>
+              </a:lnSpc>
+              <a:spcBef>
+                <a:spcPts val="0"/>
+              </a:spcBef>
+              <a:spcAft>
+                <a:spcPts val="0"/>
+              </a:spcAft>
+              <a:buClr>
+                <a:srgbClr val="000000"/>
+              </a:buClr>
+              <a:buSzPts val="1000"/>
+              <a:buFont typeface="Arial"/>
+              <a:buNone/>
+              <a:defRPr b="0" i="0" sz="1000" u="none" cap="none" strike="noStrike">
+                <a:solidFill>
+                  <a:schemeClr val="accent1"/>
+                </a:solidFill>
+                <a:latin typeface="Lato"/>
+                <a:ea typeface="Lato"/>
+                <a:cs typeface="Lato"/>
+                <a:sym typeface="Lato"/>
+              </a:defRPr>
             </a:lvl5pPr>
-            <a:lvl6pPr lvl="5">
-              <a:buNone/>
-              <a:defRPr/>
+            <a:lvl6pPr indent="0" lvl="5" marL="0" marR="0" algn="r">
+              <a:lnSpc>
+                <a:spcPct val="100000"/>
+              </a:lnSpc>
+              <a:spcBef>
+                <a:spcPts val="0"/>
+              </a:spcBef>
+              <a:spcAft>
+                <a:spcPts val="0"/>
+              </a:spcAft>
+              <a:buClr>
+                <a:srgbClr val="000000"/>
+              </a:buClr>
+              <a:buSzPts val="1000"/>
+              <a:buFont typeface="Arial"/>
+              <a:buNone/>
+              <a:defRPr b="0" i="0" sz="1000" u="none" cap="none" strike="noStrike">
+                <a:solidFill>
+                  <a:schemeClr val="accent1"/>
+                </a:solidFill>
+                <a:latin typeface="Lato"/>
+                <a:ea typeface="Lato"/>
+                <a:cs typeface="Lato"/>
+                <a:sym typeface="Lato"/>
+              </a:defRPr>
             </a:lvl6pPr>
-            <a:lvl7pPr lvl="6">
-              <a:buNone/>
-              <a:defRPr/>
+            <a:lvl7pPr indent="0" lvl="6" marL="0" marR="0" algn="r">
+              <a:lnSpc>
+                <a:spcPct val="100000"/>
+              </a:lnSpc>
+              <a:spcBef>
+                <a:spcPts val="0"/>
+              </a:spcBef>
+              <a:spcAft>
+                <a:spcPts val="0"/>
+              </a:spcAft>
+              <a:buClr>
+                <a:srgbClr val="000000"/>
+              </a:buClr>
+              <a:buSzPts val="1000"/>
+              <a:buFont typeface="Arial"/>
+              <a:buNone/>
+              <a:defRPr b="0" i="0" sz="1000" u="none" cap="none" strike="noStrike">
+                <a:solidFill>
+                  <a:schemeClr val="accent1"/>
+                </a:solidFill>
+                <a:latin typeface="Lato"/>
+                <a:ea typeface="Lato"/>
+                <a:cs typeface="Lato"/>
+                <a:sym typeface="Lato"/>
+              </a:defRPr>
             </a:lvl7pPr>
-            <a:lvl8pPr lvl="7">
-              <a:buNone/>
-              <a:defRPr/>
+            <a:lvl8pPr indent="0" lvl="7" marL="0" marR="0" algn="r">
+              <a:lnSpc>
+                <a:spcPct val="100000"/>
+              </a:lnSpc>
+              <a:spcBef>
+                <a:spcPts val="0"/>
+              </a:spcBef>
+              <a:spcAft>
+                <a:spcPts val="0"/>
+              </a:spcAft>
+              <a:buClr>
+                <a:srgbClr val="000000"/>
+              </a:buClr>
+              <a:buSzPts val="1000"/>
+              <a:buFont typeface="Arial"/>
+              <a:buNone/>
+              <a:defRPr b="0" i="0" sz="1000" u="none" cap="none" strike="noStrike">
+                <a:solidFill>
+                  <a:schemeClr val="accent1"/>
+                </a:solidFill>
+                <a:latin typeface="Lato"/>
+                <a:ea typeface="Lato"/>
+                <a:cs typeface="Lato"/>
+                <a:sym typeface="Lato"/>
+              </a:defRPr>
             </a:lvl8pPr>
-            <a:lvl9pPr lvl="8">
-              <a:buNone/>
-              <a:defRPr/>
+            <a:lvl9pPr indent="0" lvl="8" marL="0" marR="0" algn="r">
+              <a:lnSpc>
+                <a:spcPct val="100000"/>
+              </a:lnSpc>
+              <a:spcBef>
+                <a:spcPts val="0"/>
+              </a:spcBef>
+              <a:spcAft>
+                <a:spcPts val="0"/>
+              </a:spcAft>
+              <a:buClr>
+                <a:srgbClr val="000000"/>
+              </a:buClr>
+              <a:buSzPts val="1000"/>
+              <a:buFont typeface="Arial"/>
+              <a:buNone/>
+              <a:defRPr b="0" i="0" sz="1000" u="none" cap="none" strike="noStrike">
+                <a:solidFill>
+                  <a:schemeClr val="accent1"/>
+                </a:solidFill>
+                <a:latin typeface="Lato"/>
+                <a:ea typeface="Lato"/>
+                <a:cs typeface="Lato"/>
+                <a:sym typeface="Lato"/>
+              </a:defRPr>
             </a:lvl9pPr>
           </a:lstStyle>
           <a:p>
@@ -6241,11 +9217,15 @@
           <a:prstGeom prst="rect">
             <a:avLst/>
           </a:prstGeom>
+          <a:noFill/>
+          <a:ln>
+            <a:noFill/>
+          </a:ln>
         </p:spPr>
         <p:txBody>
           <a:bodyPr anchorCtr="0" anchor="ctr" bIns="91425" lIns="91425" spcFirstLastPara="1" rIns="91425" wrap="square" tIns="91425"/>
           <a:lstStyle>
-            <a:lvl1pPr indent="-228600" lvl="0" marL="457200">
+            <a:lvl1pPr indent="-228600" lvl="0" marL="457200" algn="l">
               <a:lnSpc>
                 <a:spcPct val="100000"/>
               </a:lnSpc>
@@ -6279,47 +9259,249 @@
           <a:prstGeom prst="rect">
             <a:avLst/>
           </a:prstGeom>
+          <a:noFill/>
+          <a:ln>
+            <a:noFill/>
+          </a:ln>
         </p:spPr>
         <p:txBody>
           <a:bodyPr anchorCtr="0" anchor="ctr" bIns="91425" lIns="91425" spcFirstLastPara="1" rIns="91425" wrap="square" tIns="91425">
             <a:noAutofit/>
           </a:bodyPr>
           <a:lstStyle>
-            <a:lvl1pPr lvl="0">
-              <a:buNone/>
-              <a:defRPr/>
+            <a:lvl1pPr indent="0" lvl="0" marL="0" marR="0" algn="r">
+              <a:lnSpc>
+                <a:spcPct val="100000"/>
+              </a:lnSpc>
+              <a:spcBef>
+                <a:spcPts val="0"/>
+              </a:spcBef>
+              <a:spcAft>
+                <a:spcPts val="0"/>
+              </a:spcAft>
+              <a:buClr>
+                <a:srgbClr val="000000"/>
+              </a:buClr>
+              <a:buSzPts val="1000"/>
+              <a:buFont typeface="Arial"/>
+              <a:buNone/>
+              <a:defRPr b="0" i="0" sz="1000" u="none" cap="none" strike="noStrike">
+                <a:solidFill>
+                  <a:schemeClr val="accent1"/>
+                </a:solidFill>
+                <a:latin typeface="Lato"/>
+                <a:ea typeface="Lato"/>
+                <a:cs typeface="Lato"/>
+                <a:sym typeface="Lato"/>
+              </a:defRPr>
             </a:lvl1pPr>
-            <a:lvl2pPr lvl="1">
-              <a:buNone/>
-              <a:defRPr/>
+            <a:lvl2pPr indent="0" lvl="1" marL="0" marR="0" algn="r">
+              <a:lnSpc>
+                <a:spcPct val="100000"/>
+              </a:lnSpc>
+              <a:spcBef>
+                <a:spcPts val="0"/>
+              </a:spcBef>
+              <a:spcAft>
+                <a:spcPts val="0"/>
+              </a:spcAft>
+              <a:buClr>
+                <a:srgbClr val="000000"/>
+              </a:buClr>
+              <a:buSzPts val="1000"/>
+              <a:buFont typeface="Arial"/>
+              <a:buNone/>
+              <a:defRPr b="0" i="0" sz="1000" u="none" cap="none" strike="noStrike">
+                <a:solidFill>
+                  <a:schemeClr val="accent1"/>
+                </a:solidFill>
+                <a:latin typeface="Lato"/>
+                <a:ea typeface="Lato"/>
+                <a:cs typeface="Lato"/>
+                <a:sym typeface="Lato"/>
+              </a:defRPr>
             </a:lvl2pPr>
-            <a:lvl3pPr lvl="2">
-              <a:buNone/>
-              <a:defRPr/>
+            <a:lvl3pPr indent="0" lvl="2" marL="0" marR="0" algn="r">
+              <a:lnSpc>
+                <a:spcPct val="100000"/>
+              </a:lnSpc>
+              <a:spcBef>
+                <a:spcPts val="0"/>
+              </a:spcBef>
+              <a:spcAft>
+                <a:spcPts val="0"/>
+              </a:spcAft>
+              <a:buClr>
+                <a:srgbClr val="000000"/>
+              </a:buClr>
+              <a:buSzPts val="1000"/>
+              <a:buFont typeface="Arial"/>
+              <a:buNone/>
+              <a:defRPr b="0" i="0" sz="1000" u="none" cap="none" strike="noStrike">
+                <a:solidFill>
+                  <a:schemeClr val="accent1"/>
+                </a:solidFill>
+                <a:latin typeface="Lato"/>
+                <a:ea typeface="Lato"/>
+                <a:cs typeface="Lato"/>
+                <a:sym typeface="Lato"/>
+              </a:defRPr>
             </a:lvl3pPr>
-            <a:lvl4pPr lvl="3">
-              <a:buNone/>
-              <a:defRPr/>
+            <a:lvl4pPr indent="0" lvl="3" marL="0" marR="0" algn="r">
+              <a:lnSpc>
+                <a:spcPct val="100000"/>
+              </a:lnSpc>
+              <a:spcBef>
+                <a:spcPts val="0"/>
+              </a:spcBef>
+              <a:spcAft>
+                <a:spcPts val="0"/>
+              </a:spcAft>
+              <a:buClr>
+                <a:srgbClr val="000000"/>
+              </a:buClr>
+              <a:buSzPts val="1000"/>
+              <a:buFont typeface="Arial"/>
+              <a:buNone/>
+              <a:defRPr b="0" i="0" sz="1000" u="none" cap="none" strike="noStrike">
+                <a:solidFill>
+                  <a:schemeClr val="accent1"/>
+                </a:solidFill>
+                <a:latin typeface="Lato"/>
+                <a:ea typeface="Lato"/>
+                <a:cs typeface="Lato"/>
+                <a:sym typeface="Lato"/>
+              </a:defRPr>
             </a:lvl4pPr>
-            <a:lvl5pPr lvl="4">
-              <a:buNone/>
-              <a:defRPr/>
+            <a:lvl5pPr indent="0" lvl="4" marL="0" marR="0" algn="r">
+              <a:lnSpc>
+                <a:spcPct val="100000"/>
+              </a:lnSpc>
+              <a:spcBef>
+                <a:spcPts val="0"/>
+              </a:spcBef>
+              <a:spcAft>
+                <a:spcPts val="0"/>
+              </a:spcAft>
+              <a:buClr>
+                <a:srgbClr val="000000"/>
+              </a:buClr>
+              <a:buSzPts val="1000"/>
+              <a:buFont typeface="Arial"/>
+              <a:buNone/>
+              <a:defRPr b="0" i="0" sz="1000" u="none" cap="none" strike="noStrike">
+                <a:solidFill>
+                  <a:schemeClr val="accent1"/>
+                </a:solidFill>
+                <a:latin typeface="Lato"/>
+                <a:ea typeface="Lato"/>
+                <a:cs typeface="Lato"/>
+                <a:sym typeface="Lato"/>
+              </a:defRPr>
             </a:lvl5pPr>
-            <a:lvl6pPr lvl="5">
-              <a:buNone/>
-              <a:defRPr/>
+            <a:lvl6pPr indent="0" lvl="5" marL="0" marR="0" algn="r">
+              <a:lnSpc>
+                <a:spcPct val="100000"/>
+              </a:lnSpc>
+              <a:spcBef>
+                <a:spcPts val="0"/>
+              </a:spcBef>
+              <a:spcAft>
+                <a:spcPts val="0"/>
+              </a:spcAft>
+              <a:buClr>
+                <a:srgbClr val="000000"/>
+              </a:buClr>
+              <a:buSzPts val="1000"/>
+              <a:buFont typeface="Arial"/>
+              <a:buNone/>
+              <a:defRPr b="0" i="0" sz="1000" u="none" cap="none" strike="noStrike">
+                <a:solidFill>
+                  <a:schemeClr val="accent1"/>
+                </a:solidFill>
+                <a:latin typeface="Lato"/>
+                <a:ea typeface="Lato"/>
+                <a:cs typeface="Lato"/>
+                <a:sym typeface="Lato"/>
+              </a:defRPr>
             </a:lvl6pPr>
-            <a:lvl7pPr lvl="6">
-              <a:buNone/>
-              <a:defRPr/>
+            <a:lvl7pPr indent="0" lvl="6" marL="0" marR="0" algn="r">
+              <a:lnSpc>
+                <a:spcPct val="100000"/>
+              </a:lnSpc>
+              <a:spcBef>
+                <a:spcPts val="0"/>
+              </a:spcBef>
+              <a:spcAft>
+                <a:spcPts val="0"/>
+              </a:spcAft>
+              <a:buClr>
+                <a:srgbClr val="000000"/>
+              </a:buClr>
+              <a:buSzPts val="1000"/>
+              <a:buFont typeface="Arial"/>
+              <a:buNone/>
+              <a:defRPr b="0" i="0" sz="1000" u="none" cap="none" strike="noStrike">
+                <a:solidFill>
+                  <a:schemeClr val="accent1"/>
+                </a:solidFill>
+                <a:latin typeface="Lato"/>
+                <a:ea typeface="Lato"/>
+                <a:cs typeface="Lato"/>
+                <a:sym typeface="Lato"/>
+              </a:defRPr>
             </a:lvl7pPr>
-            <a:lvl8pPr lvl="7">
-              <a:buNone/>
-              <a:defRPr/>
+            <a:lvl8pPr indent="0" lvl="7" marL="0" marR="0" algn="r">
+              <a:lnSpc>
+                <a:spcPct val="100000"/>
+              </a:lnSpc>
+              <a:spcBef>
+                <a:spcPts val="0"/>
+              </a:spcBef>
+              <a:spcAft>
+                <a:spcPts val="0"/>
+              </a:spcAft>
+              <a:buClr>
+                <a:srgbClr val="000000"/>
+              </a:buClr>
+              <a:buSzPts val="1000"/>
+              <a:buFont typeface="Arial"/>
+              <a:buNone/>
+              <a:defRPr b="0" i="0" sz="1000" u="none" cap="none" strike="noStrike">
+                <a:solidFill>
+                  <a:schemeClr val="accent1"/>
+                </a:solidFill>
+                <a:latin typeface="Lato"/>
+                <a:ea typeface="Lato"/>
+                <a:cs typeface="Lato"/>
+                <a:sym typeface="Lato"/>
+              </a:defRPr>
             </a:lvl8pPr>
-            <a:lvl9pPr lvl="8">
-              <a:buNone/>
-              <a:defRPr/>
+            <a:lvl9pPr indent="0" lvl="8" marL="0" marR="0" algn="r">
+              <a:lnSpc>
+                <a:spcPct val="100000"/>
+              </a:lnSpc>
+              <a:spcBef>
+                <a:spcPts val="0"/>
+              </a:spcBef>
+              <a:spcAft>
+                <a:spcPts val="0"/>
+              </a:spcAft>
+              <a:buClr>
+                <a:srgbClr val="000000"/>
+              </a:buClr>
+              <a:buSzPts val="1000"/>
+              <a:buFont typeface="Arial"/>
+              <a:buNone/>
+              <a:defRPr b="0" i="0" sz="1000" u="none" cap="none" strike="noStrike">
+                <a:solidFill>
+                  <a:schemeClr val="accent1"/>
+                </a:solidFill>
+                <a:latin typeface="Lato"/>
+                <a:ea typeface="Lato"/>
+                <a:cs typeface="Lato"/>
+                <a:sym typeface="Lato"/>
+              </a:defRPr>
             </a:lvl9pPr>
           </a:lstStyle>
           <a:p>
@@ -6396,153 +9578,234 @@
         <p:txBody>
           <a:bodyPr anchorCtr="0" anchor="t" bIns="91425" lIns="91425" spcFirstLastPara="1" rIns="91425" wrap="square" tIns="91425"/>
           <a:lstStyle>
-            <a:lvl1pPr lvl="0">
-              <a:spcBef>
-                <a:spcPts val="0"/>
-              </a:spcBef>
-              <a:spcAft>
-                <a:spcPts val="0"/>
-              </a:spcAft>
+            <a:lvl1pPr lvl="0" marR="0" rtl="0" algn="l">
+              <a:lnSpc>
+                <a:spcPct val="100000"/>
+              </a:lnSpc>
+              <a:spcBef>
+                <a:spcPts val="0"/>
+              </a:spcBef>
+              <a:spcAft>
+                <a:spcPts val="0"/>
+              </a:spcAft>
+              <a:buClr>
+                <a:srgbClr val="000000"/>
+              </a:buClr>
               <a:buSzPts val="2800"/>
               <a:buFont typeface="Raleway"/>
               <a:buNone/>
-              <a:defRPr b="1" sz="2800">
+              <a:defRPr b="1" i="0" sz="2800" u="none" cap="none" strike="noStrike">
+                <a:solidFill>
+                  <a:srgbClr val="000000"/>
+                </a:solidFill>
                 <a:latin typeface="Raleway"/>
                 <a:ea typeface="Raleway"/>
                 <a:cs typeface="Raleway"/>
                 <a:sym typeface="Raleway"/>
               </a:defRPr>
             </a:lvl1pPr>
-            <a:lvl2pPr lvl="1">
-              <a:spcBef>
-                <a:spcPts val="0"/>
-              </a:spcBef>
-              <a:spcAft>
-                <a:spcPts val="0"/>
-              </a:spcAft>
+            <a:lvl2pPr lvl="1" marR="0" rtl="0" algn="l">
+              <a:lnSpc>
+                <a:spcPct val="100000"/>
+              </a:lnSpc>
+              <a:spcBef>
+                <a:spcPts val="0"/>
+              </a:spcBef>
+              <a:spcAft>
+                <a:spcPts val="0"/>
+              </a:spcAft>
+              <a:buClr>
+                <a:srgbClr val="000000"/>
+              </a:buClr>
               <a:buSzPts val="2800"/>
               <a:buFont typeface="Raleway"/>
               <a:buNone/>
-              <a:defRPr b="1" sz="2800">
+              <a:defRPr b="1" i="0" sz="2800" u="none" cap="none" strike="noStrike">
+                <a:solidFill>
+                  <a:srgbClr val="000000"/>
+                </a:solidFill>
                 <a:latin typeface="Raleway"/>
                 <a:ea typeface="Raleway"/>
                 <a:cs typeface="Raleway"/>
                 <a:sym typeface="Raleway"/>
               </a:defRPr>
             </a:lvl2pPr>
-            <a:lvl3pPr lvl="2">
-              <a:spcBef>
-                <a:spcPts val="0"/>
-              </a:spcBef>
-              <a:spcAft>
-                <a:spcPts val="0"/>
-              </a:spcAft>
+            <a:lvl3pPr lvl="2" marR="0" rtl="0" algn="l">
+              <a:lnSpc>
+                <a:spcPct val="100000"/>
+              </a:lnSpc>
+              <a:spcBef>
+                <a:spcPts val="0"/>
+              </a:spcBef>
+              <a:spcAft>
+                <a:spcPts val="0"/>
+              </a:spcAft>
+              <a:buClr>
+                <a:srgbClr val="000000"/>
+              </a:buClr>
               <a:buSzPts val="2800"/>
               <a:buFont typeface="Raleway"/>
               <a:buNone/>
-              <a:defRPr b="1" sz="2800">
+              <a:defRPr b="1" i="0" sz="2800" u="none" cap="none" strike="noStrike">
+                <a:solidFill>
+                  <a:srgbClr val="000000"/>
+                </a:solidFill>
                 <a:latin typeface="Raleway"/>
                 <a:ea typeface="Raleway"/>
                 <a:cs typeface="Raleway"/>
                 <a:sym typeface="Raleway"/>
               </a:defRPr>
             </a:lvl3pPr>
-            <a:lvl4pPr lvl="3">
-              <a:spcBef>
-                <a:spcPts val="0"/>
-              </a:spcBef>
-              <a:spcAft>
-                <a:spcPts val="0"/>
-              </a:spcAft>
+            <a:lvl4pPr lvl="3" marR="0" rtl="0" algn="l">
+              <a:lnSpc>
+                <a:spcPct val="100000"/>
+              </a:lnSpc>
+              <a:spcBef>
+                <a:spcPts val="0"/>
+              </a:spcBef>
+              <a:spcAft>
+                <a:spcPts val="0"/>
+              </a:spcAft>
+              <a:buClr>
+                <a:srgbClr val="000000"/>
+              </a:buClr>
               <a:buSzPts val="2800"/>
               <a:buFont typeface="Raleway"/>
               <a:buNone/>
-              <a:defRPr b="1" sz="2800">
+              <a:defRPr b="1" i="0" sz="2800" u="none" cap="none" strike="noStrike">
+                <a:solidFill>
+                  <a:srgbClr val="000000"/>
+                </a:solidFill>
                 <a:latin typeface="Raleway"/>
                 <a:ea typeface="Raleway"/>
                 <a:cs typeface="Raleway"/>
                 <a:sym typeface="Raleway"/>
               </a:defRPr>
             </a:lvl4pPr>
-            <a:lvl5pPr lvl="4">
-              <a:spcBef>
-                <a:spcPts val="0"/>
-              </a:spcBef>
-              <a:spcAft>
-                <a:spcPts val="0"/>
-              </a:spcAft>
+            <a:lvl5pPr lvl="4" marR="0" rtl="0" algn="l">
+              <a:lnSpc>
+                <a:spcPct val="100000"/>
+              </a:lnSpc>
+              <a:spcBef>
+                <a:spcPts val="0"/>
+              </a:spcBef>
+              <a:spcAft>
+                <a:spcPts val="0"/>
+              </a:spcAft>
+              <a:buClr>
+                <a:srgbClr val="000000"/>
+              </a:buClr>
               <a:buSzPts val="2800"/>
               <a:buFont typeface="Raleway"/>
               <a:buNone/>
-              <a:defRPr b="1" sz="2800">
+              <a:defRPr b="1" i="0" sz="2800" u="none" cap="none" strike="noStrike">
+                <a:solidFill>
+                  <a:srgbClr val="000000"/>
+                </a:solidFill>
                 <a:latin typeface="Raleway"/>
                 <a:ea typeface="Raleway"/>
                 <a:cs typeface="Raleway"/>
                 <a:sym typeface="Raleway"/>
               </a:defRPr>
             </a:lvl5pPr>
-            <a:lvl6pPr lvl="5">
-              <a:spcBef>
-                <a:spcPts val="0"/>
-              </a:spcBef>
-              <a:spcAft>
-                <a:spcPts val="0"/>
-              </a:spcAft>
+            <a:lvl6pPr lvl="5" marR="0" rtl="0" algn="l">
+              <a:lnSpc>
+                <a:spcPct val="100000"/>
+              </a:lnSpc>
+              <a:spcBef>
+                <a:spcPts val="0"/>
+              </a:spcBef>
+              <a:spcAft>
+                <a:spcPts val="0"/>
+              </a:spcAft>
+              <a:buClr>
+                <a:srgbClr val="000000"/>
+              </a:buClr>
               <a:buSzPts val="2800"/>
               <a:buFont typeface="Raleway"/>
               <a:buNone/>
-              <a:defRPr b="1" sz="2800">
+              <a:defRPr b="1" i="0" sz="2800" u="none" cap="none" strike="noStrike">
+                <a:solidFill>
+                  <a:srgbClr val="000000"/>
+                </a:solidFill>
                 <a:latin typeface="Raleway"/>
                 <a:ea typeface="Raleway"/>
                 <a:cs typeface="Raleway"/>
                 <a:sym typeface="Raleway"/>
               </a:defRPr>
             </a:lvl6pPr>
-            <a:lvl7pPr lvl="6">
-              <a:spcBef>
-                <a:spcPts val="0"/>
-              </a:spcBef>
-              <a:spcAft>
-                <a:spcPts val="0"/>
-              </a:spcAft>
+            <a:lvl7pPr lvl="6" marR="0" rtl="0" algn="l">
+              <a:lnSpc>
+                <a:spcPct val="100000"/>
+              </a:lnSpc>
+              <a:spcBef>
+                <a:spcPts val="0"/>
+              </a:spcBef>
+              <a:spcAft>
+                <a:spcPts val="0"/>
+              </a:spcAft>
+              <a:buClr>
+                <a:srgbClr val="000000"/>
+              </a:buClr>
               <a:buSzPts val="2800"/>
               <a:buFont typeface="Raleway"/>
               <a:buNone/>
-              <a:defRPr b="1" sz="2800">
+              <a:defRPr b="1" i="0" sz="2800" u="none" cap="none" strike="noStrike">
+                <a:solidFill>
+                  <a:srgbClr val="000000"/>
+                </a:solidFill>
                 <a:latin typeface="Raleway"/>
                 <a:ea typeface="Raleway"/>
                 <a:cs typeface="Raleway"/>
                 <a:sym typeface="Raleway"/>
               </a:defRPr>
             </a:lvl7pPr>
-            <a:lvl8pPr lvl="7">
-              <a:spcBef>
-                <a:spcPts val="0"/>
-              </a:spcBef>
-              <a:spcAft>
-                <a:spcPts val="0"/>
-              </a:spcAft>
+            <a:lvl8pPr lvl="7" marR="0" rtl="0" algn="l">
+              <a:lnSpc>
+                <a:spcPct val="100000"/>
+              </a:lnSpc>
+              <a:spcBef>
+                <a:spcPts val="0"/>
+              </a:spcBef>
+              <a:spcAft>
+                <a:spcPts val="0"/>
+              </a:spcAft>
+              <a:buClr>
+                <a:srgbClr val="000000"/>
+              </a:buClr>
               <a:buSzPts val="2800"/>
               <a:buFont typeface="Raleway"/>
               <a:buNone/>
-              <a:defRPr b="1" sz="2800">
+              <a:defRPr b="1" i="0" sz="2800" u="none" cap="none" strike="noStrike">
+                <a:solidFill>
+                  <a:srgbClr val="000000"/>
+                </a:solidFill>
                 <a:latin typeface="Raleway"/>
                 <a:ea typeface="Raleway"/>
                 <a:cs typeface="Raleway"/>
                 <a:sym typeface="Raleway"/>
               </a:defRPr>
             </a:lvl8pPr>
-            <a:lvl9pPr lvl="8">
-              <a:spcBef>
-                <a:spcPts val="0"/>
-              </a:spcBef>
-              <a:spcAft>
-                <a:spcPts val="0"/>
-              </a:spcAft>
+            <a:lvl9pPr lvl="8" marR="0" rtl="0" algn="l">
+              <a:lnSpc>
+                <a:spcPct val="100000"/>
+              </a:lnSpc>
+              <a:spcBef>
+                <a:spcPts val="0"/>
+              </a:spcBef>
+              <a:spcAft>
+                <a:spcPts val="0"/>
+              </a:spcAft>
+              <a:buClr>
+                <a:srgbClr val="000000"/>
+              </a:buClr>
               <a:buSzPts val="2800"/>
               <a:buFont typeface="Raleway"/>
               <a:buNone/>
-              <a:defRPr b="1" sz="2800">
+              <a:defRPr b="1" i="0" sz="2800" u="none" cap="none" strike="noStrike">
+                <a:solidFill>
+                  <a:srgbClr val="000000"/>
+                </a:solidFill>
                 <a:latin typeface="Raleway"/>
                 <a:ea typeface="Raleway"/>
                 <a:cs typeface="Raleway"/>
@@ -6577,7 +9840,7 @@
         <p:txBody>
           <a:bodyPr anchorCtr="0" anchor="t" bIns="91425" lIns="91425" spcFirstLastPara="1" rIns="91425" wrap="square" tIns="91425"/>
           <a:lstStyle>
-            <a:lvl1pPr indent="-311150" lvl="0" marL="457200">
+            <a:lvl1pPr indent="-311150" lvl="0" marL="457200" marR="0" rtl="0" algn="l">
               <a:lnSpc>
                 <a:spcPct val="115000"/>
               </a:lnSpc>
@@ -6593,7 +9856,7 @@
               <a:buSzPts val="1300"/>
               <a:buFont typeface="Lato"/>
               <a:buChar char="●"/>
-              <a:defRPr sz="1300">
+              <a:defRPr b="0" i="0" sz="1300" u="none" cap="none" strike="noStrike">
                 <a:solidFill>
                   <a:schemeClr val="accent1"/>
                 </a:solidFill>
@@ -6603,7 +9866,7 @@
                 <a:sym typeface="Lato"/>
               </a:defRPr>
             </a:lvl1pPr>
-            <a:lvl2pPr indent="-298450" lvl="1" marL="914400">
+            <a:lvl2pPr indent="-298450" lvl="1" marL="914400" marR="0" rtl="0" algn="l">
               <a:lnSpc>
                 <a:spcPct val="115000"/>
               </a:lnSpc>
@@ -6619,7 +9882,7 @@
               <a:buSzPts val="1100"/>
               <a:buFont typeface="Lato"/>
               <a:buChar char="○"/>
-              <a:defRPr sz="1100">
+              <a:defRPr b="0" i="0" sz="1100" u="none" cap="none" strike="noStrike">
                 <a:solidFill>
                   <a:schemeClr val="accent1"/>
                 </a:solidFill>
@@ -6629,7 +9892,7 @@
                 <a:sym typeface="Lato"/>
               </a:defRPr>
             </a:lvl2pPr>
-            <a:lvl3pPr indent="-298450" lvl="2" marL="1371600">
+            <a:lvl3pPr indent="-298450" lvl="2" marL="1371600" marR="0" rtl="0" algn="l">
               <a:lnSpc>
                 <a:spcPct val="115000"/>
               </a:lnSpc>
@@ -6645,7 +9908,7 @@
               <a:buSzPts val="1100"/>
               <a:buFont typeface="Lato"/>
               <a:buChar char="■"/>
-              <a:defRPr sz="1100">
+              <a:defRPr b="0" i="0" sz="1100" u="none" cap="none" strike="noStrike">
                 <a:solidFill>
                   <a:schemeClr val="accent1"/>
                 </a:solidFill>
@@ -6655,7 +9918,7 @@
                 <a:sym typeface="Lato"/>
               </a:defRPr>
             </a:lvl3pPr>
-            <a:lvl4pPr indent="-298450" lvl="3" marL="1828800">
+            <a:lvl4pPr indent="-298450" lvl="3" marL="1828800" marR="0" rtl="0" algn="l">
               <a:lnSpc>
                 <a:spcPct val="115000"/>
               </a:lnSpc>
@@ -6671,7 +9934,7 @@
               <a:buSzPts val="1100"/>
               <a:buFont typeface="Lato"/>
               <a:buChar char="●"/>
-              <a:defRPr sz="1100">
+              <a:defRPr b="0" i="0" sz="1100" u="none" cap="none" strike="noStrike">
                 <a:solidFill>
                   <a:schemeClr val="accent1"/>
                 </a:solidFill>
@@ -6681,7 +9944,7 @@
                 <a:sym typeface="Lato"/>
               </a:defRPr>
             </a:lvl4pPr>
-            <a:lvl5pPr indent="-298450" lvl="4" marL="2286000">
+            <a:lvl5pPr indent="-298450" lvl="4" marL="2286000" marR="0" rtl="0" algn="l">
               <a:lnSpc>
                 <a:spcPct val="115000"/>
               </a:lnSpc>
@@ -6697,7 +9960,7 @@
               <a:buSzPts val="1100"/>
               <a:buFont typeface="Lato"/>
               <a:buChar char="○"/>
-              <a:defRPr sz="1100">
+              <a:defRPr b="0" i="0" sz="1100" u="none" cap="none" strike="noStrike">
                 <a:solidFill>
                   <a:schemeClr val="accent1"/>
                 </a:solidFill>
@@ -6707,7 +9970,7 @@
                 <a:sym typeface="Lato"/>
               </a:defRPr>
             </a:lvl5pPr>
-            <a:lvl6pPr indent="-298450" lvl="5" marL="2743200">
+            <a:lvl6pPr indent="-298450" lvl="5" marL="2743200" marR="0" rtl="0" algn="l">
               <a:lnSpc>
                 <a:spcPct val="115000"/>
               </a:lnSpc>
@@ -6723,7 +9986,7 @@
               <a:buSzPts val="1100"/>
               <a:buFont typeface="Lato"/>
               <a:buChar char="■"/>
-              <a:defRPr sz="1100">
+              <a:defRPr b="0" i="0" sz="1100" u="none" cap="none" strike="noStrike">
                 <a:solidFill>
                   <a:schemeClr val="accent1"/>
                 </a:solidFill>
@@ -6733,7 +9996,7 @@
                 <a:sym typeface="Lato"/>
               </a:defRPr>
             </a:lvl6pPr>
-            <a:lvl7pPr indent="-298450" lvl="6" marL="3200400">
+            <a:lvl7pPr indent="-298450" lvl="6" marL="3200400" marR="0" rtl="0" algn="l">
               <a:lnSpc>
                 <a:spcPct val="115000"/>
               </a:lnSpc>
@@ -6749,7 +10012,7 @@
               <a:buSzPts val="1100"/>
               <a:buFont typeface="Lato"/>
               <a:buChar char="●"/>
-              <a:defRPr sz="1100">
+              <a:defRPr b="0" i="0" sz="1100" u="none" cap="none" strike="noStrike">
                 <a:solidFill>
                   <a:schemeClr val="accent1"/>
                 </a:solidFill>
@@ -6759,7 +10022,7 @@
                 <a:sym typeface="Lato"/>
               </a:defRPr>
             </a:lvl7pPr>
-            <a:lvl8pPr indent="-298450" lvl="7" marL="3657600">
+            <a:lvl8pPr indent="-298450" lvl="7" marL="3657600" marR="0" rtl="0" algn="l">
               <a:lnSpc>
                 <a:spcPct val="115000"/>
               </a:lnSpc>
@@ -6775,7 +10038,7 @@
               <a:buSzPts val="1100"/>
               <a:buFont typeface="Lato"/>
               <a:buChar char="○"/>
-              <a:defRPr sz="1100">
+              <a:defRPr b="0" i="0" sz="1100" u="none" cap="none" strike="noStrike">
                 <a:solidFill>
                   <a:schemeClr val="accent1"/>
                 </a:solidFill>
@@ -6785,7 +10048,7 @@
                 <a:sym typeface="Lato"/>
               </a:defRPr>
             </a:lvl8pPr>
-            <a:lvl9pPr indent="-298450" lvl="8" marL="4114800">
+            <a:lvl9pPr indent="-298450" lvl="8" marL="4114800" marR="0" rtl="0" algn="l">
               <a:lnSpc>
                 <a:spcPct val="115000"/>
               </a:lnSpc>
@@ -6801,7 +10064,7 @@
               <a:buSzPts val="1100"/>
               <a:buFont typeface="Lato"/>
               <a:buChar char="■"/>
-              <a:defRPr sz="1100">
+              <a:defRPr b="0" i="0" sz="1100" u="none" cap="none" strike="noStrike">
                 <a:solidFill>
                   <a:schemeClr val="accent1"/>
                 </a:solidFill>
@@ -6841,9 +10104,23 @@
             <a:noAutofit/>
           </a:bodyPr>
           <a:lstStyle>
-            <a:lvl1pPr lvl="0" algn="r">
-              <a:buNone/>
-              <a:defRPr sz="1000">
+            <a:lvl1pPr indent="0" lvl="0" marL="0" marR="0" rtl="0" algn="r">
+              <a:lnSpc>
+                <a:spcPct val="100000"/>
+              </a:lnSpc>
+              <a:spcBef>
+                <a:spcPts val="0"/>
+              </a:spcBef>
+              <a:spcAft>
+                <a:spcPts val="0"/>
+              </a:spcAft>
+              <a:buClr>
+                <a:srgbClr val="000000"/>
+              </a:buClr>
+              <a:buSzPts val="1000"/>
+              <a:buFont typeface="Arial"/>
+              <a:buNone/>
+              <a:defRPr b="0" i="0" sz="1000" u="none" cap="none" strike="noStrike">
                 <a:solidFill>
                   <a:schemeClr val="accent1"/>
                 </a:solidFill>
@@ -6853,9 +10130,23 @@
                 <a:sym typeface="Lato"/>
               </a:defRPr>
             </a:lvl1pPr>
-            <a:lvl2pPr lvl="1" algn="r">
-              <a:buNone/>
-              <a:defRPr sz="1000">
+            <a:lvl2pPr indent="0" lvl="1" marL="0" marR="0" rtl="0" algn="r">
+              <a:lnSpc>
+                <a:spcPct val="100000"/>
+              </a:lnSpc>
+              <a:spcBef>
+                <a:spcPts val="0"/>
+              </a:spcBef>
+              <a:spcAft>
+                <a:spcPts val="0"/>
+              </a:spcAft>
+              <a:buClr>
+                <a:srgbClr val="000000"/>
+              </a:buClr>
+              <a:buSzPts val="1000"/>
+              <a:buFont typeface="Arial"/>
+              <a:buNone/>
+              <a:defRPr b="0" i="0" sz="1000" u="none" cap="none" strike="noStrike">
                 <a:solidFill>
                   <a:schemeClr val="accent1"/>
                 </a:solidFill>
@@ -6865,9 +10156,23 @@
                 <a:sym typeface="Lato"/>
               </a:defRPr>
             </a:lvl2pPr>
-            <a:lvl3pPr lvl="2" algn="r">
-              <a:buNone/>
-              <a:defRPr sz="1000">
+            <a:lvl3pPr indent="0" lvl="2" marL="0" marR="0" rtl="0" algn="r">
+              <a:lnSpc>
+                <a:spcPct val="100000"/>
+              </a:lnSpc>
+              <a:spcBef>
+                <a:spcPts val="0"/>
+              </a:spcBef>
+              <a:spcAft>
+                <a:spcPts val="0"/>
+              </a:spcAft>
+              <a:buClr>
+                <a:srgbClr val="000000"/>
+              </a:buClr>
+              <a:buSzPts val="1000"/>
+              <a:buFont typeface="Arial"/>
+              <a:buNone/>
+              <a:defRPr b="0" i="0" sz="1000" u="none" cap="none" strike="noStrike">
                 <a:solidFill>
                   <a:schemeClr val="accent1"/>
                 </a:solidFill>
@@ -6877,9 +10182,23 @@
                 <a:sym typeface="Lato"/>
               </a:defRPr>
             </a:lvl3pPr>
-            <a:lvl4pPr lvl="3" algn="r">
-              <a:buNone/>
-              <a:defRPr sz="1000">
+            <a:lvl4pPr indent="0" lvl="3" marL="0" marR="0" rtl="0" algn="r">
+              <a:lnSpc>
+                <a:spcPct val="100000"/>
+              </a:lnSpc>
+              <a:spcBef>
+                <a:spcPts val="0"/>
+              </a:spcBef>
+              <a:spcAft>
+                <a:spcPts val="0"/>
+              </a:spcAft>
+              <a:buClr>
+                <a:srgbClr val="000000"/>
+              </a:buClr>
+              <a:buSzPts val="1000"/>
+              <a:buFont typeface="Arial"/>
+              <a:buNone/>
+              <a:defRPr b="0" i="0" sz="1000" u="none" cap="none" strike="noStrike">
                 <a:solidFill>
                   <a:schemeClr val="accent1"/>
                 </a:solidFill>
@@ -6889,9 +10208,23 @@
                 <a:sym typeface="Lato"/>
               </a:defRPr>
             </a:lvl4pPr>
-            <a:lvl5pPr lvl="4" algn="r">
-              <a:buNone/>
-              <a:defRPr sz="1000">
+            <a:lvl5pPr indent="0" lvl="4" marL="0" marR="0" rtl="0" algn="r">
+              <a:lnSpc>
+                <a:spcPct val="100000"/>
+              </a:lnSpc>
+              <a:spcBef>
+                <a:spcPts val="0"/>
+              </a:spcBef>
+              <a:spcAft>
+                <a:spcPts val="0"/>
+              </a:spcAft>
+              <a:buClr>
+                <a:srgbClr val="000000"/>
+              </a:buClr>
+              <a:buSzPts val="1000"/>
+              <a:buFont typeface="Arial"/>
+              <a:buNone/>
+              <a:defRPr b="0" i="0" sz="1000" u="none" cap="none" strike="noStrike">
                 <a:solidFill>
                   <a:schemeClr val="accent1"/>
                 </a:solidFill>
@@ -6901,9 +10234,23 @@
                 <a:sym typeface="Lato"/>
               </a:defRPr>
             </a:lvl5pPr>
-            <a:lvl6pPr lvl="5" algn="r">
-              <a:buNone/>
-              <a:defRPr sz="1000">
+            <a:lvl6pPr indent="0" lvl="5" marL="0" marR="0" rtl="0" algn="r">
+              <a:lnSpc>
+                <a:spcPct val="100000"/>
+              </a:lnSpc>
+              <a:spcBef>
+                <a:spcPts val="0"/>
+              </a:spcBef>
+              <a:spcAft>
+                <a:spcPts val="0"/>
+              </a:spcAft>
+              <a:buClr>
+                <a:srgbClr val="000000"/>
+              </a:buClr>
+              <a:buSzPts val="1000"/>
+              <a:buFont typeface="Arial"/>
+              <a:buNone/>
+              <a:defRPr b="0" i="0" sz="1000" u="none" cap="none" strike="noStrike">
                 <a:solidFill>
                   <a:schemeClr val="accent1"/>
                 </a:solidFill>
@@ -6913,9 +10260,23 @@
                 <a:sym typeface="Lato"/>
               </a:defRPr>
             </a:lvl6pPr>
-            <a:lvl7pPr lvl="6" algn="r">
-              <a:buNone/>
-              <a:defRPr sz="1000">
+            <a:lvl7pPr indent="0" lvl="6" marL="0" marR="0" rtl="0" algn="r">
+              <a:lnSpc>
+                <a:spcPct val="100000"/>
+              </a:lnSpc>
+              <a:spcBef>
+                <a:spcPts val="0"/>
+              </a:spcBef>
+              <a:spcAft>
+                <a:spcPts val="0"/>
+              </a:spcAft>
+              <a:buClr>
+                <a:srgbClr val="000000"/>
+              </a:buClr>
+              <a:buSzPts val="1000"/>
+              <a:buFont typeface="Arial"/>
+              <a:buNone/>
+              <a:defRPr b="0" i="0" sz="1000" u="none" cap="none" strike="noStrike">
                 <a:solidFill>
                   <a:schemeClr val="accent1"/>
                 </a:solidFill>
@@ -6925,9 +10286,23 @@
                 <a:sym typeface="Lato"/>
               </a:defRPr>
             </a:lvl7pPr>
-            <a:lvl8pPr lvl="7" algn="r">
-              <a:buNone/>
-              <a:defRPr sz="1000">
+            <a:lvl8pPr indent="0" lvl="7" marL="0" marR="0" rtl="0" algn="r">
+              <a:lnSpc>
+                <a:spcPct val="100000"/>
+              </a:lnSpc>
+              <a:spcBef>
+                <a:spcPts val="0"/>
+              </a:spcBef>
+              <a:spcAft>
+                <a:spcPts val="0"/>
+              </a:spcAft>
+              <a:buClr>
+                <a:srgbClr val="000000"/>
+              </a:buClr>
+              <a:buSzPts val="1000"/>
+              <a:buFont typeface="Arial"/>
+              <a:buNone/>
+              <a:defRPr b="0" i="0" sz="1000" u="none" cap="none" strike="noStrike">
                 <a:solidFill>
                   <a:schemeClr val="accent1"/>
                 </a:solidFill>
@@ -6937,9 +10312,23 @@
                 <a:sym typeface="Lato"/>
               </a:defRPr>
             </a:lvl8pPr>
-            <a:lvl9pPr lvl="8" algn="r">
-              <a:buNone/>
-              <a:defRPr sz="1000">
+            <a:lvl9pPr indent="0" lvl="8" marL="0" marR="0" rtl="0" algn="r">
+              <a:lnSpc>
+                <a:spcPct val="100000"/>
+              </a:lnSpc>
+              <a:spcBef>
+                <a:spcPts val="0"/>
+              </a:spcBef>
+              <a:spcAft>
+                <a:spcPts val="0"/>
+              </a:spcAft>
+              <a:buClr>
+                <a:srgbClr val="000000"/>
+              </a:buClr>
+              <a:buSzPts val="1000"/>
+              <a:buFont typeface="Arial"/>
+              <a:buNone/>
+              <a:defRPr b="0" i="0" sz="1000" u="none" cap="none" strike="noStrike">
                 <a:solidFill>
                   <a:schemeClr val="accent1"/>
                 </a:solidFill>
@@ -7710,6 +11099,10 @@
           <a:prstGeom prst="rect">
             <a:avLst/>
           </a:prstGeom>
+          <a:noFill/>
+          <a:ln>
+            <a:noFill/>
+          </a:ln>
         </p:spPr>
         <p:txBody>
           <a:bodyPr anchorCtr="0" anchor="t" bIns="91425" lIns="91425" spcFirstLastPara="1" rIns="91425" wrap="square" tIns="91425">
@@ -7718,12 +11111,16 @@
           <a:lstStyle/>
           <a:p>
             <a:pPr indent="0" lvl="0" marL="0" rtl="0" algn="l">
-              <a:spcBef>
-                <a:spcPts val="0"/>
-              </a:spcBef>
-              <a:spcAft>
-                <a:spcPts val="0"/>
-              </a:spcAft>
+              <a:lnSpc>
+                <a:spcPct val="100000"/>
+              </a:lnSpc>
+              <a:spcBef>
+                <a:spcPts val="0"/>
+              </a:spcBef>
+              <a:spcAft>
+                <a:spcPts val="0"/>
+              </a:spcAft>
+              <a:buSzPts val="4200"/>
               <a:buNone/>
             </a:pPr>
             <a:r>
@@ -7750,6 +11147,10 @@
           <a:prstGeom prst="rect">
             <a:avLst/>
           </a:prstGeom>
+          <a:noFill/>
+          <a:ln>
+            <a:noFill/>
+          </a:ln>
         </p:spPr>
         <p:txBody>
           <a:bodyPr anchorCtr="0" anchor="t" bIns="91425" lIns="91425" spcFirstLastPara="1" rIns="91425" wrap="square" tIns="91425">
@@ -7758,25 +11159,21 @@
           <a:lstStyle/>
           <a:p>
             <a:pPr indent="0" lvl="0" marL="0" rtl="0" algn="l">
-              <a:spcBef>
-                <a:spcPts val="0"/>
-              </a:spcBef>
-              <a:spcAft>
-                <a:spcPts val="0"/>
-              </a:spcAft>
+              <a:lnSpc>
+                <a:spcPct val="100000"/>
+              </a:lnSpc>
+              <a:spcBef>
+                <a:spcPts val="0"/>
+              </a:spcBef>
+              <a:spcAft>
+                <a:spcPts val="0"/>
+              </a:spcAft>
+              <a:buSzPts val="1600"/>
               <a:buNone/>
             </a:pPr>
             <a:r>
               <a:rPr lang="en"/>
-              <a:t>Leveraging Istio to enforce rules-based authorization/authentication between </a:t>
-            </a:r>
-            <a:r>
-              <a:rPr lang="en"/>
-              <a:t>microservices</a:t>
-            </a:r>
-            <a:r>
-              <a:rPr lang="en"/>
-              <a:t> using Watson Health.</a:t>
+              <a:t>Leveraging Istio to enforce rules-based authorization/authentication between microservices in a health application.</a:t>
             </a:r>
             <a:endParaRPr/>
           </a:p>
@@ -7823,6 +11220,10 @@
           <a:prstGeom prst="rect">
             <a:avLst/>
           </a:prstGeom>
+          <a:noFill/>
+          <a:ln>
+            <a:noFill/>
+          </a:ln>
         </p:spPr>
         <p:txBody>
           <a:bodyPr anchorCtr="0" anchor="t" bIns="91425" lIns="91425" spcFirstLastPara="1" rIns="91425" wrap="square" tIns="91425">
@@ -7831,12 +11232,16 @@
           <a:lstStyle/>
           <a:p>
             <a:pPr indent="0" lvl="0" marL="0" rtl="0" algn="l">
-              <a:spcBef>
-                <a:spcPts val="0"/>
-              </a:spcBef>
-              <a:spcAft>
-                <a:spcPts val="0"/>
-              </a:spcAft>
+              <a:lnSpc>
+                <a:spcPct val="100000"/>
+              </a:lnSpc>
+              <a:spcBef>
+                <a:spcPts val="0"/>
+              </a:spcBef>
+              <a:spcAft>
+                <a:spcPts val="0"/>
+              </a:spcAft>
+              <a:buSzPts val="2600"/>
               <a:buNone/>
             </a:pPr>
             <a:r>
@@ -7863,6 +11268,10 @@
           <a:prstGeom prst="rect">
             <a:avLst/>
           </a:prstGeom>
+          <a:noFill/>
+          <a:ln>
+            <a:noFill/>
+          </a:ln>
         </p:spPr>
         <p:txBody>
           <a:bodyPr anchorCtr="0" anchor="t" bIns="91425" lIns="91425" spcFirstLastPara="1" rIns="91425" wrap="square" tIns="91425">
@@ -7880,6 +11289,7 @@
               <a:spcAft>
                 <a:spcPts val="0"/>
               </a:spcAft>
+              <a:buSzPts val="1300"/>
               <a:buNone/>
             </a:pPr>
             <a:r>
@@ -7951,6 +11361,7 @@
               <a:spcAft>
                 <a:spcPts val="0"/>
               </a:spcAft>
+              <a:buSzPts val="1300"/>
               <a:buNone/>
             </a:pPr>
             <a:r>
@@ -7980,6 +11391,7 @@
               <a:spcAft>
                 <a:spcPts val="0"/>
               </a:spcAft>
+              <a:buSzPts val="1300"/>
               <a:buNone/>
             </a:pPr>
             <a:r>
@@ -8143,6 +11555,10 @@
           <a:prstGeom prst="rect">
             <a:avLst/>
           </a:prstGeom>
+          <a:noFill/>
+          <a:ln>
+            <a:noFill/>
+          </a:ln>
         </p:spPr>
         <p:txBody>
           <a:bodyPr anchorCtr="0" anchor="t" bIns="91425" lIns="91425" spcFirstLastPara="1" rIns="91425" wrap="square" tIns="91425">
@@ -8151,12 +11567,16 @@
           <a:lstStyle/>
           <a:p>
             <a:pPr indent="0" lvl="0" marL="0" rtl="0" algn="l">
-              <a:spcBef>
-                <a:spcPts val="0"/>
-              </a:spcBef>
-              <a:spcAft>
-                <a:spcPts val="0"/>
-              </a:spcAft>
+              <a:lnSpc>
+                <a:spcPct val="100000"/>
+              </a:lnSpc>
+              <a:spcBef>
+                <a:spcPts val="0"/>
+              </a:spcBef>
+              <a:spcAft>
+                <a:spcPts val="0"/>
+              </a:spcAft>
+              <a:buSzPts val="2600"/>
               <a:buNone/>
             </a:pPr>
             <a:r>
@@ -8183,6 +11603,10 @@
           <a:prstGeom prst="rect">
             <a:avLst/>
           </a:prstGeom>
+          <a:noFill/>
+          <a:ln>
+            <a:noFill/>
+          </a:ln>
         </p:spPr>
         <p:txBody>
           <a:bodyPr anchorCtr="0" anchor="t" bIns="91425" lIns="91425" spcFirstLastPara="1" rIns="91425" wrap="square" tIns="91425">
@@ -8191,12 +11615,16 @@
           <a:lstStyle/>
           <a:p>
             <a:pPr indent="0" lvl="0" marL="0" rtl="0" algn="l">
+              <a:lnSpc>
+                <a:spcPct val="115000"/>
+              </a:lnSpc>
               <a:spcBef>
                 <a:spcPts val="1700"/>
               </a:spcBef>
               <a:spcAft>
                 <a:spcPts val="0"/>
               </a:spcAft>
+              <a:buSzPts val="1300"/>
               <a:buNone/>
             </a:pPr>
             <a:r>
@@ -8223,6 +11651,9 @@
           </a:p>
           <a:p>
             <a:pPr indent="-292100" lvl="0" marL="711200" marR="38100" rtl="0" algn="l">
+              <a:lnSpc>
+                <a:spcPct val="115000"/>
+              </a:lnSpc>
               <a:spcBef>
                 <a:spcPts val="1700"/>
               </a:spcBef>
@@ -8260,6 +11691,9 @@
           </a:p>
           <a:p>
             <a:pPr indent="-292100" lvl="0" marL="711200" marR="38100" rtl="0" algn="l">
+              <a:lnSpc>
+                <a:spcPct val="115000"/>
+              </a:lnSpc>
               <a:spcBef>
                 <a:spcPts val="0"/>
               </a:spcBef>
@@ -8297,6 +11731,9 @@
           </a:p>
           <a:p>
             <a:pPr indent="-292100" lvl="0" marL="711200" marR="38100" rtl="0" algn="l">
+              <a:lnSpc>
+                <a:spcPct val="115000"/>
+              </a:lnSpc>
               <a:spcBef>
                 <a:spcPts val="0"/>
               </a:spcBef>
@@ -8334,6 +11771,9 @@
           </a:p>
           <a:p>
             <a:pPr indent="-292100" lvl="0" marL="711200" marR="38100" rtl="0" algn="l">
+              <a:lnSpc>
+                <a:spcPct val="115000"/>
+              </a:lnSpc>
               <a:spcBef>
                 <a:spcPts val="0"/>
               </a:spcBef>
@@ -8371,6 +11811,9 @@
           </a:p>
           <a:p>
             <a:pPr indent="-292100" lvl="0" marL="711200" marR="38100" rtl="0" algn="l">
+              <a:lnSpc>
+                <a:spcPct val="115000"/>
+              </a:lnSpc>
               <a:spcBef>
                 <a:spcPts val="0"/>
               </a:spcBef>
@@ -8408,12 +11851,16 @@
           </a:p>
           <a:p>
             <a:pPr indent="0" lvl="0" marL="0" rtl="0" algn="l">
+              <a:lnSpc>
+                <a:spcPct val="115000"/>
+              </a:lnSpc>
               <a:spcBef>
                 <a:spcPts val="1700"/>
               </a:spcBef>
               <a:spcAft>
                 <a:spcPts val="1700"/>
               </a:spcAft>
+              <a:buSzPts val="1300"/>
               <a:buNone/>
             </a:pPr>
             <a:r>
@@ -8481,6 +11928,10 @@
           <a:prstGeom prst="rect">
             <a:avLst/>
           </a:prstGeom>
+          <a:noFill/>
+          <a:ln>
+            <a:noFill/>
+          </a:ln>
         </p:spPr>
         <p:txBody>
           <a:bodyPr anchorCtr="0" anchor="t" bIns="91425" lIns="91425" spcFirstLastPara="1" rIns="91425" wrap="square" tIns="91425">
@@ -8489,12 +11940,16 @@
           <a:lstStyle/>
           <a:p>
             <a:pPr indent="0" lvl="0" marL="0" rtl="0" algn="l">
-              <a:spcBef>
-                <a:spcPts val="0"/>
-              </a:spcBef>
-              <a:spcAft>
-                <a:spcPts val="0"/>
-              </a:spcAft>
+              <a:lnSpc>
+                <a:spcPct val="100000"/>
+              </a:lnSpc>
+              <a:spcBef>
+                <a:spcPts val="0"/>
+              </a:spcBef>
+              <a:spcAft>
+                <a:spcPts val="0"/>
+              </a:spcAft>
+              <a:buSzPts val="2600"/>
               <a:buNone/>
             </a:pPr>
             <a:r>
@@ -8521,6 +11976,10 @@
           <a:prstGeom prst="rect">
             <a:avLst/>
           </a:prstGeom>
+          <a:noFill/>
+          <a:ln>
+            <a:noFill/>
+          </a:ln>
         </p:spPr>
         <p:txBody>
           <a:bodyPr anchorCtr="0" anchor="t" bIns="91425" lIns="91425" spcFirstLastPara="1" rIns="91425" wrap="square" tIns="91425">
@@ -8529,12 +11988,16 @@
           <a:lstStyle/>
           <a:p>
             <a:pPr indent="0" lvl="0" marL="0" rtl="0" algn="l">
-              <a:spcBef>
-                <a:spcPts val="0"/>
-              </a:spcBef>
-              <a:spcAft>
-                <a:spcPts val="0"/>
-              </a:spcAft>
+              <a:lnSpc>
+                <a:spcPct val="115000"/>
+              </a:lnSpc>
+              <a:spcBef>
+                <a:spcPts val="0"/>
+              </a:spcBef>
+              <a:spcAft>
+                <a:spcPts val="0"/>
+              </a:spcAft>
+              <a:buSzPts val="1300"/>
               <a:buNone/>
             </a:pPr>
             <a:r>
@@ -8567,12 +12030,16 @@
           </a:p>
           <a:p>
             <a:pPr indent="0" lvl="0" marL="0" rtl="0" algn="l">
+              <a:lnSpc>
+                <a:spcPct val="115000"/>
+              </a:lnSpc>
               <a:spcBef>
                 <a:spcPts val="1600"/>
               </a:spcBef>
               <a:spcAft>
                 <a:spcPts val="1600"/>
               </a:spcAft>
+              <a:buSzPts val="1300"/>
               <a:buNone/>
             </a:pPr>
             <a:r>
